--- a/Slides.pptx
+++ b/Slides.pptx
@@ -18,7 +18,7 @@
     <p:sldId id="262" r:id="rId9"/>
     <p:sldId id="263" r:id="rId10"/>
     <p:sldId id="264" r:id="rId11"/>
-    <p:sldId id="265" r:id="rId12"/>
+    <p:sldId id="281" r:id="rId12"/>
     <p:sldId id="266" r:id="rId13"/>
     <p:sldId id="267" r:id="rId14"/>
     <p:sldId id="268" r:id="rId15"/>
@@ -132,6 +132,11 @@
       </a:defRPr>
     </a:lvl9pPr>
   </p:defaultTextStyle>
+  <p:extLst>
+    <p:ext uri="{EFAFB233-063F-42B5-8137-9DF3F51BA10A}">
+      <p15:sldGuideLst xmlns:p15="http://schemas.microsoft.com/office/powerpoint/2012/main"/>
+    </p:ext>
+  </p:extLst>
 </p:presentation>
 </file>
 
@@ -700,7 +705,7 @@
     </p:spTree>
     <p:extLst>
       <p:ext uri="{BB962C8B-B14F-4D97-AF65-F5344CB8AC3E}">
-        <p14:creationId xmlns:p14="http://schemas.microsoft.com/office/powerpoint/2010/main" val="4280459250"/>
+        <p14:creationId xmlns:p14="http://schemas.microsoft.com/office/powerpoint/2010/main" val="1478340033"/>
       </p:ext>
     </p:extLst>
   </p:cSld>
@@ -758,12 +763,150 @@
               <a:buChar char="•"/>
             </a:pPr>
             <a:r>
-              <a:rPr lang="en-US" sz="2000" strike="noStrike">
-                <a:latin typeface="DejaVu Sans"/>
-              </a:rPr>
-              <a:t>Assim como variáveis, membros podem receber qualquer tipo de valor e mudar de tipo ao longo do tempo</a:t>
-            </a:r>
-            <a:endParaRPr/>
+              <a:rPr lang="en-US" sz="2000" strike="noStrike" dirty="0" err="1">
+                <a:latin typeface="DejaVu Sans"/>
+              </a:rPr>
+              <a:t>Assim</a:t>
+            </a:r>
+            <a:r>
+              <a:rPr lang="en-US" sz="2000" strike="noStrike" dirty="0">
+                <a:latin typeface="DejaVu Sans"/>
+              </a:rPr>
+              <a:t> </a:t>
+            </a:r>
+            <a:r>
+              <a:rPr lang="en-US" sz="2000" strike="noStrike" dirty="0" err="1">
+                <a:latin typeface="DejaVu Sans"/>
+              </a:rPr>
+              <a:t>como</a:t>
+            </a:r>
+            <a:r>
+              <a:rPr lang="en-US" sz="2000" strike="noStrike" dirty="0">
+                <a:latin typeface="DejaVu Sans"/>
+              </a:rPr>
+              <a:t> </a:t>
+            </a:r>
+            <a:r>
+              <a:rPr lang="en-US" sz="2000" strike="noStrike" dirty="0" err="1">
+                <a:latin typeface="DejaVu Sans"/>
+              </a:rPr>
+              <a:t>variáveis</a:t>
+            </a:r>
+            <a:r>
+              <a:rPr lang="en-US" sz="2000" strike="noStrike" dirty="0">
+                <a:latin typeface="DejaVu Sans"/>
+              </a:rPr>
+              <a:t>, </a:t>
+            </a:r>
+            <a:r>
+              <a:rPr lang="en-US" sz="2000" strike="noStrike" dirty="0" err="1">
+                <a:latin typeface="DejaVu Sans"/>
+              </a:rPr>
+              <a:t>membros</a:t>
+            </a:r>
+            <a:r>
+              <a:rPr lang="en-US" sz="2000" strike="noStrike" dirty="0">
+                <a:latin typeface="DejaVu Sans"/>
+              </a:rPr>
+              <a:t> </a:t>
+            </a:r>
+            <a:r>
+              <a:rPr lang="en-US" sz="2000" strike="noStrike" dirty="0" err="1">
+                <a:latin typeface="DejaVu Sans"/>
+              </a:rPr>
+              <a:t>podem</a:t>
+            </a:r>
+            <a:r>
+              <a:rPr lang="en-US" sz="2000" strike="noStrike" dirty="0">
+                <a:latin typeface="DejaVu Sans"/>
+              </a:rPr>
+              <a:t> </a:t>
+            </a:r>
+            <a:r>
+              <a:rPr lang="en-US" sz="2000" strike="noStrike" dirty="0" err="1">
+                <a:latin typeface="DejaVu Sans"/>
+              </a:rPr>
+              <a:t>receber</a:t>
+            </a:r>
+            <a:r>
+              <a:rPr lang="en-US" sz="2000" strike="noStrike" dirty="0">
+                <a:latin typeface="DejaVu Sans"/>
+              </a:rPr>
+              <a:t> </a:t>
+            </a:r>
+            <a:r>
+              <a:rPr lang="en-US" sz="2000" strike="noStrike" dirty="0" err="1">
+                <a:latin typeface="DejaVu Sans"/>
+              </a:rPr>
+              <a:t>qualquer</a:t>
+            </a:r>
+            <a:r>
+              <a:rPr lang="en-US" sz="2000" strike="noStrike" dirty="0">
+                <a:latin typeface="DejaVu Sans"/>
+              </a:rPr>
+              <a:t> </a:t>
+            </a:r>
+            <a:r>
+              <a:rPr lang="en-US" sz="2000" strike="noStrike" dirty="0" err="1">
+                <a:latin typeface="DejaVu Sans"/>
+              </a:rPr>
+              <a:t>tipo</a:t>
+            </a:r>
+            <a:r>
+              <a:rPr lang="en-US" sz="2000" strike="noStrike" dirty="0">
+                <a:latin typeface="DejaVu Sans"/>
+              </a:rPr>
+              <a:t> de valor e </a:t>
+            </a:r>
+            <a:r>
+              <a:rPr lang="en-US" sz="2000" strike="noStrike" dirty="0" err="1">
+                <a:latin typeface="DejaVu Sans"/>
+              </a:rPr>
+              <a:t>mudar</a:t>
+            </a:r>
+            <a:r>
+              <a:rPr lang="en-US" sz="2000" strike="noStrike" dirty="0">
+                <a:latin typeface="DejaVu Sans"/>
+              </a:rPr>
+              <a:t> de </a:t>
+            </a:r>
+            <a:r>
+              <a:rPr lang="en-US" sz="2000" strike="noStrike" dirty="0" err="1">
+                <a:latin typeface="DejaVu Sans"/>
+              </a:rPr>
+              <a:t>tipo</a:t>
+            </a:r>
+            <a:r>
+              <a:rPr lang="en-US" sz="2000" strike="noStrike" dirty="0">
+                <a:latin typeface="DejaVu Sans"/>
+              </a:rPr>
+              <a:t> </a:t>
+            </a:r>
+            <a:r>
+              <a:rPr lang="en-US" sz="2000" strike="noStrike" dirty="0" err="1">
+                <a:latin typeface="DejaVu Sans"/>
+              </a:rPr>
+              <a:t>ao</a:t>
+            </a:r>
+            <a:r>
+              <a:rPr lang="en-US" sz="2000" strike="noStrike" dirty="0">
+                <a:latin typeface="DejaVu Sans"/>
+              </a:rPr>
+              <a:t> </a:t>
+            </a:r>
+            <a:r>
+              <a:rPr lang="en-US" sz="2000" strike="noStrike" dirty="0" err="1">
+                <a:latin typeface="DejaVu Sans"/>
+              </a:rPr>
+              <a:t>longo</a:t>
+            </a:r>
+            <a:r>
+              <a:rPr lang="en-US" sz="2000" strike="noStrike" dirty="0">
+                <a:latin typeface="DejaVu Sans"/>
+              </a:rPr>
+              <a:t> do tempo</a:t>
+            </a:r>
+            <a:endParaRPr dirty="0"/>
           </a:p>
           <a:p>
             <a:pPr>
@@ -771,7 +914,7 @@
                 <a:spcPct val="100000"/>
               </a:lnSpc>
             </a:pPr>
-            <a:endParaRPr/>
+            <a:endParaRPr dirty="0"/>
           </a:p>
           <a:p>
             <a:pPr>
@@ -782,12 +925,12 @@
               <a:buChar char="•"/>
             </a:pPr>
             <a:r>
-              <a:rPr lang="en-US" sz="2000" strike="noStrike">
+              <a:rPr lang="en-US" sz="2000" strike="noStrike" dirty="0">
                 <a:latin typeface="DejaVu Sans"/>
               </a:rPr>
               <a:t>Fiddle</a:t>
             </a:r>
-            <a:endParaRPr/>
+            <a:endParaRPr dirty="0"/>
           </a:p>
           <a:p>
             <a:pPr lvl="1">
@@ -798,12 +941,18 @@
               <a:buChar char="•"/>
             </a:pPr>
             <a:r>
-              <a:rPr lang="en-US" sz="2000" strike="noStrike">
-                <a:latin typeface="DejaVu Sans"/>
-              </a:rPr>
-              <a:t>Literals e Nested</a:t>
-            </a:r>
-            <a:endParaRPr/>
+              <a:rPr lang="en-US" sz="2000" strike="noStrike" dirty="0">
+                <a:latin typeface="DejaVu Sans"/>
+              </a:rPr>
+              <a:t>Literals e </a:t>
+            </a:r>
+            <a:r>
+              <a:rPr lang="en-US" sz="2000" strike="noStrike" dirty="0" smtClean="0">
+                <a:latin typeface="DejaVu Sans"/>
+              </a:rPr>
+              <a:t>Nested (CONSOLE)</a:t>
+            </a:r>
+            <a:endParaRPr dirty="0"/>
           </a:p>
           <a:p>
             <a:pPr>
@@ -811,7 +960,7 @@
                 <a:spcPct val="100000"/>
               </a:lnSpc>
             </a:pPr>
-            <a:endParaRPr/>
+            <a:endParaRPr dirty="0"/>
           </a:p>
           <a:p>
             <a:pPr>
@@ -822,12 +971,90 @@
               <a:buChar char="•"/>
             </a:pPr>
             <a:r>
-              <a:rPr lang="en-US" sz="2000" strike="noStrike">
-                <a:latin typeface="DejaVu Sans"/>
-              </a:rPr>
-              <a:t>Prototypes serão vistos com mais detalhes ao ver construtores</a:t>
-            </a:r>
-            <a:endParaRPr/>
+              <a:rPr lang="en-US" sz="2000" strike="noStrike" dirty="0">
+                <a:latin typeface="DejaVu Sans"/>
+              </a:rPr>
+              <a:t>Prototypes </a:t>
+            </a:r>
+            <a:r>
+              <a:rPr lang="en-US" sz="2000" strike="noStrike" dirty="0" err="1">
+                <a:latin typeface="DejaVu Sans"/>
+              </a:rPr>
+              <a:t>serão</a:t>
+            </a:r>
+            <a:r>
+              <a:rPr lang="en-US" sz="2000" strike="noStrike" dirty="0">
+                <a:latin typeface="DejaVu Sans"/>
+              </a:rPr>
+              <a:t> </a:t>
+            </a:r>
+            <a:r>
+              <a:rPr lang="en-US" sz="2000" strike="noStrike" dirty="0" err="1">
+                <a:latin typeface="DejaVu Sans"/>
+              </a:rPr>
+              <a:t>vistos</a:t>
+            </a:r>
+            <a:r>
+              <a:rPr lang="en-US" sz="2000" strike="noStrike" dirty="0">
+                <a:latin typeface="DejaVu Sans"/>
+              </a:rPr>
+              <a:t> com </a:t>
+            </a:r>
+            <a:r>
+              <a:rPr lang="en-US" sz="2000" strike="noStrike" dirty="0" err="1">
+                <a:latin typeface="DejaVu Sans"/>
+              </a:rPr>
+              <a:t>mais</a:t>
+            </a:r>
+            <a:r>
+              <a:rPr lang="en-US" sz="2000" strike="noStrike" dirty="0">
+                <a:latin typeface="DejaVu Sans"/>
+              </a:rPr>
+              <a:t> </a:t>
+            </a:r>
+            <a:r>
+              <a:rPr lang="en-US" sz="2000" strike="noStrike" dirty="0" err="1">
+                <a:latin typeface="DejaVu Sans"/>
+              </a:rPr>
+              <a:t>detalhes</a:t>
+            </a:r>
+            <a:r>
+              <a:rPr lang="en-US" sz="2000" strike="noStrike" dirty="0">
+                <a:latin typeface="DejaVu Sans"/>
+              </a:rPr>
+              <a:t> </a:t>
+            </a:r>
+            <a:r>
+              <a:rPr lang="en-US" sz="2000" strike="noStrike" dirty="0" err="1">
+                <a:latin typeface="DejaVu Sans"/>
+              </a:rPr>
+              <a:t>ao</a:t>
+            </a:r>
+            <a:r>
+              <a:rPr lang="en-US" sz="2000" strike="noStrike" dirty="0">
+                <a:latin typeface="DejaVu Sans"/>
+              </a:rPr>
+              <a:t> </a:t>
+            </a:r>
+            <a:r>
+              <a:rPr lang="en-US" sz="2000" strike="noStrike" dirty="0" err="1">
+                <a:latin typeface="DejaVu Sans"/>
+              </a:rPr>
+              <a:t>ver</a:t>
+            </a:r>
+            <a:r>
+              <a:rPr lang="en-US" sz="2000" strike="noStrike" dirty="0">
+                <a:latin typeface="DejaVu Sans"/>
+              </a:rPr>
+              <a:t> </a:t>
+            </a:r>
+            <a:r>
+              <a:rPr lang="en-US" sz="2000" strike="noStrike" dirty="0" err="1">
+                <a:latin typeface="DejaVu Sans"/>
+              </a:rPr>
+              <a:t>construtores</a:t>
+            </a:r>
+            <a:endParaRPr dirty="0"/>
           </a:p>
           <a:p>
             <a:pPr>
@@ -835,7 +1062,7 @@
                 <a:spcPct val="100000"/>
               </a:lnSpc>
             </a:pPr>
-            <a:endParaRPr/>
+            <a:endParaRPr dirty="0"/>
           </a:p>
           <a:p>
             <a:pPr>
@@ -846,12 +1073,12 @@
               <a:buChar char="•"/>
             </a:pPr>
             <a:r>
-              <a:rPr lang="en-US" sz="2000" strike="noStrike">
+              <a:rPr lang="en-US" sz="2000" strike="noStrike" dirty="0">
                 <a:latin typeface="DejaVu Sans"/>
               </a:rPr>
               <a:t>Fiddle</a:t>
             </a:r>
-            <a:endParaRPr/>
+            <a:endParaRPr dirty="0"/>
           </a:p>
           <a:p>
             <a:pPr lvl="1">
@@ -862,12 +1089,36 @@
               <a:buChar char="•"/>
             </a:pPr>
             <a:r>
-              <a:rPr lang="en-US" sz="2000" strike="noStrike">
-                <a:latin typeface="DejaVu Sans"/>
-              </a:rPr>
-              <a:t>Exemplificar com strings ou numbers</a:t>
-            </a:r>
-            <a:endParaRPr/>
+              <a:rPr lang="en-US" sz="2000" strike="noStrike" dirty="0" err="1">
+                <a:latin typeface="DejaVu Sans"/>
+              </a:rPr>
+              <a:t>Exemplificar</a:t>
+            </a:r>
+            <a:r>
+              <a:rPr lang="en-US" sz="2000" strike="noStrike" dirty="0">
+                <a:latin typeface="DejaVu Sans"/>
+              </a:rPr>
+              <a:t> com strings </a:t>
+            </a:r>
+            <a:r>
+              <a:rPr lang="en-US" sz="2000" strike="noStrike" dirty="0" err="1">
+                <a:latin typeface="DejaVu Sans"/>
+              </a:rPr>
+              <a:t>ou</a:t>
+            </a:r>
+            <a:r>
+              <a:rPr lang="en-US" sz="2000" strike="noStrike" dirty="0">
+                <a:latin typeface="DejaVu Sans"/>
+              </a:rPr>
+              <a:t> </a:t>
+            </a:r>
+            <a:r>
+              <a:rPr lang="en-US" sz="2000" strike="noStrike" dirty="0" smtClean="0">
+                <a:latin typeface="DejaVu Sans"/>
+              </a:rPr>
+              <a:t>numbers (CONSOLE)</a:t>
+            </a:r>
+            <a:endParaRPr dirty="0"/>
           </a:p>
           <a:p>
             <a:pPr lvl="1">
@@ -878,12 +1129,30 @@
               <a:buChar char="•"/>
             </a:pPr>
             <a:r>
-              <a:rPr lang="en-US" sz="2000" strike="noStrike">
-                <a:latin typeface="DejaVu Sans"/>
-              </a:rPr>
-              <a:t>Exemplificar hasOwnProperty</a:t>
-            </a:r>
-            <a:endParaRPr/>
+              <a:rPr lang="en-US" sz="2000" strike="noStrike" dirty="0" err="1">
+                <a:latin typeface="DejaVu Sans"/>
+              </a:rPr>
+              <a:t>Exemplificar</a:t>
+            </a:r>
+            <a:r>
+              <a:rPr lang="en-US" sz="2000" strike="noStrike" dirty="0">
+                <a:latin typeface="DejaVu Sans"/>
+              </a:rPr>
+              <a:t> </a:t>
+            </a:r>
+            <a:r>
+              <a:rPr lang="en-US" sz="2000" strike="noStrike" dirty="0" err="1" smtClean="0">
+                <a:latin typeface="DejaVu Sans"/>
+              </a:rPr>
+              <a:t>hasOwnProperty</a:t>
+            </a:r>
+            <a:r>
+              <a:rPr lang="en-US" sz="2000" strike="noStrike" dirty="0" smtClean="0">
+                <a:latin typeface="DejaVu Sans"/>
+              </a:rPr>
+              <a:t> (CONSOLE)</a:t>
+            </a:r>
+            <a:endParaRPr dirty="0"/>
           </a:p>
           <a:p>
             <a:pPr>
@@ -891,7 +1160,7 @@
                 <a:spcPct val="100000"/>
               </a:lnSpc>
             </a:pPr>
-            <a:endParaRPr/>
+            <a:endParaRPr dirty="0"/>
           </a:p>
           <a:p>
             <a:pPr>
@@ -902,12 +1171,72 @@
               <a:buChar char="•"/>
             </a:pPr>
             <a:r>
-              <a:rPr lang="en-US" sz="2000" strike="noStrike">
-                <a:latin typeface="DejaVu Sans"/>
-              </a:rPr>
-              <a:t>Objetos são sempre passados por referência</a:t>
-            </a:r>
-            <a:endParaRPr/>
+              <a:rPr lang="en-US" sz="2000" strike="noStrike" dirty="0" err="1">
+                <a:latin typeface="DejaVu Sans"/>
+              </a:rPr>
+              <a:t>Objetos</a:t>
+            </a:r>
+            <a:r>
+              <a:rPr lang="en-US" sz="2000" strike="noStrike" dirty="0">
+                <a:latin typeface="DejaVu Sans"/>
+              </a:rPr>
+              <a:t> </a:t>
+            </a:r>
+            <a:r>
+              <a:rPr lang="en-US" sz="2000" strike="noStrike" dirty="0" err="1">
+                <a:latin typeface="DejaVu Sans"/>
+              </a:rPr>
+              <a:t>são</a:t>
+            </a:r>
+            <a:r>
+              <a:rPr lang="en-US" sz="2000" strike="noStrike" dirty="0">
+                <a:latin typeface="DejaVu Sans"/>
+              </a:rPr>
+              <a:t> </a:t>
+            </a:r>
+            <a:r>
+              <a:rPr lang="en-US" sz="2000" strike="noStrike" dirty="0" err="1">
+                <a:latin typeface="DejaVu Sans"/>
+              </a:rPr>
+              <a:t>sempre</a:t>
+            </a:r>
+            <a:r>
+              <a:rPr lang="en-US" sz="2000" strike="noStrike" dirty="0">
+                <a:latin typeface="DejaVu Sans"/>
+              </a:rPr>
+              <a:t> </a:t>
+            </a:r>
+            <a:r>
+              <a:rPr lang="en-US" sz="2000" strike="noStrike" dirty="0" err="1">
+                <a:latin typeface="DejaVu Sans"/>
+              </a:rPr>
+              <a:t>passados</a:t>
+            </a:r>
+            <a:r>
+              <a:rPr lang="en-US" sz="2000" strike="noStrike" dirty="0">
+                <a:latin typeface="DejaVu Sans"/>
+              </a:rPr>
+              <a:t> </a:t>
+            </a:r>
+            <a:r>
+              <a:rPr lang="en-US" sz="2000" strike="noStrike" dirty="0" err="1">
+                <a:latin typeface="DejaVu Sans"/>
+              </a:rPr>
+              <a:t>por</a:t>
+            </a:r>
+            <a:r>
+              <a:rPr lang="en-US" sz="2000" strike="noStrike" dirty="0">
+                <a:latin typeface="DejaVu Sans"/>
+              </a:rPr>
+              <a:t> </a:t>
+            </a:r>
+            <a:r>
+              <a:rPr lang="en-US" sz="2000" strike="noStrike" dirty="0" err="1">
+                <a:latin typeface="DejaVu Sans"/>
+              </a:rPr>
+              <a:t>referência</a:t>
+            </a:r>
+            <a:endParaRPr dirty="0"/>
           </a:p>
           <a:p>
             <a:pPr>
@@ -918,12 +1247,114 @@
               <a:buChar char="•"/>
             </a:pPr>
             <a:r>
-              <a:rPr lang="en-US" sz="2000" strike="noStrike">
-                <a:latin typeface="DejaVu Sans"/>
-              </a:rPr>
-              <a:t>É possível comparar dois objetos, porém só será true se for a mesma referência</a:t>
-            </a:r>
-            <a:endParaRPr/>
+              <a:rPr lang="en-US" sz="2000" strike="noStrike" dirty="0">
+                <a:latin typeface="DejaVu Sans"/>
+              </a:rPr>
+              <a:t>É </a:t>
+            </a:r>
+            <a:r>
+              <a:rPr lang="en-US" sz="2000" strike="noStrike" dirty="0" err="1">
+                <a:latin typeface="DejaVu Sans"/>
+              </a:rPr>
+              <a:t>possível</a:t>
+            </a:r>
+            <a:r>
+              <a:rPr lang="en-US" sz="2000" strike="noStrike" dirty="0">
+                <a:latin typeface="DejaVu Sans"/>
+              </a:rPr>
+              <a:t> </a:t>
+            </a:r>
+            <a:r>
+              <a:rPr lang="en-US" sz="2000" strike="noStrike" dirty="0" err="1">
+                <a:latin typeface="DejaVu Sans"/>
+              </a:rPr>
+              <a:t>comparar</a:t>
+            </a:r>
+            <a:r>
+              <a:rPr lang="en-US" sz="2000" strike="noStrike" dirty="0">
+                <a:latin typeface="DejaVu Sans"/>
+              </a:rPr>
+              <a:t> </a:t>
+            </a:r>
+            <a:r>
+              <a:rPr lang="en-US" sz="2000" strike="noStrike" dirty="0" err="1">
+                <a:latin typeface="DejaVu Sans"/>
+              </a:rPr>
+              <a:t>dois</a:t>
+            </a:r>
+            <a:r>
+              <a:rPr lang="en-US" sz="2000" strike="noStrike" dirty="0">
+                <a:latin typeface="DejaVu Sans"/>
+              </a:rPr>
+              <a:t> </a:t>
+            </a:r>
+            <a:r>
+              <a:rPr lang="en-US" sz="2000" strike="noStrike" dirty="0" err="1">
+                <a:latin typeface="DejaVu Sans"/>
+              </a:rPr>
+              <a:t>objetos</a:t>
+            </a:r>
+            <a:r>
+              <a:rPr lang="en-US" sz="2000" strike="noStrike" dirty="0">
+                <a:latin typeface="DejaVu Sans"/>
+              </a:rPr>
+              <a:t>, </a:t>
+            </a:r>
+            <a:r>
+              <a:rPr lang="en-US" sz="2000" strike="noStrike" dirty="0" err="1">
+                <a:latin typeface="DejaVu Sans"/>
+              </a:rPr>
+              <a:t>porém</a:t>
+            </a:r>
+            <a:r>
+              <a:rPr lang="en-US" sz="2000" strike="noStrike" dirty="0">
+                <a:latin typeface="DejaVu Sans"/>
+              </a:rPr>
+              <a:t> </a:t>
+            </a:r>
+            <a:r>
+              <a:rPr lang="en-US" sz="2000" strike="noStrike" dirty="0" err="1">
+                <a:latin typeface="DejaVu Sans"/>
+              </a:rPr>
+              <a:t>só</a:t>
+            </a:r>
+            <a:r>
+              <a:rPr lang="en-US" sz="2000" strike="noStrike" dirty="0">
+                <a:latin typeface="DejaVu Sans"/>
+              </a:rPr>
+              <a:t> </a:t>
+            </a:r>
+            <a:r>
+              <a:rPr lang="en-US" sz="2000" strike="noStrike" dirty="0" err="1">
+                <a:latin typeface="DejaVu Sans"/>
+              </a:rPr>
+              <a:t>será</a:t>
+            </a:r>
+            <a:r>
+              <a:rPr lang="en-US" sz="2000" strike="noStrike" dirty="0">
+                <a:latin typeface="DejaVu Sans"/>
+              </a:rPr>
+              <a:t> true se for a </a:t>
+            </a:r>
+            <a:r>
+              <a:rPr lang="en-US" sz="2000" strike="noStrike" dirty="0" err="1">
+                <a:latin typeface="DejaVu Sans"/>
+              </a:rPr>
+              <a:t>mesma</a:t>
+            </a:r>
+            <a:r>
+              <a:rPr lang="en-US" sz="2000" strike="noStrike" dirty="0">
+                <a:latin typeface="DejaVu Sans"/>
+              </a:rPr>
+              <a:t> </a:t>
+            </a:r>
+            <a:r>
+              <a:rPr lang="en-US" sz="2000" strike="noStrike" dirty="0" err="1">
+                <a:latin typeface="DejaVu Sans"/>
+              </a:rPr>
+              <a:t>referência</a:t>
+            </a:r>
+            <a:endParaRPr dirty="0"/>
           </a:p>
         </p:txBody>
       </p:sp>
@@ -1460,12 +1891,66 @@
               <a:buChar char="•"/>
             </a:pPr>
             <a:r>
-              <a:rPr lang="en-US" sz="2000" strike="noStrike">
-                <a:latin typeface="DejaVu Sans"/>
-              </a:rPr>
-              <a:t>C-Like, mas permite tratar funções como valores</a:t>
-            </a:r>
-            <a:endParaRPr/>
+              <a:rPr lang="en-US" sz="2000" strike="noStrike" dirty="0">
+                <a:latin typeface="DejaVu Sans"/>
+              </a:rPr>
+              <a:t>C-Like, mas </a:t>
+            </a:r>
+            <a:r>
+              <a:rPr lang="en-US" sz="2000" strike="noStrike" dirty="0" err="1">
+                <a:latin typeface="DejaVu Sans"/>
+              </a:rPr>
+              <a:t>permite</a:t>
+            </a:r>
+            <a:r>
+              <a:rPr lang="en-US" sz="2000" strike="noStrike" dirty="0">
+                <a:latin typeface="DejaVu Sans"/>
+              </a:rPr>
+              <a:t> </a:t>
+            </a:r>
+            <a:r>
+              <a:rPr lang="en-US" sz="2000" strike="noStrike" dirty="0" err="1">
+                <a:latin typeface="DejaVu Sans"/>
+              </a:rPr>
+              <a:t>tratar</a:t>
+            </a:r>
+            <a:r>
+              <a:rPr lang="en-US" sz="2000" strike="noStrike" dirty="0">
+                <a:latin typeface="DejaVu Sans"/>
+              </a:rPr>
+              <a:t> </a:t>
+            </a:r>
+            <a:r>
+              <a:rPr lang="en-US" sz="2000" strike="noStrike" dirty="0" err="1">
+                <a:latin typeface="DejaVu Sans"/>
+              </a:rPr>
+              <a:t>funções</a:t>
+            </a:r>
+            <a:r>
+              <a:rPr lang="en-US" sz="2000" strike="noStrike" dirty="0">
+                <a:latin typeface="DejaVu Sans"/>
+              </a:rPr>
+              <a:t> </a:t>
+            </a:r>
+            <a:r>
+              <a:rPr lang="en-US" sz="2000" strike="noStrike" dirty="0" err="1">
+                <a:latin typeface="DejaVu Sans"/>
+              </a:rPr>
+              <a:t>como</a:t>
+            </a:r>
+            <a:r>
+              <a:rPr lang="en-US" sz="2000" strike="noStrike" dirty="0">
+                <a:latin typeface="DejaVu Sans"/>
+              </a:rPr>
+              <a:t> </a:t>
+            </a:r>
+            <a:r>
+              <a:rPr lang="en-US" sz="2000" strike="noStrike" dirty="0" err="1">
+                <a:latin typeface="DejaVu Sans"/>
+              </a:rPr>
+              <a:t>valores</a:t>
+            </a:r>
+            <a:endParaRPr dirty="0"/>
           </a:p>
           <a:p>
             <a:pPr>
@@ -1473,7 +1958,7 @@
                 <a:spcPct val="100000"/>
               </a:lnSpc>
             </a:pPr>
-            <a:endParaRPr/>
+            <a:endParaRPr dirty="0"/>
           </a:p>
           <a:p>
             <a:pPr>
@@ -1484,12 +1969,12 @@
               <a:buChar char="•"/>
             </a:pPr>
             <a:r>
-              <a:rPr lang="en-US" sz="2000" strike="noStrike">
+              <a:rPr lang="en-US" sz="2000" strike="noStrike" dirty="0">
                 <a:latin typeface="DejaVu Sans"/>
               </a:rPr>
               <a:t>Arithmetic</a:t>
             </a:r>
-            <a:endParaRPr/>
+            <a:endParaRPr dirty="0"/>
           </a:p>
           <a:p>
             <a:pPr lvl="1">
@@ -1500,12 +1985,30 @@
               <a:buChar char="•"/>
             </a:pPr>
             <a:r>
-              <a:rPr lang="en-US" sz="2000" strike="noStrike">
-                <a:latin typeface="DejaVu Sans"/>
-              </a:rPr>
-              <a:t>+ serve também para concatenar</a:t>
-            </a:r>
-            <a:endParaRPr/>
+              <a:rPr lang="en-US" sz="2000" strike="noStrike" dirty="0">
+                <a:latin typeface="DejaVu Sans"/>
+              </a:rPr>
+              <a:t>+ serve </a:t>
+            </a:r>
+            <a:r>
+              <a:rPr lang="en-US" sz="2000" strike="noStrike" dirty="0" err="1">
+                <a:latin typeface="DejaVu Sans"/>
+              </a:rPr>
+              <a:t>também</a:t>
+            </a:r>
+            <a:r>
+              <a:rPr lang="en-US" sz="2000" strike="noStrike" dirty="0">
+                <a:latin typeface="DejaVu Sans"/>
+              </a:rPr>
+              <a:t> para </a:t>
+            </a:r>
+            <a:r>
+              <a:rPr lang="en-US" sz="2000" strike="noStrike" dirty="0" err="1">
+                <a:latin typeface="DejaVu Sans"/>
+              </a:rPr>
+              <a:t>concatenar</a:t>
+            </a:r>
+            <a:endParaRPr dirty="0"/>
           </a:p>
           <a:p>
             <a:pPr lvl="1">
@@ -1516,12 +2019,12 @@
               <a:buChar char="•"/>
             </a:pPr>
             <a:r>
-              <a:rPr lang="en-US" sz="2000" strike="noStrike">
-                <a:latin typeface="DejaVu Sans"/>
-              </a:rPr>
-              <a:t>Fiddle</a:t>
-            </a:r>
-            <a:endParaRPr/>
+              <a:rPr lang="en-US" sz="2000" strike="noStrike" dirty="0" smtClean="0">
+                <a:latin typeface="DejaVu Sans"/>
+              </a:rPr>
+              <a:t>Fiddle (CONSOLE)</a:t>
+            </a:r>
+            <a:endParaRPr dirty="0"/>
           </a:p>
           <a:p>
             <a:pPr lvl="2">
@@ -1532,12 +2035,78 @@
               <a:buChar char="•"/>
             </a:pPr>
             <a:r>
-              <a:rPr lang="en-US" sz="2000" strike="noStrike">
-                <a:latin typeface="DejaVu Sans"/>
-              </a:rPr>
-              <a:t>No caso de haver números seguidos de string, converte para string e concatena</a:t>
-            </a:r>
-            <a:endParaRPr/>
+              <a:rPr lang="en-US" sz="2000" strike="noStrike" dirty="0">
+                <a:latin typeface="DejaVu Sans"/>
+              </a:rPr>
+              <a:t>No </a:t>
+            </a:r>
+            <a:r>
+              <a:rPr lang="en-US" sz="2000" strike="noStrike" dirty="0" err="1">
+                <a:latin typeface="DejaVu Sans"/>
+              </a:rPr>
+              <a:t>caso</a:t>
+            </a:r>
+            <a:r>
+              <a:rPr lang="en-US" sz="2000" strike="noStrike" dirty="0">
+                <a:latin typeface="DejaVu Sans"/>
+              </a:rPr>
+              <a:t> de </a:t>
+            </a:r>
+            <a:r>
+              <a:rPr lang="en-US" sz="2000" strike="noStrike" dirty="0" err="1">
+                <a:latin typeface="DejaVu Sans"/>
+              </a:rPr>
+              <a:t>haver</a:t>
+            </a:r>
+            <a:r>
+              <a:rPr lang="en-US" sz="2000" strike="noStrike" dirty="0">
+                <a:latin typeface="DejaVu Sans"/>
+              </a:rPr>
+              <a:t> </a:t>
+            </a:r>
+            <a:r>
+              <a:rPr lang="en-US" sz="2000" strike="noStrike" dirty="0" err="1">
+                <a:latin typeface="DejaVu Sans"/>
+              </a:rPr>
+              <a:t>números</a:t>
+            </a:r>
+            <a:r>
+              <a:rPr lang="en-US" sz="2000" strike="noStrike" dirty="0">
+                <a:latin typeface="DejaVu Sans"/>
+              </a:rPr>
+              <a:t> </a:t>
+            </a:r>
+            <a:r>
+              <a:rPr lang="en-US" sz="2000" strike="noStrike" dirty="0" err="1">
+                <a:latin typeface="DejaVu Sans"/>
+              </a:rPr>
+              <a:t>seguidos</a:t>
+            </a:r>
+            <a:r>
+              <a:rPr lang="en-US" sz="2000" strike="noStrike" dirty="0">
+                <a:latin typeface="DejaVu Sans"/>
+              </a:rPr>
+              <a:t> de string, </a:t>
+            </a:r>
+            <a:r>
+              <a:rPr lang="en-US" sz="2000" strike="noStrike" dirty="0" err="1">
+                <a:latin typeface="DejaVu Sans"/>
+              </a:rPr>
+              <a:t>converte</a:t>
+            </a:r>
+            <a:r>
+              <a:rPr lang="en-US" sz="2000" strike="noStrike" dirty="0">
+                <a:latin typeface="DejaVu Sans"/>
+              </a:rPr>
+              <a:t> para string e </a:t>
+            </a:r>
+            <a:r>
+              <a:rPr lang="en-US" sz="2000" strike="noStrike" dirty="0" err="1">
+                <a:latin typeface="DejaVu Sans"/>
+              </a:rPr>
+              <a:t>concatena</a:t>
+            </a:r>
+            <a:endParaRPr dirty="0"/>
           </a:p>
           <a:p>
             <a:pPr lvl="2">
@@ -1548,12 +2117,12 @@
               <a:buChar char="•"/>
             </a:pPr>
             <a:r>
-              <a:rPr lang="en-US" sz="2000" strike="noStrike">
+              <a:rPr lang="en-US" sz="2000" strike="noStrike" dirty="0">
                 <a:latin typeface="DejaVu Sans"/>
               </a:rPr>
               <a:t>Unary +“42” = Number(42)</a:t>
             </a:r>
-            <a:endParaRPr/>
+            <a:endParaRPr dirty="0"/>
           </a:p>
           <a:p>
             <a:pPr lvl="1">
@@ -1564,12 +2133,120 @@
               <a:buChar char="•"/>
             </a:pPr>
             <a:r>
-              <a:rPr lang="en-US" sz="2000" strike="noStrike">
-                <a:latin typeface="DejaVu Sans"/>
-              </a:rPr>
-              <a:t>Não há inteiros portanto dividir 2 números inteiros podem gerar decimais</a:t>
-            </a:r>
-            <a:endParaRPr/>
+              <a:rPr lang="en-US" sz="2000" strike="noStrike" dirty="0" err="1">
+                <a:latin typeface="DejaVu Sans"/>
+              </a:rPr>
+              <a:t>Não</a:t>
+            </a:r>
+            <a:r>
+              <a:rPr lang="en-US" sz="2000" strike="noStrike" dirty="0">
+                <a:latin typeface="DejaVu Sans"/>
+              </a:rPr>
+              <a:t> </a:t>
+            </a:r>
+            <a:r>
+              <a:rPr lang="en-US" sz="2000" strike="noStrike" dirty="0" err="1">
+                <a:latin typeface="DejaVu Sans"/>
+              </a:rPr>
+              <a:t>há</a:t>
+            </a:r>
+            <a:r>
+              <a:rPr lang="en-US" sz="2000" strike="noStrike" dirty="0">
+                <a:latin typeface="DejaVu Sans"/>
+              </a:rPr>
+              <a:t> </a:t>
+            </a:r>
+            <a:r>
+              <a:rPr lang="en-US" sz="2000" strike="noStrike" dirty="0" err="1">
+                <a:latin typeface="DejaVu Sans"/>
+              </a:rPr>
+              <a:t>inteiros</a:t>
+            </a:r>
+            <a:r>
+              <a:rPr lang="en-US" sz="2000" strike="noStrike" dirty="0">
+                <a:latin typeface="DejaVu Sans"/>
+              </a:rPr>
+              <a:t> </a:t>
+            </a:r>
+            <a:r>
+              <a:rPr lang="en-US" sz="2000" strike="noStrike" dirty="0" err="1">
+                <a:latin typeface="DejaVu Sans"/>
+              </a:rPr>
+              <a:t>portanto</a:t>
+            </a:r>
+            <a:r>
+              <a:rPr lang="en-US" sz="2000" strike="noStrike" dirty="0">
+                <a:latin typeface="DejaVu Sans"/>
+              </a:rPr>
+              <a:t> </a:t>
+            </a:r>
+            <a:r>
+              <a:rPr lang="en-US" sz="2000" strike="noStrike" dirty="0" err="1">
+                <a:latin typeface="DejaVu Sans"/>
+              </a:rPr>
+              <a:t>dividir</a:t>
+            </a:r>
+            <a:r>
+              <a:rPr lang="en-US" sz="2000" strike="noStrike" dirty="0">
+                <a:latin typeface="DejaVu Sans"/>
+              </a:rPr>
+              <a:t> 2 </a:t>
+            </a:r>
+            <a:r>
+              <a:rPr lang="en-US" sz="2000" strike="noStrike" dirty="0" err="1">
+                <a:latin typeface="DejaVu Sans"/>
+              </a:rPr>
+              <a:t>números</a:t>
+            </a:r>
+            <a:r>
+              <a:rPr lang="en-US" sz="2000" strike="noStrike" dirty="0">
+                <a:latin typeface="DejaVu Sans"/>
+              </a:rPr>
+              <a:t> </a:t>
+            </a:r>
+            <a:r>
+              <a:rPr lang="en-US" sz="2000" strike="noStrike" dirty="0" err="1">
+                <a:latin typeface="DejaVu Sans"/>
+              </a:rPr>
+              <a:t>inteiros</a:t>
+            </a:r>
+            <a:r>
+              <a:rPr lang="en-US" sz="2000" strike="noStrike" dirty="0">
+                <a:latin typeface="DejaVu Sans"/>
+              </a:rPr>
+              <a:t> </a:t>
+            </a:r>
+            <a:r>
+              <a:rPr lang="en-US" sz="2000" strike="noStrike" dirty="0" err="1">
+                <a:latin typeface="DejaVu Sans"/>
+              </a:rPr>
+              <a:t>podem</a:t>
+            </a:r>
+            <a:r>
+              <a:rPr lang="en-US" sz="2000" strike="noStrike" dirty="0">
+                <a:latin typeface="DejaVu Sans"/>
+              </a:rPr>
+              <a:t> </a:t>
+            </a:r>
+            <a:r>
+              <a:rPr lang="en-US" sz="2000" strike="noStrike" dirty="0" err="1">
+                <a:latin typeface="DejaVu Sans"/>
+              </a:rPr>
+              <a:t>gerar</a:t>
+            </a:r>
+            <a:r>
+              <a:rPr lang="en-US" sz="2000" strike="noStrike" dirty="0">
+                <a:latin typeface="DejaVu Sans"/>
+              </a:rPr>
+              <a:t> </a:t>
+            </a:r>
+            <a:r>
+              <a:rPr lang="en-US" sz="2000" strike="noStrike" dirty="0" err="1">
+                <a:latin typeface="DejaVu Sans"/>
+              </a:rPr>
+              <a:t>decimais</a:t>
+            </a:r>
+            <a:endParaRPr dirty="0"/>
           </a:p>
           <a:p>
             <a:pPr>
@@ -1577,7 +2254,7 @@
                 <a:spcPct val="100000"/>
               </a:lnSpc>
             </a:pPr>
-            <a:endParaRPr/>
+            <a:endParaRPr dirty="0"/>
           </a:p>
           <a:p>
             <a:pPr>
@@ -1588,12 +2265,12 @@
               <a:buChar char="•"/>
             </a:pPr>
             <a:r>
-              <a:rPr lang="en-US" sz="2000" strike="noStrike">
+              <a:rPr lang="en-US" sz="2000" strike="noStrike" dirty="0" err="1">
                 <a:latin typeface="DejaVu Sans"/>
               </a:rPr>
               <a:t>Comparsion</a:t>
             </a:r>
-            <a:endParaRPr/>
+            <a:endParaRPr dirty="0"/>
           </a:p>
           <a:p>
             <a:pPr>
@@ -1604,12 +2281,12 @@
               <a:buChar char="•"/>
             </a:pPr>
             <a:r>
-              <a:rPr lang="en-US" sz="2000" strike="noStrike">
+              <a:rPr lang="en-US" sz="2000" strike="noStrike" dirty="0">
                 <a:latin typeface="DejaVu Sans"/>
               </a:rPr>
               <a:t>Logical</a:t>
             </a:r>
-            <a:endParaRPr/>
+            <a:endParaRPr dirty="0"/>
           </a:p>
           <a:p>
             <a:pPr>
@@ -1620,12 +2297,12 @@
               <a:buChar char="•"/>
             </a:pPr>
             <a:r>
-              <a:rPr lang="en-US" sz="2000" strike="noStrike">
+              <a:rPr lang="en-US" sz="2000" strike="noStrike" dirty="0">
                 <a:latin typeface="DejaVu Sans"/>
               </a:rPr>
               <a:t>Bitwise</a:t>
             </a:r>
-            <a:endParaRPr/>
+            <a:endParaRPr dirty="0"/>
           </a:p>
           <a:p>
             <a:pPr lvl="1">
@@ -1636,12 +2313,18 @@
               <a:buChar char="•"/>
             </a:pPr>
             <a:r>
-              <a:rPr lang="en-US" sz="1200" strike="noStrike">
-                <a:latin typeface="DejaVu Sans"/>
-              </a:rPr>
-              <a:t>Converte para signed 32-bit</a:t>
-            </a:r>
-            <a:endParaRPr/>
+              <a:rPr lang="en-US" sz="1200" strike="noStrike" dirty="0" err="1">
+                <a:latin typeface="DejaVu Sans"/>
+              </a:rPr>
+              <a:t>Converte</a:t>
+            </a:r>
+            <a:r>
+              <a:rPr lang="en-US" sz="1200" strike="noStrike" dirty="0">
+                <a:latin typeface="DejaVu Sans"/>
+              </a:rPr>
+              <a:t> para signed 32-bit</a:t>
+            </a:r>
+            <a:endParaRPr dirty="0"/>
           </a:p>
           <a:p>
             <a:pPr lvl="1">
@@ -1652,12 +2335,18 @@
               <a:buChar char="•"/>
             </a:pPr>
             <a:r>
-              <a:rPr lang="en-US" sz="1400" strike="noStrike">
-                <a:latin typeface="DejaVu Sans"/>
-              </a:rPr>
-              <a:t>Perda de performance</a:t>
-            </a:r>
-            <a:endParaRPr/>
+              <a:rPr lang="en-US" sz="1400" strike="noStrike" dirty="0" err="1">
+                <a:latin typeface="DejaVu Sans"/>
+              </a:rPr>
+              <a:t>Perda</a:t>
+            </a:r>
+            <a:r>
+              <a:rPr lang="en-US" sz="1400" strike="noStrike" dirty="0">
+                <a:latin typeface="DejaVu Sans"/>
+              </a:rPr>
+              <a:t> de performance</a:t>
+            </a:r>
+            <a:endParaRPr dirty="0"/>
           </a:p>
           <a:p>
             <a:pPr>
@@ -1665,7 +2354,7 @@
                 <a:spcPct val="100000"/>
               </a:lnSpc>
             </a:pPr>
-            <a:endParaRPr/>
+            <a:endParaRPr dirty="0"/>
           </a:p>
           <a:p>
             <a:pPr>
@@ -1676,12 +2365,12 @@
               <a:buChar char="•"/>
             </a:pPr>
             <a:r>
-              <a:rPr lang="en-US" sz="2000" strike="noStrike">
+              <a:rPr lang="en-US" sz="2000" strike="noStrike" dirty="0">
                 <a:latin typeface="DejaVu Sans"/>
               </a:rPr>
               <a:t>Ternary</a:t>
             </a:r>
-            <a:endParaRPr/>
+            <a:endParaRPr dirty="0"/>
           </a:p>
         </p:txBody>
       </p:sp>
@@ -2045,7 +2734,7 @@
                 <a:latin typeface="+mn-lt"/>
                 <a:ea typeface="+mn-ea"/>
               </a:rPr>
-              <a:t>!!</a:t>
+              <a:t>!! (CONSOLE)</a:t>
             </a:r>
             <a:endParaRPr dirty="0"/>
           </a:p>
@@ -2211,7 +2900,17 @@
                 <a:latin typeface="+mn-lt"/>
                 <a:ea typeface="+mn-ea"/>
               </a:rPr>
-              <a:t> Guards</a:t>
+              <a:t> </a:t>
+            </a:r>
+            <a:r>
+              <a:rPr lang="en-US" sz="2000" strike="noStrike" dirty="0" smtClean="0">
+                <a:solidFill>
+                  <a:srgbClr val="000000"/>
+                </a:solidFill>
+                <a:latin typeface="+mn-lt"/>
+                <a:ea typeface="+mn-ea"/>
+              </a:rPr>
+              <a:t>Guards (CONSOLE)</a:t>
             </a:r>
             <a:endParaRPr dirty="0"/>
           </a:p>
@@ -2340,12 +3039,12 @@
               <a:buChar char="•"/>
             </a:pPr>
             <a:r>
-              <a:rPr lang="en-US" sz="2000" strike="noStrike">
+              <a:rPr lang="en-US" sz="2000" strike="noStrike" dirty="0">
                 <a:latin typeface="DejaVu Sans"/>
               </a:rPr>
               <a:t>Fiddle</a:t>
             </a:r>
-            <a:endParaRPr/>
+            <a:endParaRPr dirty="0"/>
           </a:p>
           <a:p>
             <a:pPr lvl="1">
@@ -2356,12 +3055,48 @@
               <a:buChar char="•"/>
             </a:pPr>
             <a:r>
-              <a:rPr lang="en-US" sz="2000" strike="noStrike">
-                <a:latin typeface="DejaVu Sans"/>
-              </a:rPr>
-              <a:t>Typeof não identifica array</a:t>
-            </a:r>
-            <a:endParaRPr/>
+              <a:rPr lang="en-US" sz="2000" strike="noStrike" dirty="0" err="1">
+                <a:latin typeface="DejaVu Sans"/>
+              </a:rPr>
+              <a:t>Typeof</a:t>
+            </a:r>
+            <a:r>
+              <a:rPr lang="en-US" sz="2000" strike="noStrike" dirty="0">
+                <a:latin typeface="DejaVu Sans"/>
+              </a:rPr>
+              <a:t> </a:t>
+            </a:r>
+            <a:r>
+              <a:rPr lang="en-US" sz="2000" strike="noStrike" dirty="0" err="1">
+                <a:latin typeface="DejaVu Sans"/>
+              </a:rPr>
+              <a:t>não</a:t>
+            </a:r>
+            <a:r>
+              <a:rPr lang="en-US" sz="2000" strike="noStrike" dirty="0">
+                <a:latin typeface="DejaVu Sans"/>
+              </a:rPr>
+              <a:t> </a:t>
+            </a:r>
+            <a:r>
+              <a:rPr lang="en-US" sz="2000" strike="noStrike" dirty="0" err="1">
+                <a:latin typeface="DejaVu Sans"/>
+              </a:rPr>
+              <a:t>identifica</a:t>
+            </a:r>
+            <a:r>
+              <a:rPr lang="en-US" sz="2000" strike="noStrike" dirty="0">
+                <a:latin typeface="DejaVu Sans"/>
+              </a:rPr>
+              <a:t> </a:t>
+            </a:r>
+            <a:r>
+              <a:rPr lang="en-US" sz="2000" strike="noStrike" dirty="0" smtClean="0">
+                <a:latin typeface="DejaVu Sans"/>
+              </a:rPr>
+              <a:t>array (CONSOLE)</a:t>
+            </a:r>
+            <a:endParaRPr dirty="0"/>
           </a:p>
           <a:p>
             <a:pPr>
@@ -2369,7 +3104,7 @@
                 <a:spcPct val="100000"/>
               </a:lnSpc>
             </a:pPr>
-            <a:endParaRPr/>
+            <a:endParaRPr dirty="0"/>
           </a:p>
           <a:p>
             <a:pPr>
@@ -2380,12 +3115,90 @@
               <a:buChar char="•"/>
             </a:pPr>
             <a:r>
-              <a:rPr lang="en-US" sz="2000" strike="noStrike">
-                <a:latin typeface="DejaVu Sans"/>
-              </a:rPr>
-              <a:t>Não use delete em arrays, pois irá deletar a posição, use splice(index, qtd)</a:t>
-            </a:r>
-            <a:endParaRPr/>
+              <a:rPr lang="en-US" sz="2000" strike="noStrike" dirty="0" err="1">
+                <a:latin typeface="DejaVu Sans"/>
+              </a:rPr>
+              <a:t>Não</a:t>
+            </a:r>
+            <a:r>
+              <a:rPr lang="en-US" sz="2000" strike="noStrike" dirty="0">
+                <a:latin typeface="DejaVu Sans"/>
+              </a:rPr>
+              <a:t> use delete </a:t>
+            </a:r>
+            <a:r>
+              <a:rPr lang="en-US" sz="2000" strike="noStrike" dirty="0" err="1">
+                <a:latin typeface="DejaVu Sans"/>
+              </a:rPr>
+              <a:t>em</a:t>
+            </a:r>
+            <a:r>
+              <a:rPr lang="en-US" sz="2000" strike="noStrike" dirty="0">
+                <a:latin typeface="DejaVu Sans"/>
+              </a:rPr>
+              <a:t> arrays, </a:t>
+            </a:r>
+            <a:r>
+              <a:rPr lang="en-US" sz="2000" strike="noStrike" dirty="0" err="1">
+                <a:latin typeface="DejaVu Sans"/>
+              </a:rPr>
+              <a:t>pois</a:t>
+            </a:r>
+            <a:r>
+              <a:rPr lang="en-US" sz="2000" strike="noStrike" dirty="0">
+                <a:latin typeface="DejaVu Sans"/>
+              </a:rPr>
+              <a:t> </a:t>
+            </a:r>
+            <a:r>
+              <a:rPr lang="en-US" sz="2000" strike="noStrike" dirty="0" err="1">
+                <a:latin typeface="DejaVu Sans"/>
+              </a:rPr>
+              <a:t>irá</a:t>
+            </a:r>
+            <a:r>
+              <a:rPr lang="en-US" sz="2000" strike="noStrike" dirty="0">
+                <a:latin typeface="DejaVu Sans"/>
+              </a:rPr>
+              <a:t> </a:t>
+            </a:r>
+            <a:r>
+              <a:rPr lang="en-US" sz="2000" strike="noStrike" dirty="0" err="1">
+                <a:latin typeface="DejaVu Sans"/>
+              </a:rPr>
+              <a:t>deletar</a:t>
+            </a:r>
+            <a:r>
+              <a:rPr lang="en-US" sz="2000" strike="noStrike" dirty="0">
+                <a:latin typeface="DejaVu Sans"/>
+              </a:rPr>
+              <a:t> a </a:t>
+            </a:r>
+            <a:r>
+              <a:rPr lang="en-US" sz="2000" strike="noStrike" dirty="0" err="1">
+                <a:latin typeface="DejaVu Sans"/>
+              </a:rPr>
+              <a:t>posição</a:t>
+            </a:r>
+            <a:r>
+              <a:rPr lang="en-US" sz="2000" strike="noStrike" dirty="0">
+                <a:latin typeface="DejaVu Sans"/>
+              </a:rPr>
+              <a:t>, use splice(index, </a:t>
+            </a:r>
+            <a:r>
+              <a:rPr lang="en-US" sz="2000" strike="noStrike" dirty="0" err="1">
+                <a:latin typeface="DejaVu Sans"/>
+              </a:rPr>
+              <a:t>qtd</a:t>
+            </a:r>
+            <a:r>
+              <a:rPr lang="en-US" sz="2000" strike="noStrike" dirty="0">
+                <a:latin typeface="DejaVu Sans"/>
+              </a:rPr>
+              <a:t>)</a:t>
+            </a:r>
+            <a:endParaRPr dirty="0"/>
           </a:p>
         </p:txBody>
       </p:sp>
@@ -2712,10 +3525,16 @@
               <a:buChar char="•"/>
             </a:pPr>
             <a:r>
-              <a:rPr lang="en-US" sz="2000" strike="noStrike" dirty="0" err="1">
+              <a:rPr lang="en-US" sz="2000" strike="noStrike" dirty="0" err="1" smtClean="0">
                 <a:latin typeface="DejaVu Sans"/>
               </a:rPr>
               <a:t>Exemplificar</a:t>
+            </a:r>
+            <a:r>
+              <a:rPr lang="en-US" sz="2000" strike="noStrike" dirty="0" smtClean="0">
+                <a:latin typeface="DejaVu Sans"/>
+              </a:rPr>
+              <a:t> (CONSOLE)</a:t>
             </a:r>
             <a:endParaRPr dirty="0"/>
           </a:p>
@@ -2843,7 +3662,13 @@
               <a:rPr lang="en-US" sz="2000" strike="noStrike" dirty="0">
                 <a:latin typeface="DejaVu Sans"/>
               </a:rPr>
-              <a:t> named breaks</a:t>
+              <a:t> named </a:t>
+            </a:r>
+            <a:r>
+              <a:rPr lang="en-US" sz="2000" strike="noStrike" dirty="0" smtClean="0">
+                <a:latin typeface="DejaVu Sans"/>
+              </a:rPr>
+              <a:t>breaks (ARQUIVO EXEMPLO NAMEDBREAKS.JS)</a:t>
             </a:r>
             <a:endParaRPr dirty="0"/>
           </a:p>
@@ -2964,12 +3789,48 @@
               <a:buChar char="•"/>
             </a:pPr>
             <a:r>
-              <a:rPr lang="en-US" sz="2000" strike="noStrike">
-                <a:latin typeface="DejaVu Sans"/>
-              </a:rPr>
-              <a:t>Blocos não possuem escopo</a:t>
-            </a:r>
-            <a:endParaRPr/>
+              <a:rPr lang="en-US" sz="2000" strike="noStrike" dirty="0" err="1">
+                <a:latin typeface="DejaVu Sans"/>
+              </a:rPr>
+              <a:t>Blocos</a:t>
+            </a:r>
+            <a:r>
+              <a:rPr lang="en-US" sz="2000" strike="noStrike" dirty="0">
+                <a:latin typeface="DejaVu Sans"/>
+              </a:rPr>
+              <a:t> </a:t>
+            </a:r>
+            <a:r>
+              <a:rPr lang="en-US" sz="2000" strike="noStrike" dirty="0" err="1">
+                <a:latin typeface="DejaVu Sans"/>
+              </a:rPr>
+              <a:t>não</a:t>
+            </a:r>
+            <a:r>
+              <a:rPr lang="en-US" sz="2000" strike="noStrike" dirty="0">
+                <a:latin typeface="DejaVu Sans"/>
+              </a:rPr>
+              <a:t> </a:t>
+            </a:r>
+            <a:r>
+              <a:rPr lang="en-US" sz="2000" strike="noStrike" dirty="0" err="1">
+                <a:latin typeface="DejaVu Sans"/>
+              </a:rPr>
+              <a:t>possuem</a:t>
+            </a:r>
+            <a:r>
+              <a:rPr lang="en-US" sz="2000" strike="noStrike" dirty="0">
+                <a:latin typeface="DejaVu Sans"/>
+              </a:rPr>
+              <a:t> </a:t>
+            </a:r>
+            <a:r>
+              <a:rPr lang="en-US" sz="2000" strike="noStrike" dirty="0" err="1">
+                <a:latin typeface="DejaVu Sans"/>
+              </a:rPr>
+              <a:t>escopo</a:t>
+            </a:r>
+            <a:endParaRPr dirty="0"/>
           </a:p>
           <a:p>
             <a:pPr>
@@ -2980,12 +3841,36 @@
               <a:buChar char="•"/>
             </a:pPr>
             <a:r>
-              <a:rPr lang="en-US" sz="2000" strike="noStrike">
-                <a:latin typeface="DejaVu Sans"/>
-              </a:rPr>
-              <a:t>Somente functions possuem escopo</a:t>
-            </a:r>
-            <a:endParaRPr/>
+              <a:rPr lang="en-US" sz="2000" strike="noStrike" dirty="0" err="1">
+                <a:latin typeface="DejaVu Sans"/>
+              </a:rPr>
+              <a:t>Somente</a:t>
+            </a:r>
+            <a:r>
+              <a:rPr lang="en-US" sz="2000" strike="noStrike" dirty="0">
+                <a:latin typeface="DejaVu Sans"/>
+              </a:rPr>
+              <a:t> functions </a:t>
+            </a:r>
+            <a:r>
+              <a:rPr lang="en-US" sz="2000" strike="noStrike" dirty="0" err="1">
+                <a:latin typeface="DejaVu Sans"/>
+              </a:rPr>
+              <a:t>possuem</a:t>
+            </a:r>
+            <a:r>
+              <a:rPr lang="en-US" sz="2000" strike="noStrike" dirty="0">
+                <a:latin typeface="DejaVu Sans"/>
+              </a:rPr>
+              <a:t> </a:t>
+            </a:r>
+            <a:r>
+              <a:rPr lang="en-US" sz="2000" strike="noStrike" dirty="0" err="1">
+                <a:latin typeface="DejaVu Sans"/>
+              </a:rPr>
+              <a:t>escopo</a:t>
+            </a:r>
+            <a:endParaRPr dirty="0"/>
           </a:p>
           <a:p>
             <a:pPr>
@@ -2993,7 +3878,7 @@
                 <a:spcPct val="100000"/>
               </a:lnSpc>
             </a:pPr>
-            <a:endParaRPr/>
+            <a:endParaRPr dirty="0"/>
           </a:p>
           <a:p>
             <a:pPr>
@@ -3004,12 +3889,12 @@
               <a:buChar char="•"/>
             </a:pPr>
             <a:r>
-              <a:rPr lang="en-US" sz="2000" strike="noStrike">
+              <a:rPr lang="en-US" sz="2000" strike="noStrike" dirty="0" err="1">
                 <a:latin typeface="DejaVu Sans"/>
               </a:rPr>
               <a:t>Var</a:t>
             </a:r>
-            <a:endParaRPr/>
+            <a:endParaRPr dirty="0"/>
           </a:p>
           <a:p>
             <a:pPr lvl="1">
@@ -3020,12 +3905,48 @@
               <a:buChar char="•"/>
             </a:pPr>
             <a:r>
-              <a:rPr lang="en-US" sz="2000" strike="noStrike">
-                <a:latin typeface="DejaVu Sans"/>
-              </a:rPr>
-              <a:t>Não precisa definir o tipo</a:t>
-            </a:r>
-            <a:endParaRPr/>
+              <a:rPr lang="en-US" sz="2000" strike="noStrike" dirty="0" err="1">
+                <a:latin typeface="DejaVu Sans"/>
+              </a:rPr>
+              <a:t>Não</a:t>
+            </a:r>
+            <a:r>
+              <a:rPr lang="en-US" sz="2000" strike="noStrike" dirty="0">
+                <a:latin typeface="DejaVu Sans"/>
+              </a:rPr>
+              <a:t> </a:t>
+            </a:r>
+            <a:r>
+              <a:rPr lang="en-US" sz="2000" strike="noStrike" dirty="0" err="1">
+                <a:latin typeface="DejaVu Sans"/>
+              </a:rPr>
+              <a:t>precisa</a:t>
+            </a:r>
+            <a:r>
+              <a:rPr lang="en-US" sz="2000" strike="noStrike" dirty="0">
+                <a:latin typeface="DejaVu Sans"/>
+              </a:rPr>
+              <a:t> </a:t>
+            </a:r>
+            <a:r>
+              <a:rPr lang="en-US" sz="2000" strike="noStrike" dirty="0" err="1">
+                <a:latin typeface="DejaVu Sans"/>
+              </a:rPr>
+              <a:t>definir</a:t>
+            </a:r>
+            <a:r>
+              <a:rPr lang="en-US" sz="2000" strike="noStrike" dirty="0">
+                <a:latin typeface="DejaVu Sans"/>
+              </a:rPr>
+              <a:t> o </a:t>
+            </a:r>
+            <a:r>
+              <a:rPr lang="en-US" sz="2000" strike="noStrike" dirty="0" err="1">
+                <a:latin typeface="DejaVu Sans"/>
+              </a:rPr>
+              <a:t>tipo</a:t>
+            </a:r>
+            <a:endParaRPr dirty="0"/>
           </a:p>
           <a:p>
             <a:pPr lvl="1">
@@ -3036,12 +3957,60 @@
               <a:buChar char="•"/>
             </a:pPr>
             <a:r>
-              <a:rPr lang="en-US" sz="2000" strike="noStrike">
-                <a:latin typeface="DejaVu Sans"/>
-              </a:rPr>
-              <a:t>Valores iniciais não são necessários</a:t>
-            </a:r>
-            <a:endParaRPr/>
+              <a:rPr lang="en-US" sz="2000" strike="noStrike" dirty="0" err="1">
+                <a:latin typeface="DejaVu Sans"/>
+              </a:rPr>
+              <a:t>Valores</a:t>
+            </a:r>
+            <a:r>
+              <a:rPr lang="en-US" sz="2000" strike="noStrike" dirty="0">
+                <a:latin typeface="DejaVu Sans"/>
+              </a:rPr>
+              <a:t> </a:t>
+            </a:r>
+            <a:r>
+              <a:rPr lang="en-US" sz="2000" strike="noStrike" dirty="0" err="1">
+                <a:latin typeface="DejaVu Sans"/>
+              </a:rPr>
+              <a:t>iniciais</a:t>
+            </a:r>
+            <a:r>
+              <a:rPr lang="en-US" sz="2000" strike="noStrike" dirty="0">
+                <a:latin typeface="DejaVu Sans"/>
+              </a:rPr>
+              <a:t> </a:t>
+            </a:r>
+            <a:r>
+              <a:rPr lang="en-US" sz="2000" strike="noStrike" dirty="0" err="1">
+                <a:latin typeface="DejaVu Sans"/>
+              </a:rPr>
+              <a:t>não</a:t>
+            </a:r>
+            <a:r>
+              <a:rPr lang="en-US" sz="2000" strike="noStrike" dirty="0">
+                <a:latin typeface="DejaVu Sans"/>
+              </a:rPr>
+              <a:t> </a:t>
+            </a:r>
+            <a:r>
+              <a:rPr lang="en-US" sz="2000" strike="noStrike" dirty="0" err="1">
+                <a:latin typeface="DejaVu Sans"/>
+              </a:rPr>
+              <a:t>são</a:t>
+            </a:r>
+            <a:r>
+              <a:rPr lang="en-US" sz="2000" strike="noStrike" dirty="0">
+                <a:latin typeface="DejaVu Sans"/>
+              </a:rPr>
+              <a:t> </a:t>
+            </a:r>
+            <a:r>
+              <a:rPr lang="en-US" sz="2000" strike="noStrike" dirty="0" err="1">
+                <a:latin typeface="DejaVu Sans"/>
+              </a:rPr>
+              <a:t>necessários</a:t>
+            </a:r>
+            <a:endParaRPr dirty="0"/>
           </a:p>
           <a:p>
             <a:pPr lvl="1">
@@ -3052,12 +4021,12 @@
               <a:buChar char="•"/>
             </a:pPr>
             <a:r>
-              <a:rPr lang="en-US" sz="2000" strike="noStrike">
+              <a:rPr lang="en-US" sz="2000" strike="noStrike" dirty="0">
                 <a:latin typeface="DejaVu Sans"/>
               </a:rPr>
               <a:t>Fiddle</a:t>
             </a:r>
-            <a:endParaRPr/>
+            <a:endParaRPr dirty="0"/>
           </a:p>
           <a:p>
             <a:pPr lvl="2">
@@ -3068,12 +4037,30 @@
               <a:buChar char="•"/>
             </a:pPr>
             <a:r>
-              <a:rPr lang="en-US" sz="2000" strike="noStrike">
-                <a:latin typeface="DejaVu Sans"/>
-              </a:rPr>
-              <a:t>var a,b,c,d;</a:t>
-            </a:r>
-            <a:endParaRPr/>
+              <a:rPr lang="en-US" sz="2000" strike="noStrike" dirty="0" err="1">
+                <a:latin typeface="DejaVu Sans"/>
+              </a:rPr>
+              <a:t>var</a:t>
+            </a:r>
+            <a:r>
+              <a:rPr lang="en-US" sz="2000" strike="noStrike" dirty="0">
+                <a:latin typeface="DejaVu Sans"/>
+              </a:rPr>
+              <a:t> </a:t>
+            </a:r>
+            <a:r>
+              <a:rPr lang="en-US" sz="2000" strike="noStrike" dirty="0" err="1">
+                <a:latin typeface="DejaVu Sans"/>
+              </a:rPr>
+              <a:t>a,b,c,d</a:t>
+            </a:r>
+            <a:r>
+              <a:rPr lang="en-US" sz="2000" strike="noStrike" dirty="0" smtClean="0">
+                <a:latin typeface="DejaVu Sans"/>
+              </a:rPr>
+              <a:t>; (CONSOLE)</a:t>
+            </a:r>
+            <a:endParaRPr dirty="0"/>
           </a:p>
           <a:p>
             <a:pPr lvl="1">
@@ -3084,12 +4071,48 @@
               <a:buChar char="•"/>
             </a:pPr>
             <a:r>
-              <a:rPr lang="en-US" sz="2000" strike="noStrike">
-                <a:latin typeface="DejaVu Sans"/>
-              </a:rPr>
-              <a:t>Estão restritas ao escopo</a:t>
-            </a:r>
-            <a:endParaRPr/>
+              <a:rPr lang="en-US" sz="2000" strike="noStrike" dirty="0" err="1">
+                <a:latin typeface="DejaVu Sans"/>
+              </a:rPr>
+              <a:t>Estão</a:t>
+            </a:r>
+            <a:r>
+              <a:rPr lang="en-US" sz="2000" strike="noStrike" dirty="0">
+                <a:latin typeface="DejaVu Sans"/>
+              </a:rPr>
+              <a:t> </a:t>
+            </a:r>
+            <a:r>
+              <a:rPr lang="en-US" sz="2000" strike="noStrike" dirty="0" err="1">
+                <a:latin typeface="DejaVu Sans"/>
+              </a:rPr>
+              <a:t>restritas</a:t>
+            </a:r>
+            <a:r>
+              <a:rPr lang="en-US" sz="2000" strike="noStrike" dirty="0">
+                <a:latin typeface="DejaVu Sans"/>
+              </a:rPr>
+              <a:t> </a:t>
+            </a:r>
+            <a:r>
+              <a:rPr lang="en-US" sz="2000" strike="noStrike" dirty="0" err="1">
+                <a:latin typeface="DejaVu Sans"/>
+              </a:rPr>
+              <a:t>ao</a:t>
+            </a:r>
+            <a:r>
+              <a:rPr lang="en-US" sz="2000" strike="noStrike" dirty="0">
+                <a:latin typeface="DejaVu Sans"/>
+              </a:rPr>
+              <a:t> </a:t>
+            </a:r>
+            <a:r>
+              <a:rPr lang="en-US" sz="2000" strike="noStrike" dirty="0" err="1">
+                <a:latin typeface="DejaVu Sans"/>
+              </a:rPr>
+              <a:t>escopo</a:t>
+            </a:r>
+            <a:endParaRPr dirty="0"/>
           </a:p>
           <a:p>
             <a:pPr lvl="1">
@@ -3100,12 +4123,12 @@
               <a:buChar char="•"/>
             </a:pPr>
             <a:r>
-              <a:rPr lang="en-US" sz="2000" strike="noStrike">
+              <a:rPr lang="en-US" sz="2000" strike="noStrike" dirty="0">
                 <a:latin typeface="DejaVu Sans"/>
               </a:rPr>
               <a:t>Fiddle</a:t>
             </a:r>
-            <a:endParaRPr/>
+            <a:endParaRPr dirty="0"/>
           </a:p>
           <a:p>
             <a:pPr lvl="2">
@@ -3116,12 +4139,30 @@
               <a:buChar char="•"/>
             </a:pPr>
             <a:r>
-              <a:rPr lang="en-US" sz="2000" strike="noStrike">
-                <a:latin typeface="DejaVu Sans"/>
-              </a:rPr>
-              <a:t>Restrição de escopo</a:t>
-            </a:r>
-            <a:endParaRPr/>
+              <a:rPr lang="en-US" sz="2000" strike="noStrike" dirty="0" err="1">
+                <a:latin typeface="DejaVu Sans"/>
+              </a:rPr>
+              <a:t>Restrição</a:t>
+            </a:r>
+            <a:r>
+              <a:rPr lang="en-US" sz="2000" strike="noStrike" dirty="0">
+                <a:latin typeface="DejaVu Sans"/>
+              </a:rPr>
+              <a:t> de </a:t>
+            </a:r>
+            <a:r>
+              <a:rPr lang="en-US" sz="2000" strike="noStrike" dirty="0" err="1" smtClean="0">
+                <a:latin typeface="DejaVu Sans"/>
+              </a:rPr>
+              <a:t>escopo</a:t>
+            </a:r>
+            <a:r>
+              <a:rPr lang="en-US" sz="2000" strike="noStrike" dirty="0" smtClean="0">
+                <a:latin typeface="DejaVu Sans"/>
+              </a:rPr>
+              <a:t> (ARQUIVO EXEMPLO SCOPE.JS)</a:t>
+            </a:r>
+            <a:endParaRPr dirty="0"/>
           </a:p>
           <a:p>
             <a:pPr lvl="1">
@@ -3132,12 +4173,90 @@
               <a:buChar char="•"/>
             </a:pPr>
             <a:r>
-              <a:rPr lang="en-US" sz="2000" strike="noStrike">
-                <a:latin typeface="DejaVu Sans"/>
-              </a:rPr>
-              <a:t>Variáveis não declaradas são enviadas ao escopo Global</a:t>
-            </a:r>
-            <a:endParaRPr/>
+              <a:rPr lang="en-US" sz="2000" strike="noStrike" dirty="0" err="1">
+                <a:latin typeface="DejaVu Sans"/>
+              </a:rPr>
+              <a:t>Variáveis</a:t>
+            </a:r>
+            <a:r>
+              <a:rPr lang="en-US" sz="2000" strike="noStrike" dirty="0">
+                <a:latin typeface="DejaVu Sans"/>
+              </a:rPr>
+              <a:t> </a:t>
+            </a:r>
+            <a:r>
+              <a:rPr lang="en-US" sz="2000" strike="noStrike" dirty="0" err="1">
+                <a:latin typeface="DejaVu Sans"/>
+              </a:rPr>
+              <a:t>não</a:t>
+            </a:r>
+            <a:r>
+              <a:rPr lang="en-US" sz="2000" strike="noStrike" dirty="0">
+                <a:latin typeface="DejaVu Sans"/>
+              </a:rPr>
+              <a:t> </a:t>
+            </a:r>
+            <a:r>
+              <a:rPr lang="en-US" sz="2000" strike="noStrike" dirty="0" err="1">
+                <a:latin typeface="DejaVu Sans"/>
+              </a:rPr>
+              <a:t>declaradas</a:t>
+            </a:r>
+            <a:r>
+              <a:rPr lang="en-US" sz="2000" strike="noStrike" dirty="0">
+                <a:latin typeface="DejaVu Sans"/>
+              </a:rPr>
+              <a:t> </a:t>
+            </a:r>
+            <a:r>
+              <a:rPr lang="en-US" sz="2000" strike="noStrike" dirty="0" err="1">
+                <a:latin typeface="DejaVu Sans"/>
+              </a:rPr>
+              <a:t>são</a:t>
+            </a:r>
+            <a:r>
+              <a:rPr lang="en-US" sz="2000" strike="noStrike" dirty="0">
+                <a:latin typeface="DejaVu Sans"/>
+              </a:rPr>
+              <a:t> </a:t>
+            </a:r>
+            <a:r>
+              <a:rPr lang="en-US" sz="2000" strike="noStrike" dirty="0" err="1">
+                <a:latin typeface="DejaVu Sans"/>
+              </a:rPr>
+              <a:t>enviadas</a:t>
+            </a:r>
+            <a:r>
+              <a:rPr lang="en-US" sz="2000" strike="noStrike" dirty="0">
+                <a:latin typeface="DejaVu Sans"/>
+              </a:rPr>
+              <a:t> </a:t>
+            </a:r>
+            <a:r>
+              <a:rPr lang="en-US" sz="2000" strike="noStrike" dirty="0" err="1">
+                <a:latin typeface="DejaVu Sans"/>
+              </a:rPr>
+              <a:t>ao</a:t>
+            </a:r>
+            <a:r>
+              <a:rPr lang="en-US" sz="2000" strike="noStrike" dirty="0">
+                <a:latin typeface="DejaVu Sans"/>
+              </a:rPr>
+              <a:t> </a:t>
+            </a:r>
+            <a:r>
+              <a:rPr lang="en-US" sz="2000" strike="noStrike" dirty="0" err="1">
+                <a:latin typeface="DejaVu Sans"/>
+              </a:rPr>
+              <a:t>escopo</a:t>
+            </a:r>
+            <a:r>
+              <a:rPr lang="en-US" sz="2000" strike="noStrike" dirty="0">
+                <a:latin typeface="DejaVu Sans"/>
+              </a:rPr>
+              <a:t> Global</a:t>
+            </a:r>
+            <a:endParaRPr dirty="0"/>
           </a:p>
         </p:txBody>
       </p:sp>
@@ -7083,9 +8202,14 @@
               <a:rPr lang="en-US" sz="2000" strike="noStrike" dirty="0">
                 <a:latin typeface="DejaVu Sans"/>
               </a:rPr>
-              <a:t> INTEGERS</a:t>
-            </a:r>
-            <a:endParaRPr dirty="0"/>
+              <a:t> </a:t>
+            </a:r>
+            <a:r>
+              <a:rPr lang="en-US" sz="2000" strike="noStrike" dirty="0" smtClean="0">
+                <a:latin typeface="DejaVu Sans"/>
+              </a:rPr>
+              <a:t>INTEGERS</a:t>
+            </a:r>
           </a:p>
           <a:p>
             <a:pPr>
@@ -7095,142 +8219,10 @@
               <a:buFont typeface="Arial"/>
               <a:buChar char="•"/>
             </a:pPr>
-            <a:r>
-              <a:rPr lang="en-US" sz="2000" strike="noStrike" dirty="0" err="1">
-                <a:latin typeface="DejaVu Sans"/>
-              </a:rPr>
-              <a:t>Alerta</a:t>
-            </a:r>
-            <a:r>
-              <a:rPr lang="en-US" sz="2000" strike="noStrike" dirty="0">
-                <a:latin typeface="DejaVu Sans"/>
-              </a:rPr>
-              <a:t> </a:t>
-            </a:r>
-            <a:r>
-              <a:rPr lang="en-US" sz="2000" strike="noStrike" dirty="0" err="1">
-                <a:latin typeface="DejaVu Sans"/>
-              </a:rPr>
-              <a:t>sobre</a:t>
-            </a:r>
-            <a:r>
-              <a:rPr lang="en-US" sz="2000" strike="noStrike" dirty="0">
-                <a:latin typeface="DejaVu Sans"/>
-              </a:rPr>
-              <a:t> </a:t>
-            </a:r>
-            <a:r>
-              <a:rPr lang="en-US" sz="2000" strike="noStrike" dirty="0" err="1">
-                <a:latin typeface="DejaVu Sans"/>
-              </a:rPr>
-              <a:t>operações</a:t>
-            </a:r>
-            <a:r>
-              <a:rPr lang="en-US" sz="2000" strike="noStrike" dirty="0">
-                <a:latin typeface="DejaVu Sans"/>
-              </a:rPr>
-              <a:t> com </a:t>
-            </a:r>
-            <a:r>
-              <a:rPr lang="en-US" sz="2000" strike="noStrike" dirty="0" err="1">
-                <a:latin typeface="DejaVu Sans"/>
-              </a:rPr>
-              <a:t>decimais</a:t>
-            </a:r>
-            <a:r>
-              <a:rPr lang="en-US" sz="2000" strike="noStrike" dirty="0">
-                <a:latin typeface="DejaVu Sans"/>
-              </a:rPr>
-              <a:t> que </a:t>
-            </a:r>
-            <a:r>
-              <a:rPr lang="en-US" sz="2000" strike="noStrike" dirty="0" err="1">
-                <a:latin typeface="DejaVu Sans"/>
-              </a:rPr>
-              <a:t>nunca</a:t>
-            </a:r>
-            <a:r>
-              <a:rPr lang="en-US" sz="2000" strike="noStrike" dirty="0">
-                <a:latin typeface="DejaVu Sans"/>
-              </a:rPr>
-              <a:t> </a:t>
-            </a:r>
-            <a:r>
-              <a:rPr lang="en-US" sz="2000" strike="noStrike" dirty="0" err="1">
-                <a:latin typeface="DejaVu Sans"/>
-              </a:rPr>
-              <a:t>aconteceu</a:t>
-            </a:r>
-            <a:r>
-              <a:rPr lang="en-US" sz="2000" strike="noStrike" dirty="0">
-                <a:latin typeface="DejaVu Sans"/>
-              </a:rPr>
-              <a:t> </a:t>
-            </a:r>
-            <a:r>
-              <a:rPr lang="en-US" sz="2000" strike="noStrike" dirty="0" err="1">
-                <a:latin typeface="DejaVu Sans"/>
-              </a:rPr>
-              <a:t>comigo</a:t>
-            </a:r>
-            <a:r>
-              <a:rPr lang="en-US" sz="2000" strike="noStrike" dirty="0">
-                <a:latin typeface="DejaVu Sans"/>
-              </a:rPr>
-              <a:t> mas </a:t>
-            </a:r>
-            <a:r>
-              <a:rPr lang="en-US" sz="2000" strike="noStrike" dirty="0" err="1">
-                <a:latin typeface="DejaVu Sans"/>
-              </a:rPr>
-              <a:t>houve</a:t>
-            </a:r>
-            <a:r>
-              <a:rPr lang="en-US" sz="2000" strike="noStrike" dirty="0">
-                <a:latin typeface="DejaVu Sans"/>
-              </a:rPr>
-              <a:t> um </a:t>
-            </a:r>
-            <a:r>
-              <a:rPr lang="en-US" sz="2000" strike="noStrike" dirty="0" err="1">
-                <a:latin typeface="DejaVu Sans"/>
-              </a:rPr>
-              <a:t>passado</a:t>
-            </a:r>
-            <a:r>
-              <a:rPr lang="en-US" sz="2000" strike="noStrike" dirty="0">
-                <a:latin typeface="DejaVu Sans"/>
-              </a:rPr>
-              <a:t> </a:t>
-            </a:r>
-            <a:r>
-              <a:rPr lang="en-US" sz="2000" strike="noStrike" dirty="0" err="1">
-                <a:latin typeface="DejaVu Sans"/>
-              </a:rPr>
-              <a:t>em</a:t>
-            </a:r>
-            <a:r>
-              <a:rPr lang="en-US" sz="2000" strike="noStrike" dirty="0">
-                <a:latin typeface="DejaVu Sans"/>
-              </a:rPr>
-              <a:t> que </a:t>
-            </a:r>
-            <a:r>
-              <a:rPr lang="en-US" sz="2000" strike="noStrike" dirty="0" err="1">
-                <a:latin typeface="DejaVu Sans"/>
-              </a:rPr>
-              <a:t>acontecia</a:t>
-            </a:r>
-            <a:r>
-              <a:rPr lang="en-US" sz="2000" strike="noStrike" dirty="0">
-                <a:latin typeface="DejaVu Sans"/>
-              </a:rPr>
-              <a:t> DEMAIS</a:t>
-            </a:r>
             <a:endParaRPr dirty="0"/>
           </a:p>
           <a:p>
-            <a:pPr lvl="1">
+            <a:pPr>
               <a:lnSpc>
                 <a:spcPct val="100000"/>
               </a:lnSpc>
@@ -7241,7 +8233,7 @@
               <a:rPr lang="en-US" sz="2000" strike="noStrike" dirty="0" err="1">
                 <a:latin typeface="DejaVu Sans"/>
               </a:rPr>
-              <a:t>Neste</a:t>
+              <a:t>Alerta</a:t>
             </a:r>
             <a:r>
               <a:rPr lang="en-US" sz="2000" strike="noStrike" dirty="0">
@@ -7253,7 +8245,7 @@
               <a:rPr lang="en-US" sz="2000" strike="noStrike" dirty="0" err="1">
                 <a:latin typeface="DejaVu Sans"/>
               </a:rPr>
-              <a:t>caso</a:t>
+              <a:t>sobre</a:t>
             </a:r>
             <a:r>
               <a:rPr lang="en-US" sz="2000" strike="noStrike" dirty="0">
@@ -7265,19 +8257,43 @@
               <a:rPr lang="en-US" sz="2000" strike="noStrike" dirty="0" err="1">
                 <a:latin typeface="DejaVu Sans"/>
               </a:rPr>
-              <a:t>multiplicar</a:t>
+              <a:t>operações</a:t>
             </a:r>
             <a:r>
               <a:rPr lang="en-US" sz="2000" strike="noStrike" dirty="0">
                 <a:latin typeface="DejaVu Sans"/>
               </a:rPr>
+              <a:t> com </a:t>
+            </a:r>
+            <a:r>
+              <a:rPr lang="en-US" sz="2000" strike="noStrike" dirty="0" err="1">
+                <a:latin typeface="DejaVu Sans"/>
+              </a:rPr>
+              <a:t>decimais</a:t>
+            </a:r>
+            <a:r>
+              <a:rPr lang="en-US" sz="2000" strike="noStrike" dirty="0">
+                <a:latin typeface="DejaVu Sans"/>
+              </a:rPr>
+              <a:t> que </a:t>
+            </a:r>
+            <a:r>
+              <a:rPr lang="en-US" sz="2000" strike="noStrike" dirty="0" err="1">
+                <a:latin typeface="DejaVu Sans"/>
+              </a:rPr>
+              <a:t>nunca</a:t>
+            </a:r>
+            <a:r>
+              <a:rPr lang="en-US" sz="2000" strike="noStrike" dirty="0">
+                <a:latin typeface="DejaVu Sans"/>
+              </a:rPr>
               <a:t> </a:t>
             </a:r>
             <a:r>
               <a:rPr lang="en-US" sz="2000" strike="noStrike" dirty="0" err="1">
                 <a:latin typeface="DejaVu Sans"/>
               </a:rPr>
-              <a:t>por</a:t>
+              <a:t>aconteceu</a:t>
             </a:r>
             <a:r>
               <a:rPr lang="en-US" sz="2000" strike="noStrike" dirty="0">
@@ -7289,68 +8305,66 @@
               <a:rPr lang="en-US" sz="2000" strike="noStrike" dirty="0" err="1">
                 <a:latin typeface="DejaVu Sans"/>
               </a:rPr>
-              <a:t>potências</a:t>
+              <a:t>comigo</a:t>
             </a:r>
             <a:r>
               <a:rPr lang="en-US" sz="2000" strike="noStrike" dirty="0">
                 <a:latin typeface="DejaVu Sans"/>
               </a:rPr>
-              <a:t> de 10, </a:t>
+              <a:t> mas </a:t>
             </a:r>
             <a:r>
               <a:rPr lang="en-US" sz="2000" strike="noStrike" dirty="0" err="1">
                 <a:latin typeface="DejaVu Sans"/>
               </a:rPr>
-              <a:t>realizar</a:t>
+              <a:t>houve</a:t>
             </a:r>
             <a:r>
               <a:rPr lang="en-US" sz="2000" strike="noStrike" dirty="0">
                 <a:latin typeface="DejaVu Sans"/>
               </a:rPr>
+              <a:t> um </a:t>
+            </a:r>
+            <a:r>
+              <a:rPr lang="en-US" sz="2000" strike="noStrike" dirty="0" err="1">
+                <a:latin typeface="DejaVu Sans"/>
+              </a:rPr>
+              <a:t>passado</a:t>
+            </a:r>
+            <a:r>
+              <a:rPr lang="en-US" sz="2000" strike="noStrike" dirty="0">
+                <a:latin typeface="DejaVu Sans"/>
+              </a:rPr>
               <a:t> </a:t>
             </a:r>
             <a:r>
               <a:rPr lang="en-US" sz="2000" strike="noStrike" dirty="0" err="1">
                 <a:latin typeface="DejaVu Sans"/>
               </a:rPr>
-              <a:t>operações</a:t>
+              <a:t>em</a:t>
             </a:r>
             <a:r>
               <a:rPr lang="en-US" sz="2000" strike="noStrike" dirty="0">
                 <a:latin typeface="DejaVu Sans"/>
               </a:rPr>
-              <a:t> e </a:t>
+              <a:t> que </a:t>
             </a:r>
             <a:r>
               <a:rPr lang="en-US" sz="2000" strike="noStrike" dirty="0" err="1">
                 <a:latin typeface="DejaVu Sans"/>
               </a:rPr>
-              <a:t>voltar</a:t>
+              <a:t>acontecia</a:t>
             </a:r>
             <a:r>
               <a:rPr lang="en-US" sz="2000" strike="noStrike" dirty="0">
                 <a:latin typeface="DejaVu Sans"/>
               </a:rPr>
-              <a:t> para </a:t>
-            </a:r>
-            <a:r>
-              <a:rPr lang="en-US" sz="2000" strike="noStrike" dirty="0" err="1">
-                <a:latin typeface="DejaVu Sans"/>
-              </a:rPr>
-              <a:t>decimais</a:t>
+              <a:t> DEMAIS</a:t>
             </a:r>
             <a:endParaRPr dirty="0"/>
           </a:p>
           <a:p>
-            <a:pPr>
-              <a:lnSpc>
-                <a:spcPct val="100000"/>
-              </a:lnSpc>
-            </a:pPr>
-            <a:endParaRPr dirty="0"/>
-          </a:p>
-          <a:p>
-            <a:pPr>
+            <a:pPr lvl="1">
               <a:lnSpc>
                 <a:spcPct val="100000"/>
               </a:lnSpc>
@@ -7361,12 +8375,116 @@
               <a:rPr lang="en-US" sz="2000" strike="noStrike" dirty="0" err="1">
                 <a:latin typeface="DejaVu Sans"/>
               </a:rPr>
-              <a:t>NaN</a:t>
+              <a:t>Neste</a:t>
+            </a:r>
+            <a:r>
+              <a:rPr lang="en-US" sz="2000" strike="noStrike" dirty="0">
+                <a:latin typeface="DejaVu Sans"/>
+              </a:rPr>
+              <a:t> </a:t>
+            </a:r>
+            <a:r>
+              <a:rPr lang="en-US" sz="2000" strike="noStrike" dirty="0" err="1">
+                <a:latin typeface="DejaVu Sans"/>
+              </a:rPr>
+              <a:t>caso</a:t>
+            </a:r>
+            <a:r>
+              <a:rPr lang="en-US" sz="2000" strike="noStrike" dirty="0">
+                <a:latin typeface="DejaVu Sans"/>
+              </a:rPr>
+              <a:t> </a:t>
+            </a:r>
+            <a:r>
+              <a:rPr lang="en-US" sz="2000" strike="noStrike" dirty="0" err="1">
+                <a:latin typeface="DejaVu Sans"/>
+              </a:rPr>
+              <a:t>multiplicar</a:t>
+            </a:r>
+            <a:r>
+              <a:rPr lang="en-US" sz="2000" strike="noStrike" dirty="0">
+                <a:latin typeface="DejaVu Sans"/>
+              </a:rPr>
+              <a:t> </a:t>
+            </a:r>
+            <a:r>
+              <a:rPr lang="en-US" sz="2000" strike="noStrike" dirty="0" err="1">
+                <a:latin typeface="DejaVu Sans"/>
+              </a:rPr>
+              <a:t>por</a:t>
+            </a:r>
+            <a:r>
+              <a:rPr lang="en-US" sz="2000" strike="noStrike" dirty="0">
+                <a:latin typeface="DejaVu Sans"/>
+              </a:rPr>
+              <a:t> </a:t>
+            </a:r>
+            <a:r>
+              <a:rPr lang="en-US" sz="2000" strike="noStrike" dirty="0" err="1">
+                <a:latin typeface="DejaVu Sans"/>
+              </a:rPr>
+              <a:t>potências</a:t>
+            </a:r>
+            <a:r>
+              <a:rPr lang="en-US" sz="2000" strike="noStrike" dirty="0">
+                <a:latin typeface="DejaVu Sans"/>
+              </a:rPr>
+              <a:t> de 10, </a:t>
+            </a:r>
+            <a:r>
+              <a:rPr lang="en-US" sz="2000" strike="noStrike" dirty="0" err="1">
+                <a:latin typeface="DejaVu Sans"/>
+              </a:rPr>
+              <a:t>realizar</a:t>
+            </a:r>
+            <a:r>
+              <a:rPr lang="en-US" sz="2000" strike="noStrike" dirty="0">
+                <a:latin typeface="DejaVu Sans"/>
+              </a:rPr>
+              <a:t> </a:t>
+            </a:r>
+            <a:r>
+              <a:rPr lang="en-US" sz="2000" strike="noStrike" dirty="0" err="1">
+                <a:latin typeface="DejaVu Sans"/>
+              </a:rPr>
+              <a:t>operações</a:t>
+            </a:r>
+            <a:r>
+              <a:rPr lang="en-US" sz="2000" strike="noStrike" dirty="0">
+                <a:latin typeface="DejaVu Sans"/>
+              </a:rPr>
+              <a:t> e </a:t>
+            </a:r>
+            <a:r>
+              <a:rPr lang="en-US" sz="2000" strike="noStrike" dirty="0" err="1">
+                <a:latin typeface="DejaVu Sans"/>
+              </a:rPr>
+              <a:t>voltar</a:t>
+            </a:r>
+            <a:r>
+              <a:rPr lang="en-US" sz="2000" strike="noStrike" dirty="0">
+                <a:latin typeface="DejaVu Sans"/>
+              </a:rPr>
+              <a:t> para </a:t>
+            </a:r>
+            <a:r>
+              <a:rPr lang="en-US" sz="2000" strike="noStrike" dirty="0" err="1">
+                <a:latin typeface="DejaVu Sans"/>
+              </a:rPr>
+              <a:t>decimais</a:t>
             </a:r>
             <a:endParaRPr dirty="0"/>
           </a:p>
           <a:p>
-            <a:pPr lvl="1">
+            <a:pPr>
+              <a:lnSpc>
+                <a:spcPct val="100000"/>
+              </a:lnSpc>
+            </a:pPr>
+            <a:endParaRPr dirty="0"/>
+          </a:p>
+          <a:p>
+            <a:pPr>
               <a:lnSpc>
                 <a:spcPct val="100000"/>
               </a:lnSpc>
@@ -7377,79 +8495,7 @@
               <a:rPr lang="en-US" sz="2000" strike="noStrike" dirty="0" err="1">
                 <a:latin typeface="DejaVu Sans"/>
               </a:rPr>
-              <a:t>Tentar</a:t>
-            </a:r>
-            <a:r>
-              <a:rPr lang="en-US" sz="2000" strike="noStrike" dirty="0">
-                <a:latin typeface="DejaVu Sans"/>
-              </a:rPr>
-              <a:t> </a:t>
-            </a:r>
-            <a:r>
-              <a:rPr lang="en-US" sz="2000" strike="noStrike" dirty="0" err="1">
-                <a:latin typeface="DejaVu Sans"/>
-              </a:rPr>
-              <a:t>tratar</a:t>
-            </a:r>
-            <a:r>
-              <a:rPr lang="en-US" sz="2000" strike="noStrike" dirty="0">
-                <a:latin typeface="DejaVu Sans"/>
-              </a:rPr>
-              <a:t> </a:t>
-            </a:r>
-            <a:r>
-              <a:rPr lang="en-US" sz="2000" strike="noStrike" dirty="0" err="1">
-                <a:latin typeface="DejaVu Sans"/>
-              </a:rPr>
-              <a:t>algo</a:t>
-            </a:r>
-            <a:r>
-              <a:rPr lang="en-US" sz="2000" strike="noStrike" dirty="0">
-                <a:latin typeface="DejaVu Sans"/>
-              </a:rPr>
-              <a:t> </a:t>
-            </a:r>
-            <a:r>
-              <a:rPr lang="en-US" sz="2000" strike="noStrike" dirty="0" err="1">
-                <a:latin typeface="DejaVu Sans"/>
-              </a:rPr>
-              <a:t>não</a:t>
-            </a:r>
-            <a:r>
-              <a:rPr lang="en-US" sz="2000" strike="noStrike" dirty="0">
-                <a:latin typeface="DejaVu Sans"/>
-              </a:rPr>
-              <a:t> </a:t>
-            </a:r>
-            <a:r>
-              <a:rPr lang="en-US" sz="2000" strike="noStrike" dirty="0" err="1">
-                <a:latin typeface="DejaVu Sans"/>
-              </a:rPr>
-              <a:t>numérico</a:t>
-            </a:r>
-            <a:r>
-              <a:rPr lang="en-US" sz="2000" strike="noStrike" dirty="0">
-                <a:latin typeface="DejaVu Sans"/>
-              </a:rPr>
-              <a:t> </a:t>
-            </a:r>
-            <a:r>
-              <a:rPr lang="en-US" sz="2000" strike="noStrike" dirty="0" err="1">
-                <a:latin typeface="DejaVu Sans"/>
-              </a:rPr>
-              <a:t>como</a:t>
-            </a:r>
-            <a:r>
-              <a:rPr lang="en-US" sz="2000" strike="noStrike" dirty="0">
-                <a:latin typeface="DejaVu Sans"/>
-              </a:rPr>
-              <a:t> </a:t>
-            </a:r>
-            <a:r>
-              <a:rPr lang="en-US" sz="2000" strike="noStrike" dirty="0" err="1">
-                <a:latin typeface="DejaVu Sans"/>
-              </a:rPr>
-              <a:t>número</a:t>
+              <a:t>NaN</a:t>
             </a:r>
             <a:endParaRPr dirty="0"/>
           </a:p>
@@ -7465,32 +8511,84 @@
               <a:rPr lang="en-US" sz="2000" strike="noStrike" dirty="0" err="1">
                 <a:latin typeface="DejaVu Sans"/>
               </a:rPr>
-              <a:t>Tipo</a:t>
+              <a:t>Tentar</a:t>
             </a:r>
             <a:r>
               <a:rPr lang="en-US" sz="2000" strike="noStrike" dirty="0">
                 <a:latin typeface="DejaVu Sans"/>
               </a:rPr>
-              <a:t> do valor </a:t>
+              <a:t> </a:t>
             </a:r>
             <a:r>
               <a:rPr lang="en-US" sz="2000" strike="noStrike" dirty="0" err="1">
                 <a:latin typeface="DejaVu Sans"/>
               </a:rPr>
-              <a:t>typeof</a:t>
+              <a:t>tratar</a:t>
+            </a:r>
+            <a:r>
+              <a:rPr lang="en-US" sz="2000" strike="noStrike" dirty="0">
+                <a:latin typeface="DejaVu Sans"/>
+              </a:rPr>
+              <a:t> </a:t>
+            </a:r>
+            <a:r>
+              <a:rPr lang="en-US" sz="2000" strike="noStrike" dirty="0" err="1">
+                <a:latin typeface="DejaVu Sans"/>
+              </a:rPr>
+              <a:t>algo</a:t>
+            </a:r>
+            <a:r>
+              <a:rPr lang="en-US" sz="2000" strike="noStrike" dirty="0">
+                <a:latin typeface="DejaVu Sans"/>
+              </a:rPr>
+              <a:t> </a:t>
+            </a:r>
+            <a:r>
+              <a:rPr lang="en-US" sz="2000" strike="noStrike" dirty="0" err="1">
+                <a:latin typeface="DejaVu Sans"/>
+              </a:rPr>
+              <a:t>não</a:t>
+            </a:r>
+            <a:r>
+              <a:rPr lang="en-US" sz="2000" strike="noStrike" dirty="0">
+                <a:latin typeface="DejaVu Sans"/>
+              </a:rPr>
+              <a:t> </a:t>
+            </a:r>
+            <a:r>
+              <a:rPr lang="en-US" sz="2000" strike="noStrike" dirty="0" err="1">
+                <a:latin typeface="DejaVu Sans"/>
+              </a:rPr>
+              <a:t>numérico</a:t>
+            </a:r>
+            <a:r>
+              <a:rPr lang="en-US" sz="2000" strike="noStrike" dirty="0">
+                <a:latin typeface="DejaVu Sans"/>
+              </a:rPr>
+              <a:t> </a:t>
+            </a:r>
+            <a:r>
+              <a:rPr lang="en-US" sz="2000" strike="noStrike" dirty="0" err="1">
+                <a:latin typeface="DejaVu Sans"/>
+              </a:rPr>
+              <a:t>como</a:t>
+            </a:r>
+            <a:r>
+              <a:rPr lang="en-US" sz="2000" strike="noStrike" dirty="0">
+                <a:latin typeface="DejaVu Sans"/>
+              </a:rPr>
+              <a:t> </a:t>
+            </a:r>
+            <a:r>
+              <a:rPr lang="en-US" sz="2000" strike="noStrike" dirty="0" err="1">
+                <a:latin typeface="DejaVu Sans"/>
+              </a:rPr>
+              <a:t>número</a:t>
             </a:r>
             <a:endParaRPr dirty="0"/>
           </a:p>
           <a:p>
-            <a:pPr>
-              <a:lnSpc>
-                <a:spcPct val="100000"/>
-              </a:lnSpc>
-            </a:pPr>
-            <a:endParaRPr dirty="0"/>
-          </a:p>
-          <a:p>
-            <a:pPr>
+            <a:pPr lvl="1">
               <a:lnSpc>
                 <a:spcPct val="100000"/>
               </a:lnSpc>
@@ -7498,69 +8596,23 @@
               <a:buChar char="•"/>
             </a:pPr>
             <a:r>
+              <a:rPr lang="en-US" sz="2000" strike="noStrike" dirty="0" err="1">
+                <a:latin typeface="DejaVu Sans"/>
+              </a:rPr>
+              <a:t>Tipo</a:t>
+            </a:r>
+            <a:r>
               <a:rPr lang="en-US" sz="2000" strike="noStrike" dirty="0">
                 <a:latin typeface="DejaVu Sans"/>
               </a:rPr>
-              <a:t>Fiddle</a:t>
-            </a:r>
-            <a:endParaRPr dirty="0"/>
-          </a:p>
-          <a:p>
-            <a:pPr lvl="1">
-              <a:lnSpc>
-                <a:spcPct val="100000"/>
-              </a:lnSpc>
-              <a:buFont typeface="Arial"/>
-              <a:buChar char="•"/>
-            </a:pPr>
-            <a:r>
-              <a:rPr lang="en-US" sz="2000" strike="noStrike" dirty="0">
-                <a:latin typeface="DejaVu Sans"/>
-              </a:rPr>
-              <a:t>Number(value) </a:t>
-            </a:r>
-            <a:r>
-              <a:rPr lang="en-US" sz="2000" strike="noStrike" dirty="0" err="1">
-                <a:latin typeface="DejaVu Sans"/>
-              </a:rPr>
-              <a:t>produzir</a:t>
-            </a:r>
-            <a:r>
-              <a:rPr lang="en-US" sz="2000" strike="noStrike" dirty="0">
-                <a:latin typeface="DejaVu Sans"/>
-              </a:rPr>
-              <a:t> </a:t>
-            </a:r>
-            <a:r>
-              <a:rPr lang="en-US" sz="2000" strike="noStrike" dirty="0" err="1">
-                <a:latin typeface="DejaVu Sans"/>
-              </a:rPr>
-              <a:t>NaN</a:t>
-            </a:r>
-            <a:endParaRPr dirty="0"/>
-          </a:p>
-          <a:p>
-            <a:pPr lvl="1">
-              <a:lnSpc>
-                <a:spcPct val="100000"/>
-              </a:lnSpc>
-              <a:buFont typeface="Arial"/>
-              <a:buChar char="•"/>
-            </a:pPr>
-            <a:r>
-              <a:rPr lang="en-US" sz="2000" strike="noStrike" dirty="0" err="1">
-                <a:latin typeface="DejaVu Sans"/>
-              </a:rPr>
-              <a:t>parseInt</a:t>
-            </a:r>
-            <a:endParaRPr dirty="0"/>
-          </a:p>
-          <a:p>
-            <a:pPr>
-              <a:lnSpc>
-                <a:spcPct val="100000"/>
-              </a:lnSpc>
-            </a:pPr>
+              <a:t> do valor </a:t>
+            </a:r>
+            <a:r>
+              <a:rPr lang="en-US" sz="2000" strike="noStrike" dirty="0" err="1" smtClean="0">
+                <a:latin typeface="DejaVu Sans"/>
+              </a:rPr>
+              <a:t>typeof</a:t>
+            </a:r>
             <a:endParaRPr dirty="0"/>
           </a:p>
           <a:p>
@@ -7688,12 +8740,12 @@
               <a:buChar char="•"/>
             </a:pPr>
             <a:r>
-              <a:rPr lang="en-US" sz="2000" strike="noStrike">
+              <a:rPr lang="en-US" sz="2000" strike="noStrike" dirty="0">
                 <a:latin typeface="DejaVu Sans"/>
               </a:rPr>
               <a:t>Infinity</a:t>
             </a:r>
-            <a:endParaRPr/>
+            <a:endParaRPr dirty="0"/>
           </a:p>
           <a:p>
             <a:pPr lvl="1">
@@ -7704,12 +8756,30 @@
               <a:buChar char="•"/>
             </a:pPr>
             <a:r>
-              <a:rPr lang="en-US" sz="2000" strike="noStrike">
-                <a:latin typeface="DejaVu Sans"/>
-              </a:rPr>
-              <a:t>Tipo do valor typeof</a:t>
-            </a:r>
-            <a:endParaRPr/>
+              <a:rPr lang="en-US" sz="2000" strike="noStrike" dirty="0" err="1">
+                <a:latin typeface="DejaVu Sans"/>
+              </a:rPr>
+              <a:t>Tipo</a:t>
+            </a:r>
+            <a:r>
+              <a:rPr lang="en-US" sz="2000" strike="noStrike" dirty="0">
+                <a:latin typeface="DejaVu Sans"/>
+              </a:rPr>
+              <a:t> do valor </a:t>
+            </a:r>
+            <a:r>
+              <a:rPr lang="en-US" sz="2000" strike="noStrike" dirty="0" err="1" smtClean="0">
+                <a:latin typeface="DejaVu Sans"/>
+              </a:rPr>
+              <a:t>typeof</a:t>
+            </a:r>
+            <a:r>
+              <a:rPr lang="en-US" sz="2000" strike="noStrike" dirty="0" smtClean="0">
+                <a:latin typeface="DejaVu Sans"/>
+              </a:rPr>
+              <a:t> ‘number’</a:t>
+            </a:r>
+            <a:endParaRPr dirty="0"/>
           </a:p>
           <a:p>
             <a:pPr>
@@ -7717,7 +8787,7 @@
                 <a:spcPct val="100000"/>
               </a:lnSpc>
             </a:pPr>
-            <a:endParaRPr/>
+            <a:endParaRPr dirty="0"/>
           </a:p>
           <a:p>
             <a:pPr>
@@ -7728,12 +8798,18 @@
               <a:buChar char="•"/>
             </a:pPr>
             <a:r>
-              <a:rPr lang="en-US" sz="2000" strike="noStrike">
-                <a:latin typeface="DejaVu Sans"/>
-              </a:rPr>
-              <a:t>Mencionar Math</a:t>
-            </a:r>
-            <a:endParaRPr/>
+              <a:rPr lang="en-US" sz="2000" strike="noStrike" dirty="0" err="1">
+                <a:latin typeface="DejaVu Sans"/>
+              </a:rPr>
+              <a:t>Mencionar</a:t>
+            </a:r>
+            <a:r>
+              <a:rPr lang="en-US" sz="2000" strike="noStrike" dirty="0">
+                <a:latin typeface="DejaVu Sans"/>
+              </a:rPr>
+              <a:t> Math</a:t>
+            </a:r>
+            <a:endParaRPr dirty="0"/>
           </a:p>
           <a:p>
             <a:pPr lvl="1">
@@ -7744,12 +8820,12 @@
               <a:buChar char="•"/>
             </a:pPr>
             <a:r>
-              <a:rPr lang="en-US" sz="2000" strike="noStrike">
+              <a:rPr lang="en-US" sz="2000" strike="noStrike" dirty="0">
                 <a:latin typeface="DejaVu Sans"/>
               </a:rPr>
               <a:t>Abs</a:t>
             </a:r>
-            <a:endParaRPr/>
+            <a:endParaRPr dirty="0"/>
           </a:p>
           <a:p>
             <a:pPr lvl="1">
@@ -7760,12 +8836,12 @@
               <a:buChar char="•"/>
             </a:pPr>
             <a:r>
-              <a:rPr lang="en-US" sz="2000" strike="noStrike">
+              <a:rPr lang="en-US" sz="2000" strike="noStrike" dirty="0">
                 <a:latin typeface="DejaVu Sans"/>
               </a:rPr>
               <a:t>Floor</a:t>
             </a:r>
-            <a:endParaRPr/>
+            <a:endParaRPr dirty="0"/>
           </a:p>
           <a:p>
             <a:pPr lvl="1">
@@ -7776,12 +8852,12 @@
               <a:buChar char="•"/>
             </a:pPr>
             <a:r>
-              <a:rPr lang="en-US" sz="2000" strike="noStrike">
+              <a:rPr lang="en-US" sz="2000" strike="noStrike" dirty="0">
                 <a:latin typeface="DejaVu Sans"/>
               </a:rPr>
               <a:t>Power</a:t>
             </a:r>
-            <a:endParaRPr/>
+            <a:endParaRPr dirty="0"/>
           </a:p>
           <a:p>
             <a:pPr>
@@ -7789,7 +8865,7 @@
                 <a:spcPct val="100000"/>
               </a:lnSpc>
             </a:pPr>
-            <a:endParaRPr/>
+            <a:endParaRPr dirty="0"/>
           </a:p>
           <a:p>
             <a:pPr>
@@ -7797,7 +8873,7 @@
                 <a:spcPct val="100000"/>
               </a:lnSpc>
             </a:pPr>
-            <a:endParaRPr/>
+            <a:endParaRPr dirty="0"/>
           </a:p>
         </p:txBody>
       </p:sp>
@@ -12188,16 +13264,65 @@
               <a:buChar char="•"/>
             </a:pPr>
             <a:r>
-              <a:rPr lang="en-US" sz="3200" strike="noStrike">
+              <a:rPr lang="en-US" sz="3200" strike="noStrike" dirty="0">
                 <a:solidFill>
                   <a:srgbClr val="000000"/>
                 </a:solidFill>
                 <a:latin typeface="Calibri"/>
                 <a:ea typeface="DejaVu Sans"/>
               </a:rPr>
-              <a:t>new Object() cria um container vazio (= {})</a:t>
-            </a:r>
-            <a:endParaRPr/>
+              <a:t>new Object() </a:t>
+            </a:r>
+            <a:r>
+              <a:rPr lang="en-US" sz="3200" strike="noStrike" dirty="0" err="1">
+                <a:solidFill>
+                  <a:srgbClr val="000000"/>
+                </a:solidFill>
+                <a:latin typeface="Calibri"/>
+                <a:ea typeface="DejaVu Sans"/>
+              </a:rPr>
+              <a:t>cria</a:t>
+            </a:r>
+            <a:r>
+              <a:rPr lang="en-US" sz="3200" strike="noStrike" dirty="0">
+                <a:solidFill>
+                  <a:srgbClr val="000000"/>
+                </a:solidFill>
+                <a:latin typeface="Calibri"/>
+                <a:ea typeface="DejaVu Sans"/>
+              </a:rPr>
+              <a:t> um container </a:t>
+            </a:r>
+            <a:r>
+              <a:rPr lang="en-US" sz="3200" strike="noStrike" dirty="0" err="1">
+                <a:solidFill>
+                  <a:srgbClr val="000000"/>
+                </a:solidFill>
+                <a:latin typeface="Calibri"/>
+                <a:ea typeface="DejaVu Sans"/>
+              </a:rPr>
+              <a:t>vazio</a:t>
+            </a:r>
+            <a:r>
+              <a:rPr lang="en-US" sz="3200" strike="noStrike" dirty="0">
+                <a:solidFill>
+                  <a:srgbClr val="000000"/>
+                </a:solidFill>
+                <a:latin typeface="Calibri"/>
+                <a:ea typeface="DejaVu Sans"/>
+              </a:rPr>
+              <a:t> (= </a:t>
+            </a:r>
+            <a:r>
+              <a:rPr lang="en-US" sz="3200" strike="noStrike" dirty="0" smtClean="0">
+                <a:solidFill>
+                  <a:srgbClr val="000000"/>
+                </a:solidFill>
+                <a:latin typeface="Calibri"/>
+                <a:ea typeface="DejaVu Sans"/>
+              </a:rPr>
+              <a:t>{})</a:t>
+            </a:r>
           </a:p>
         </p:txBody>
       </p:sp>
@@ -12319,7 +13444,7 @@
         </p:nvSpPr>
         <p:spPr>
           <a:xfrm>
-            <a:off x="529920" y="3528000"/>
+            <a:off x="538560" y="3461955"/>
             <a:ext cx="10774800" cy="1551960"/>
           </a:xfrm>
           <a:prstGeom prst="rect">
@@ -12354,16 +13479,136 @@
               <a:buChar char="•"/>
             </a:pPr>
             <a:r>
-              <a:rPr lang="en-US" sz="3200" strike="noStrike">
+              <a:rPr lang="en-US" sz="3200" strike="noStrike" dirty="0" err="1" smtClean="0">
                 <a:solidFill>
                   <a:srgbClr val="000000"/>
                 </a:solidFill>
                 <a:latin typeface="Calibri"/>
                 <a:ea typeface="DejaVu Sans"/>
               </a:rPr>
-              <a:t>Propriedades podem ser acessadas de duas maneiras:</a:t>
-            </a:r>
-            <a:endParaRPr/>
+              <a:t>Membros</a:t>
+            </a:r>
+            <a:r>
+              <a:rPr lang="en-US" sz="3200" strike="noStrike" dirty="0" smtClean="0">
+                <a:solidFill>
+                  <a:srgbClr val="000000"/>
+                </a:solidFill>
+                <a:latin typeface="Calibri"/>
+                <a:ea typeface="DejaVu Sans"/>
+              </a:rPr>
+              <a:t> </a:t>
+            </a:r>
+            <a:r>
+              <a:rPr lang="en-US" sz="3200" strike="noStrike" dirty="0" err="1">
+                <a:solidFill>
+                  <a:srgbClr val="000000"/>
+                </a:solidFill>
+                <a:latin typeface="Calibri"/>
+                <a:ea typeface="DejaVu Sans"/>
+              </a:rPr>
+              <a:t>podem</a:t>
+            </a:r>
+            <a:r>
+              <a:rPr lang="en-US" sz="3200" strike="noStrike" dirty="0">
+                <a:solidFill>
+                  <a:srgbClr val="000000"/>
+                </a:solidFill>
+                <a:latin typeface="Calibri"/>
+                <a:ea typeface="DejaVu Sans"/>
+              </a:rPr>
+              <a:t> </a:t>
+            </a:r>
+            <a:r>
+              <a:rPr lang="en-US" sz="3200" strike="noStrike" dirty="0" err="1">
+                <a:solidFill>
+                  <a:srgbClr val="000000"/>
+                </a:solidFill>
+                <a:latin typeface="Calibri"/>
+                <a:ea typeface="DejaVu Sans"/>
+              </a:rPr>
+              <a:t>ser</a:t>
+            </a:r>
+            <a:r>
+              <a:rPr lang="en-US" sz="3200" strike="noStrike" dirty="0">
+                <a:solidFill>
+                  <a:srgbClr val="000000"/>
+                </a:solidFill>
+                <a:latin typeface="Calibri"/>
+                <a:ea typeface="DejaVu Sans"/>
+              </a:rPr>
+              <a:t> </a:t>
+            </a:r>
+            <a:r>
+              <a:rPr lang="en-US" sz="3200" strike="noStrike" dirty="0" err="1" smtClean="0">
+                <a:solidFill>
+                  <a:srgbClr val="000000"/>
+                </a:solidFill>
+                <a:latin typeface="Calibri"/>
+                <a:ea typeface="DejaVu Sans"/>
+              </a:rPr>
+              <a:t>acessados</a:t>
+            </a:r>
+            <a:r>
+              <a:rPr lang="en-US" sz="3200" strike="noStrike" dirty="0" smtClean="0">
+                <a:solidFill>
+                  <a:srgbClr val="000000"/>
+                </a:solidFill>
+                <a:latin typeface="Calibri"/>
+                <a:ea typeface="DejaVu Sans"/>
+              </a:rPr>
+              <a:t> </a:t>
+            </a:r>
+            <a:r>
+              <a:rPr lang="en-US" sz="3200" strike="noStrike" dirty="0">
+                <a:solidFill>
+                  <a:srgbClr val="000000"/>
+                </a:solidFill>
+                <a:latin typeface="Calibri"/>
+                <a:ea typeface="DejaVu Sans"/>
+              </a:rPr>
+              <a:t>de </a:t>
+            </a:r>
+            <a:r>
+              <a:rPr lang="en-US" sz="3200" strike="noStrike" dirty="0" err="1">
+                <a:solidFill>
+                  <a:srgbClr val="000000"/>
+                </a:solidFill>
+                <a:latin typeface="Calibri"/>
+                <a:ea typeface="DejaVu Sans"/>
+              </a:rPr>
+              <a:t>duas</a:t>
+            </a:r>
+            <a:r>
+              <a:rPr lang="en-US" sz="3200" strike="noStrike" dirty="0">
+                <a:solidFill>
+                  <a:srgbClr val="000000"/>
+                </a:solidFill>
+                <a:latin typeface="Calibri"/>
+                <a:ea typeface="DejaVu Sans"/>
+              </a:rPr>
+              <a:t> </a:t>
+            </a:r>
+            <a:r>
+              <a:rPr lang="en-US" sz="3200" strike="noStrike" dirty="0" err="1">
+                <a:solidFill>
+                  <a:srgbClr val="000000"/>
+                </a:solidFill>
+                <a:latin typeface="Calibri"/>
+                <a:ea typeface="DejaVu Sans"/>
+              </a:rPr>
+              <a:t>maneiras</a:t>
+            </a:r>
+            <a:r>
+              <a:rPr lang="en-US" sz="3200" strike="noStrike" dirty="0">
+                <a:solidFill>
+                  <a:srgbClr val="000000"/>
+                </a:solidFill>
+                <a:latin typeface="Calibri"/>
+                <a:ea typeface="DejaVu Sans"/>
+              </a:rPr>
+              <a:t>:</a:t>
+            </a:r>
+            <a:endParaRPr dirty="0"/>
           </a:p>
           <a:p>
             <a:pPr lvl="1">
@@ -12374,16 +13619,16 @@
               <a:buChar char="•"/>
             </a:pPr>
             <a:r>
-              <a:rPr lang="en-US" sz="3200" strike="noStrike">
+              <a:rPr lang="en-US" sz="3200" strike="noStrike" dirty="0" err="1" smtClean="0">
                 <a:solidFill>
                   <a:srgbClr val="000000"/>
                 </a:solidFill>
                 <a:latin typeface="Calibri"/>
                 <a:ea typeface="DejaVu Sans"/>
               </a:rPr>
-              <a:t>o.prop</a:t>
-            </a:r>
-            <a:endParaRPr/>
+              <a:t>objeto.membro</a:t>
+            </a:r>
+            <a:endParaRPr dirty="0"/>
           </a:p>
           <a:p>
             <a:pPr lvl="1">
@@ -12394,16 +13639,46 @@
               <a:buChar char="•"/>
             </a:pPr>
             <a:r>
-              <a:rPr lang="en-US" sz="3200" strike="noStrike">
+              <a:rPr lang="en-US" sz="3200" strike="noStrike" dirty="0" err="1" smtClean="0">
                 <a:solidFill>
                   <a:srgbClr val="000000"/>
                 </a:solidFill>
                 <a:latin typeface="Calibri"/>
                 <a:ea typeface="DejaVu Sans"/>
               </a:rPr>
-              <a:t>o[‘prop’]</a:t>
-            </a:r>
-            <a:endParaRPr/>
+              <a:t>objeto</a:t>
+            </a:r>
+            <a:r>
+              <a:rPr lang="en-US" sz="3200" strike="noStrike" dirty="0" smtClean="0">
+                <a:solidFill>
+                  <a:srgbClr val="000000"/>
+                </a:solidFill>
+                <a:latin typeface="Calibri"/>
+                <a:ea typeface="DejaVu Sans"/>
+              </a:rPr>
+              <a:t>[‘</a:t>
+            </a:r>
+            <a:r>
+              <a:rPr lang="en-US" sz="3200" strike="noStrike" dirty="0" err="1" smtClean="0">
+                <a:solidFill>
+                  <a:srgbClr val="000000"/>
+                </a:solidFill>
+                <a:latin typeface="Calibri"/>
+                <a:ea typeface="DejaVu Sans"/>
+              </a:rPr>
+              <a:t>membro</a:t>
+            </a:r>
+            <a:r>
+              <a:rPr lang="en-US" sz="3200" strike="noStrike" dirty="0" smtClean="0">
+                <a:solidFill>
+                  <a:srgbClr val="000000"/>
+                </a:solidFill>
+                <a:latin typeface="Calibri"/>
+                <a:ea typeface="DejaVu Sans"/>
+              </a:rPr>
+              <a:t>’]</a:t>
+            </a:r>
+            <a:endParaRPr dirty="0"/>
           </a:p>
         </p:txBody>
       </p:sp>
@@ -12415,7 +13690,7 @@
         </p:nvSpPr>
         <p:spPr>
           <a:xfrm>
-            <a:off x="529920" y="5097600"/>
+            <a:off x="538560" y="5026814"/>
             <a:ext cx="10774800" cy="577080"/>
           </a:xfrm>
           <a:prstGeom prst="rect">
@@ -12450,72 +13725,116 @@
               <a:buChar char="•"/>
             </a:pPr>
             <a:r>
-              <a:rPr lang="en-US" sz="3200" strike="noStrike">
+              <a:rPr lang="en-US" sz="3200" strike="noStrike" dirty="0" err="1" smtClean="0">
                 <a:solidFill>
                   <a:srgbClr val="000000"/>
                 </a:solidFill>
                 <a:latin typeface="Calibri"/>
                 <a:ea typeface="DejaVu Sans"/>
               </a:rPr>
-              <a:t>Podem conter dados e métodos</a:t>
-            </a:r>
-            <a:endParaRPr/>
-          </a:p>
-        </p:txBody>
-      </p:sp>
-      <p:sp>
-        <p:nvSpPr>
-          <p:cNvPr id="146" name="CustomShape 6"/>
-          <p:cNvSpPr/>
-          <p:nvPr/>
-        </p:nvSpPr>
-        <p:spPr>
-          <a:xfrm>
-            <a:off x="529920" y="5682240"/>
-            <a:ext cx="10774800" cy="577080"/>
-          </a:xfrm>
-          <a:prstGeom prst="rect">
-            <a:avLst/>
-          </a:prstGeom>
-          <a:noFill/>
-          <a:ln>
-            <a:noFill/>
-          </a:ln>
-        </p:spPr>
-        <p:style>
-          <a:lnRef idx="0">
-            <a:scrgbClr r="0" g="0" b="0"/>
-          </a:lnRef>
-          <a:fillRef idx="0">
-            <a:scrgbClr r="0" g="0" b="0"/>
-          </a:fillRef>
-          <a:effectRef idx="0">
-            <a:scrgbClr r="0" g="0" b="0"/>
-          </a:effectRef>
-          <a:fontRef idx="minor"/>
-        </p:style>
-        <p:txBody>
-          <a:bodyPr lIns="90000" tIns="45000" rIns="90000" bIns="45000"/>
-          <a:lstStyle/>
-          <a:p>
-            <a:pPr>
-              <a:lnSpc>
-                <a:spcPct val="100000"/>
-              </a:lnSpc>
-              <a:buFont typeface="Arial"/>
-              <a:buChar char="•"/>
-            </a:pPr>
-            <a:r>
-              <a:rPr lang="en-US" sz="3200" strike="noStrike">
+              <a:t>Membros</a:t>
+            </a:r>
+            <a:r>
+              <a:rPr lang="en-US" sz="3200" strike="noStrike" dirty="0" smtClean="0">
                 <a:solidFill>
                   <a:srgbClr val="000000"/>
                 </a:solidFill>
                 <a:latin typeface="Calibri"/>
                 <a:ea typeface="DejaVu Sans"/>
               </a:rPr>
-              <a:t>Podem derivar de outros objetos</a:t>
-            </a:r>
-            <a:endParaRPr/>
+              <a:t> </a:t>
+            </a:r>
+            <a:r>
+              <a:rPr lang="en-US" sz="3200" strike="noStrike" dirty="0" err="1" smtClean="0">
+                <a:solidFill>
+                  <a:srgbClr val="000000"/>
+                </a:solidFill>
+                <a:latin typeface="Calibri"/>
+                <a:ea typeface="DejaVu Sans"/>
+              </a:rPr>
+              <a:t>podem</a:t>
+            </a:r>
+            <a:r>
+              <a:rPr lang="en-US" sz="3200" strike="noStrike" dirty="0" smtClean="0">
+                <a:solidFill>
+                  <a:srgbClr val="000000"/>
+                </a:solidFill>
+                <a:latin typeface="Calibri"/>
+                <a:ea typeface="DejaVu Sans"/>
+              </a:rPr>
+              <a:t> </a:t>
+            </a:r>
+            <a:r>
+              <a:rPr lang="en-US" sz="3200" strike="noStrike" dirty="0" err="1" smtClean="0">
+                <a:solidFill>
+                  <a:srgbClr val="000000"/>
+                </a:solidFill>
+                <a:latin typeface="Calibri"/>
+                <a:ea typeface="DejaVu Sans"/>
+              </a:rPr>
+              <a:t>ser</a:t>
+            </a:r>
+            <a:r>
+              <a:rPr lang="en-US" sz="3200" strike="noStrike" dirty="0" smtClean="0">
+                <a:solidFill>
+                  <a:srgbClr val="000000"/>
+                </a:solidFill>
+                <a:latin typeface="Calibri"/>
+                <a:ea typeface="DejaVu Sans"/>
+              </a:rPr>
+              <a:t> </a:t>
+            </a:r>
+            <a:r>
+              <a:rPr lang="en-US" sz="3200" strike="noStrike" dirty="0" err="1" smtClean="0">
+                <a:solidFill>
+                  <a:srgbClr val="000000"/>
+                </a:solidFill>
+                <a:latin typeface="Calibri"/>
+                <a:ea typeface="DejaVu Sans"/>
+              </a:rPr>
+              <a:t>valores</a:t>
+            </a:r>
+            <a:r>
+              <a:rPr lang="en-US" sz="3200" strike="noStrike" dirty="0" smtClean="0">
+                <a:solidFill>
+                  <a:srgbClr val="000000"/>
+                </a:solidFill>
+                <a:latin typeface="Calibri"/>
+                <a:ea typeface="DejaVu Sans"/>
+              </a:rPr>
+              <a:t> </a:t>
+            </a:r>
+            <a:r>
+              <a:rPr lang="en-US" sz="3200" strike="noStrike" dirty="0" err="1" smtClean="0">
+                <a:solidFill>
+                  <a:srgbClr val="000000"/>
+                </a:solidFill>
+                <a:latin typeface="Calibri"/>
+                <a:ea typeface="DejaVu Sans"/>
+              </a:rPr>
+              <a:t>ou</a:t>
+            </a:r>
+            <a:r>
+              <a:rPr lang="en-US" sz="3200" strike="noStrike" dirty="0" smtClean="0">
+                <a:solidFill>
+                  <a:srgbClr val="000000"/>
+                </a:solidFill>
+                <a:latin typeface="Calibri"/>
+                <a:ea typeface="DejaVu Sans"/>
+              </a:rPr>
+              <a:t> </a:t>
+            </a:r>
+            <a:r>
+              <a:rPr lang="en-US" sz="3200" strike="noStrike" dirty="0" err="1">
+                <a:solidFill>
+                  <a:srgbClr val="000000"/>
+                </a:solidFill>
+                <a:latin typeface="Calibri"/>
+                <a:ea typeface="DejaVu Sans"/>
+              </a:rPr>
+              <a:t>métodos</a:t>
+            </a:r>
+            <a:endParaRPr dirty="0"/>
           </a:p>
         </p:txBody>
       </p:sp>
@@ -12704,7 +14023,134 @@
           </a:p>
         </p:txBody>
       </p:sp>
+      <p:sp>
+        <p:nvSpPr>
+          <p:cNvPr id="14" name="CustomShape 6"/>
+          <p:cNvSpPr/>
+          <p:nvPr/>
+        </p:nvSpPr>
+        <p:spPr>
+          <a:xfrm>
+            <a:off x="529920" y="5616793"/>
+            <a:ext cx="10774800" cy="577080"/>
+          </a:xfrm>
+          <a:prstGeom prst="rect">
+            <a:avLst/>
+          </a:prstGeom>
+          <a:noFill/>
+          <a:ln>
+            <a:noFill/>
+          </a:ln>
+        </p:spPr>
+        <p:style>
+          <a:lnRef idx="0">
+            <a:scrgbClr r="0" g="0" b="0"/>
+          </a:lnRef>
+          <a:fillRef idx="0">
+            <a:scrgbClr r="0" g="0" b="0"/>
+          </a:fillRef>
+          <a:effectRef idx="0">
+            <a:scrgbClr r="0" g="0" b="0"/>
+          </a:effectRef>
+          <a:fontRef idx="minor"/>
+        </p:style>
+        <p:txBody>
+          <a:bodyPr lIns="90000" tIns="45000" rIns="90000" bIns="45000"/>
+          <a:lstStyle/>
+          <a:p>
+            <a:pPr>
+              <a:lnSpc>
+                <a:spcPct val="100000"/>
+              </a:lnSpc>
+              <a:buFont typeface="Arial"/>
+              <a:buChar char="•"/>
+            </a:pPr>
+            <a:r>
+              <a:rPr lang="en-US" sz="3200" strike="noStrike" dirty="0" err="1">
+                <a:solidFill>
+                  <a:srgbClr val="000000"/>
+                </a:solidFill>
+                <a:latin typeface="Calibri"/>
+                <a:ea typeface="DejaVu Sans"/>
+              </a:rPr>
+              <a:t>Podem</a:t>
+            </a:r>
+            <a:r>
+              <a:rPr lang="en-US" sz="3200" strike="noStrike" dirty="0">
+                <a:solidFill>
+                  <a:srgbClr val="000000"/>
+                </a:solidFill>
+                <a:latin typeface="Calibri"/>
+                <a:ea typeface="DejaVu Sans"/>
+              </a:rPr>
+              <a:t> </a:t>
+            </a:r>
+            <a:r>
+              <a:rPr lang="en-US" sz="3200" strike="noStrike" dirty="0" err="1">
+                <a:solidFill>
+                  <a:srgbClr val="000000"/>
+                </a:solidFill>
+                <a:latin typeface="Calibri"/>
+                <a:ea typeface="DejaVu Sans"/>
+              </a:rPr>
+              <a:t>derivar</a:t>
+            </a:r>
+            <a:r>
+              <a:rPr lang="en-US" sz="3200" strike="noStrike" dirty="0">
+                <a:solidFill>
+                  <a:srgbClr val="000000"/>
+                </a:solidFill>
+                <a:latin typeface="Calibri"/>
+                <a:ea typeface="DejaVu Sans"/>
+              </a:rPr>
+              <a:t> de outros </a:t>
+            </a:r>
+            <a:r>
+              <a:rPr lang="en-US" sz="3200" strike="noStrike" dirty="0" err="1" smtClean="0">
+                <a:solidFill>
+                  <a:srgbClr val="000000"/>
+                </a:solidFill>
+                <a:latin typeface="Calibri"/>
+                <a:ea typeface="DejaVu Sans"/>
+              </a:rPr>
+              <a:t>objetos</a:t>
+            </a:r>
+            <a:r>
+              <a:rPr lang="en-US" sz="3200" dirty="0" smtClean="0">
+                <a:solidFill>
+                  <a:srgbClr val="000000"/>
+                </a:solidFill>
+                <a:latin typeface="Calibri"/>
+                <a:ea typeface="DejaVu Sans"/>
+              </a:rPr>
+              <a:t>:  </a:t>
+            </a:r>
+            <a:r>
+              <a:rPr lang="en-US" sz="3200" dirty="0" err="1" smtClean="0">
+                <a:solidFill>
+                  <a:srgbClr val="000000"/>
+                </a:solidFill>
+                <a:latin typeface="Calibri"/>
+                <a:ea typeface="DejaVu Sans"/>
+              </a:rPr>
+              <a:t>Object.create</a:t>
+            </a:r>
+            <a:endParaRPr lang="en-US" sz="3200" strike="noStrike" dirty="0" smtClean="0">
+              <a:solidFill>
+                <a:srgbClr val="000000"/>
+              </a:solidFill>
+              <a:latin typeface="Calibri"/>
+              <a:ea typeface="DejaVu Sans"/>
+            </a:endParaRPr>
+          </a:p>
+        </p:txBody>
+      </p:sp>
     </p:spTree>
+    <p:extLst>
+      <p:ext uri="{BB962C8B-B14F-4D97-AF65-F5344CB8AC3E}">
+        <p14:creationId xmlns:p14="http://schemas.microsoft.com/office/powerpoint/2010/main" val="4153149741"/>
+      </p:ext>
+    </p:extLst>
   </p:cSld>
   <p:clrMapOvr>
     <a:masterClrMapping/>
@@ -12923,7 +14369,7 @@
                                           </p:stCondLst>
                                         </p:cTn>
                                         <p:tgtEl>
-                                          <p:spTgt spid="146"/>
+                                          <p:spTgt spid="14"/>
                                         </p:tgtEl>
                                         <p:attrNameLst>
                                           <p:attrName>style.visibility</p:attrName>
@@ -28838,16 +30284,32 @@
               <a:buChar char="•"/>
             </a:pPr>
             <a:r>
-              <a:rPr lang="en-US" sz="2800" strike="noStrike">
+              <a:rPr lang="en-US" sz="2800" strike="noStrike" dirty="0">
                 <a:solidFill>
                   <a:srgbClr val="000000"/>
                 </a:solidFill>
                 <a:latin typeface="Calibri"/>
                 <a:ea typeface="DejaVu Sans"/>
               </a:rPr>
-              <a:t>Infinity – Infinity = NaN</a:t>
-            </a:r>
-            <a:endParaRPr/>
+              <a:t>Infinity – Infinity = </a:t>
+            </a:r>
+            <a:r>
+              <a:rPr lang="en-US" sz="2800" strike="noStrike" dirty="0" err="1" smtClean="0">
+                <a:solidFill>
+                  <a:srgbClr val="000000"/>
+                </a:solidFill>
+                <a:latin typeface="Calibri"/>
+                <a:ea typeface="DejaVu Sans"/>
+              </a:rPr>
+              <a:t>NaN</a:t>
+            </a:r>
+            <a:endParaRPr lang="en-US" sz="2800" strike="noStrike" dirty="0" smtClean="0">
+              <a:solidFill>
+                <a:srgbClr val="000000"/>
+              </a:solidFill>
+              <a:latin typeface="Calibri"/>
+              <a:ea typeface="DejaVu Sans"/>
+            </a:endParaRPr>
           </a:p>
         </p:txBody>
       </p:sp>
@@ -28859,7 +30321,7 @@
         </p:nvSpPr>
         <p:spPr>
           <a:xfrm>
-            <a:off x="529920" y="5080320"/>
+            <a:off x="529920" y="5536012"/>
             <a:ext cx="10774800" cy="577080"/>
           </a:xfrm>
           <a:prstGeom prst="rect">
@@ -28894,7 +30356,7 @@
               <a:buChar char="•"/>
             </a:pPr>
             <a:r>
-              <a:rPr lang="en-US" sz="3200" strike="noStrike">
+              <a:rPr lang="en-US" sz="3200" strike="noStrike" dirty="0">
                 <a:solidFill>
                   <a:srgbClr val="000000"/>
                 </a:solidFill>
@@ -28903,7 +30365,7 @@
               </a:rPr>
               <a:t>Math</a:t>
             </a:r>
-            <a:endParaRPr/>
+            <a:endParaRPr dirty="0"/>
           </a:p>
         </p:txBody>
       </p:sp>
@@ -29088,6 +30550,98 @@
               <a:solidFill>
                 <a:schemeClr val="bg1"/>
               </a:solidFill>
+            </a:endParaRPr>
+          </a:p>
+        </p:txBody>
+      </p:sp>
+      <p:sp>
+        <p:nvSpPr>
+          <p:cNvPr id="15" name="CustomShape 6"/>
+          <p:cNvSpPr/>
+          <p:nvPr/>
+        </p:nvSpPr>
+        <p:spPr>
+          <a:xfrm>
+            <a:off x="905040" y="5042520"/>
+            <a:ext cx="10774800" cy="516240"/>
+          </a:xfrm>
+          <a:prstGeom prst="rect">
+            <a:avLst/>
+          </a:prstGeom>
+          <a:noFill/>
+          <a:ln>
+            <a:noFill/>
+          </a:ln>
+        </p:spPr>
+        <p:style>
+          <a:lnRef idx="0">
+            <a:scrgbClr r="0" g="0" b="0"/>
+          </a:lnRef>
+          <a:fillRef idx="0">
+            <a:scrgbClr r="0" g="0" b="0"/>
+          </a:fillRef>
+          <a:effectRef idx="0">
+            <a:scrgbClr r="0" g="0" b="0"/>
+          </a:effectRef>
+          <a:fontRef idx="minor"/>
+        </p:style>
+        <p:txBody>
+          <a:bodyPr lIns="90000" tIns="45000" rIns="90000" bIns="45000"/>
+          <a:lstStyle/>
+          <a:p>
+            <a:pPr>
+              <a:lnSpc>
+                <a:spcPct val="100000"/>
+              </a:lnSpc>
+              <a:buFont typeface="Arial"/>
+              <a:buChar char="•"/>
+            </a:pPr>
+            <a:r>
+              <a:rPr lang="en-US" sz="2800" strike="noStrike" dirty="0">
+                <a:solidFill>
+                  <a:srgbClr val="000000"/>
+                </a:solidFill>
+                <a:latin typeface="Calibri"/>
+                <a:ea typeface="DejaVu Sans"/>
+              </a:rPr>
+              <a:t>Infinity </a:t>
+            </a:r>
+            <a:r>
+              <a:rPr lang="en-US" sz="2800" strike="noStrike" dirty="0" smtClean="0">
+                <a:solidFill>
+                  <a:srgbClr val="000000"/>
+                </a:solidFill>
+                <a:latin typeface="Calibri"/>
+                <a:ea typeface="DejaVu Sans"/>
+              </a:rPr>
+              <a:t>/ </a:t>
+            </a:r>
+            <a:r>
+              <a:rPr lang="en-US" sz="2800" strike="noStrike" dirty="0">
+                <a:solidFill>
+                  <a:srgbClr val="000000"/>
+                </a:solidFill>
+                <a:latin typeface="Calibri"/>
+                <a:ea typeface="DejaVu Sans"/>
+              </a:rPr>
+              <a:t>Infinity = </a:t>
+            </a:r>
+            <a:r>
+              <a:rPr lang="en-US" sz="2800" strike="noStrike" dirty="0" err="1" smtClean="0">
+                <a:solidFill>
+                  <a:srgbClr val="000000"/>
+                </a:solidFill>
+                <a:latin typeface="Calibri"/>
+                <a:ea typeface="DejaVu Sans"/>
+              </a:rPr>
+              <a:t>NaN</a:t>
+            </a:r>
+            <a:endParaRPr lang="en-US" sz="2800" strike="noStrike" dirty="0" smtClean="0">
+              <a:solidFill>
+                <a:srgbClr val="000000"/>
+              </a:solidFill>
+              <a:latin typeface="Calibri"/>
+              <a:ea typeface="DejaVu Sans"/>
             </a:endParaRPr>
           </a:p>
         </p:txBody>
@@ -29357,6 +30911,51 @@
                                         </p:cTn>
                                         <p:tgtEl>
                                           <p:spTgt spid="119"/>
+                                        </p:tgtEl>
+                                        <p:attrNameLst>
+                                          <p:attrName>style.visibility</p:attrName>
+                                        </p:attrNameLst>
+                                      </p:cBhvr>
+                                      <p:to>
+                                        <p:strVal val="visible"/>
+                                      </p:to>
+                                    </p:set>
+                                  </p:childTnLst>
+                                </p:cTn>
+                              </p:par>
+                            </p:childTnLst>
+                          </p:cTn>
+                        </p:par>
+                      </p:childTnLst>
+                    </p:cTn>
+                  </p:par>
+                  <p:par>
+                    <p:cTn id="27" fill="hold">
+                      <p:stCondLst>
+                        <p:cond delay="indefinite"/>
+                      </p:stCondLst>
+                      <p:childTnLst>
+                        <p:par>
+                          <p:cTn id="28" fill="hold">
+                            <p:stCondLst>
+                              <p:cond delay="0"/>
+                            </p:stCondLst>
+                            <p:childTnLst>
+                              <p:par>
+                                <p:cTn id="29" presetID="1" presetClass="entr" fill="hold" nodeType="clickEffect">
+                                  <p:stCondLst>
+                                    <p:cond delay="0"/>
+                                  </p:stCondLst>
+                                  <p:childTnLst>
+                                    <p:set>
+                                      <p:cBhvr>
+                                        <p:cTn id="30" dur="1" fill="hold">
+                                          <p:stCondLst>
+                                            <p:cond delay="0"/>
+                                          </p:stCondLst>
+                                        </p:cTn>
+                                        <p:tgtEl>
+                                          <p:spTgt spid="15"/>
                                         </p:tgtEl>
                                         <p:attrNameLst>
                                           <p:attrName>style.visibility</p:attrName>

--- a/Slides.pptx
+++ b/Slides.pptx
@@ -1150,7 +1150,13 @@
               <a:rPr lang="en-US" sz="2000" strike="noStrike" dirty="0" smtClean="0">
                 <a:latin typeface="DejaVu Sans"/>
               </a:rPr>
-              <a:t> (CONSOLE)</a:t>
+              <a:t> (</a:t>
+            </a:r>
+            <a:r>
+              <a:rPr lang="en-US" sz="2000" strike="noStrike" dirty="0" smtClean="0">
+                <a:latin typeface="DejaVu Sans"/>
+              </a:rPr>
+              <a:t>CONSOLE)</a:t>
             </a:r>
             <a:endParaRPr dirty="0"/>
           </a:p>
@@ -4375,12 +4381,18 @@
               <a:buChar char="•"/>
             </a:pPr>
             <a:r>
-              <a:rPr lang="en-US" sz="2000" strike="noStrike">
-                <a:latin typeface="DejaVu Sans"/>
-              </a:rPr>
-              <a:t>Derivam de object</a:t>
-            </a:r>
-            <a:endParaRPr/>
+              <a:rPr lang="en-US" sz="2000" strike="noStrike" dirty="0" err="1">
+                <a:latin typeface="DejaVu Sans"/>
+              </a:rPr>
+              <a:t>Derivam</a:t>
+            </a:r>
+            <a:r>
+              <a:rPr lang="en-US" sz="2000" strike="noStrike" dirty="0">
+                <a:latin typeface="DejaVu Sans"/>
+              </a:rPr>
+              <a:t> de object</a:t>
+            </a:r>
+            <a:endParaRPr dirty="0"/>
           </a:p>
           <a:p>
             <a:pPr lvl="1">
@@ -4391,16 +4403,76 @@
               <a:buChar char="•"/>
             </a:pPr>
             <a:r>
-              <a:rPr lang="en-US" sz="1200" strike="noStrike">
+              <a:rPr lang="en-US" sz="1200" strike="noStrike" dirty="0" err="1">
                 <a:solidFill>
                   <a:srgbClr val="000000"/>
                 </a:solidFill>
                 <a:latin typeface="+mn-lt"/>
                 <a:ea typeface="+mn-ea"/>
               </a:rPr>
-              <a:t>Pode igualmente se tornar um container</a:t>
-            </a:r>
-            <a:endParaRPr/>
+              <a:t>Pode</a:t>
+            </a:r>
+            <a:r>
+              <a:rPr lang="en-US" sz="1200" strike="noStrike" dirty="0">
+                <a:solidFill>
+                  <a:srgbClr val="000000"/>
+                </a:solidFill>
+                <a:latin typeface="+mn-lt"/>
+                <a:ea typeface="+mn-ea"/>
+              </a:rPr>
+              <a:t> </a:t>
+            </a:r>
+            <a:r>
+              <a:rPr lang="en-US" sz="1200" strike="noStrike" dirty="0" err="1">
+                <a:solidFill>
+                  <a:srgbClr val="000000"/>
+                </a:solidFill>
+                <a:latin typeface="+mn-lt"/>
+                <a:ea typeface="+mn-ea"/>
+              </a:rPr>
+              <a:t>igualmente</a:t>
+            </a:r>
+            <a:r>
+              <a:rPr lang="en-US" sz="1200" strike="noStrike" dirty="0">
+                <a:solidFill>
+                  <a:srgbClr val="000000"/>
+                </a:solidFill>
+                <a:latin typeface="+mn-lt"/>
+                <a:ea typeface="+mn-ea"/>
+              </a:rPr>
+              <a:t> se </a:t>
+            </a:r>
+            <a:r>
+              <a:rPr lang="en-US" sz="1200" strike="noStrike" dirty="0" err="1">
+                <a:solidFill>
+                  <a:srgbClr val="000000"/>
+                </a:solidFill>
+                <a:latin typeface="+mn-lt"/>
+                <a:ea typeface="+mn-ea"/>
+              </a:rPr>
+              <a:t>tornar</a:t>
+            </a:r>
+            <a:r>
+              <a:rPr lang="en-US" sz="1200" strike="noStrike" dirty="0">
+                <a:solidFill>
+                  <a:srgbClr val="000000"/>
+                </a:solidFill>
+                <a:latin typeface="+mn-lt"/>
+                <a:ea typeface="+mn-ea"/>
+              </a:rPr>
+              <a:t> um </a:t>
+            </a:r>
+            <a:r>
+              <a:rPr lang="en-US" sz="1200" strike="noStrike" dirty="0" smtClean="0">
+                <a:solidFill>
+                  <a:srgbClr val="000000"/>
+                </a:solidFill>
+                <a:latin typeface="+mn-lt"/>
+                <a:ea typeface="+mn-ea"/>
+              </a:rPr>
+              <a:t>container (CONSOLE)</a:t>
+            </a:r>
+            <a:endParaRPr dirty="0"/>
           </a:p>
           <a:p>
             <a:pPr>
@@ -4408,7 +4480,7 @@
                 <a:spcPct val="100000"/>
               </a:lnSpc>
             </a:pPr>
-            <a:endParaRPr/>
+            <a:endParaRPr dirty="0"/>
           </a:p>
           <a:p>
             <a:pPr>
@@ -4419,16 +4491,16 @@
               <a:buChar char="•"/>
             </a:pPr>
             <a:r>
-              <a:rPr lang="en-US" sz="2000" strike="noStrike">
+              <a:rPr lang="en-US" sz="2000" strike="noStrike" dirty="0" smtClean="0">
                 <a:solidFill>
                   <a:srgbClr val="000000"/>
                 </a:solidFill>
                 <a:latin typeface="+mn-lt"/>
                 <a:ea typeface="+mn-ea"/>
               </a:rPr>
-              <a:t>Fiddle</a:t>
-            </a:r>
-            <a:endParaRPr/>
+              <a:t>Fiddle (CONSOLE)</a:t>
+            </a:r>
+            <a:endParaRPr dirty="0"/>
           </a:p>
           <a:p>
             <a:pPr lvl="1">
@@ -4439,19 +4511,47 @@
               <a:buChar char="•"/>
             </a:pPr>
             <a:r>
-              <a:rPr lang="en-US" sz="2000" strike="noStrike">
+              <a:rPr lang="en-US" sz="2000" strike="noStrike" dirty="0">
                 <a:solidFill>
                   <a:srgbClr val="000000"/>
                 </a:solidFill>
                 <a:latin typeface="+mn-lt"/>
                 <a:ea typeface="+mn-ea"/>
               </a:rPr>
-              <a:t>Statement básico</a:t>
-            </a:r>
-            <a:endParaRPr/>
-          </a:p>
-          <a:p>
-            <a:pPr lvl="1">
+              <a:t>Statement </a:t>
+            </a:r>
+            <a:r>
+              <a:rPr lang="en-US" sz="2000" strike="noStrike" dirty="0" err="1" smtClean="0">
+                <a:solidFill>
+                  <a:srgbClr val="000000"/>
+                </a:solidFill>
+                <a:latin typeface="+mn-lt"/>
+                <a:ea typeface="+mn-ea"/>
+              </a:rPr>
+              <a:t>básicoNamed</a:t>
+            </a:r>
+            <a:r>
+              <a:rPr lang="en-US" sz="2000" strike="noStrike" dirty="0" smtClean="0">
+                <a:solidFill>
+                  <a:srgbClr val="000000"/>
+                </a:solidFill>
+                <a:latin typeface="+mn-lt"/>
+                <a:ea typeface="+mn-ea"/>
+              </a:rPr>
+              <a:t> Statement</a:t>
+            </a:r>
+            <a:endParaRPr dirty="0"/>
+          </a:p>
+          <a:p>
+            <a:pPr>
+              <a:lnSpc>
+                <a:spcPct val="100000"/>
+              </a:lnSpc>
+            </a:pPr>
+            <a:endParaRPr dirty="0"/>
+          </a:p>
+          <a:p>
+            <a:pPr>
               <a:lnSpc>
                 <a:spcPct val="100000"/>
               </a:lnSpc>
@@ -4459,27 +4559,19 @@
               <a:buChar char="•"/>
             </a:pPr>
             <a:r>
-              <a:rPr lang="en-US" sz="2000" strike="noStrike">
+              <a:rPr lang="en-US" sz="2000" strike="noStrike" dirty="0" smtClean="0">
                 <a:solidFill>
                   <a:srgbClr val="000000"/>
                 </a:solidFill>
                 <a:latin typeface="+mn-lt"/>
                 <a:ea typeface="+mn-ea"/>
               </a:rPr>
-              <a:t>Named Statement</a:t>
-            </a:r>
-            <a:endParaRPr/>
-          </a:p>
-          <a:p>
-            <a:pPr>
-              <a:lnSpc>
-                <a:spcPct val="100000"/>
-              </a:lnSpc>
-            </a:pPr>
-            <a:endParaRPr/>
-          </a:p>
-          <a:p>
-            <a:pPr>
+              <a:t>Lambda (ARQUIVO FUNCTIONS.JS)</a:t>
+            </a:r>
+            <a:endParaRPr dirty="0"/>
+          </a:p>
+          <a:p>
+            <a:pPr lvl="1">
               <a:lnSpc>
                 <a:spcPct val="100000"/>
               </a:lnSpc>
@@ -4487,16 +4579,46 @@
               <a:buChar char="•"/>
             </a:pPr>
             <a:r>
-              <a:rPr lang="en-US" sz="2000" strike="noStrike">
+              <a:rPr lang="en-US" sz="2000" strike="noStrike" dirty="0">
                 <a:solidFill>
                   <a:srgbClr val="000000"/>
                 </a:solidFill>
                 <a:latin typeface="+mn-lt"/>
                 <a:ea typeface="+mn-ea"/>
               </a:rPr>
-              <a:t>Lambda</a:t>
-            </a:r>
-            <a:endParaRPr/>
+              <a:t>Functions </a:t>
+            </a:r>
+            <a:r>
+              <a:rPr lang="en-US" sz="2000" strike="noStrike" dirty="0" err="1">
+                <a:solidFill>
+                  <a:srgbClr val="000000"/>
+                </a:solidFill>
+                <a:latin typeface="+mn-lt"/>
+                <a:ea typeface="+mn-ea"/>
+              </a:rPr>
+              <a:t>como</a:t>
+            </a:r>
+            <a:r>
+              <a:rPr lang="en-US" sz="2000" strike="noStrike" dirty="0">
+                <a:solidFill>
+                  <a:srgbClr val="000000"/>
+                </a:solidFill>
+                <a:latin typeface="+mn-lt"/>
+                <a:ea typeface="+mn-ea"/>
+              </a:rPr>
+              <a:t> </a:t>
+            </a:r>
+            <a:r>
+              <a:rPr lang="en-US" sz="2000" strike="noStrike" dirty="0" err="1">
+                <a:solidFill>
+                  <a:srgbClr val="000000"/>
+                </a:solidFill>
+                <a:latin typeface="+mn-lt"/>
+                <a:ea typeface="+mn-ea"/>
+              </a:rPr>
+              <a:t>resultado</a:t>
+            </a:r>
+            <a:endParaRPr dirty="0"/>
           </a:p>
           <a:p>
             <a:pPr lvl="1">
@@ -4507,16 +4629,46 @@
               <a:buChar char="•"/>
             </a:pPr>
             <a:r>
-              <a:rPr lang="en-US" sz="2000" strike="noStrike">
+              <a:rPr lang="en-US" sz="2000" strike="noStrike" dirty="0">
                 <a:solidFill>
                   <a:srgbClr val="000000"/>
                 </a:solidFill>
                 <a:latin typeface="+mn-lt"/>
                 <a:ea typeface="+mn-ea"/>
               </a:rPr>
-              <a:t>Functions como resultado</a:t>
-            </a:r>
-            <a:endParaRPr/>
+              <a:t>Functions </a:t>
+            </a:r>
+            <a:r>
+              <a:rPr lang="en-US" sz="2000" strike="noStrike" dirty="0" err="1">
+                <a:solidFill>
+                  <a:srgbClr val="000000"/>
+                </a:solidFill>
+                <a:latin typeface="+mn-lt"/>
+                <a:ea typeface="+mn-ea"/>
+              </a:rPr>
+              <a:t>construídas</a:t>
+            </a:r>
+            <a:r>
+              <a:rPr lang="en-US" sz="2000" strike="noStrike" dirty="0">
+                <a:solidFill>
+                  <a:srgbClr val="000000"/>
+                </a:solidFill>
+                <a:latin typeface="+mn-lt"/>
+                <a:ea typeface="+mn-ea"/>
+              </a:rPr>
+              <a:t> </a:t>
+            </a:r>
+            <a:r>
+              <a:rPr lang="en-US" sz="2000" strike="noStrike" dirty="0" err="1">
+                <a:solidFill>
+                  <a:srgbClr val="000000"/>
+                </a:solidFill>
+                <a:latin typeface="+mn-lt"/>
+                <a:ea typeface="+mn-ea"/>
+              </a:rPr>
+              <a:t>dinamicamente</a:t>
+            </a:r>
+            <a:endParaRPr dirty="0"/>
           </a:p>
           <a:p>
             <a:pPr lvl="1">
@@ -4527,19 +4679,27 @@
               <a:buChar char="•"/>
             </a:pPr>
             <a:r>
-              <a:rPr lang="en-US" sz="2000" strike="noStrike">
+              <a:rPr lang="en-US" sz="2000" strike="noStrike" dirty="0">
                 <a:solidFill>
                   <a:srgbClr val="000000"/>
                 </a:solidFill>
                 <a:latin typeface="+mn-lt"/>
                 <a:ea typeface="+mn-ea"/>
               </a:rPr>
-              <a:t>Functions construídas dinamicamente</a:t>
-            </a:r>
-            <a:endParaRPr/>
-          </a:p>
-          <a:p>
-            <a:pPr lvl="1">
+              <a:t>Inner Functions</a:t>
+            </a:r>
+            <a:endParaRPr dirty="0"/>
+          </a:p>
+          <a:p>
+            <a:pPr>
+              <a:lnSpc>
+                <a:spcPct val="100000"/>
+              </a:lnSpc>
+            </a:pPr>
+            <a:endParaRPr dirty="0"/>
+          </a:p>
+          <a:p>
+            <a:pPr>
               <a:lnSpc>
                 <a:spcPct val="100000"/>
               </a:lnSpc>
@@ -4547,27 +4707,19 @@
               <a:buChar char="•"/>
             </a:pPr>
             <a:r>
-              <a:rPr lang="en-US" sz="2000" strike="noStrike">
+              <a:rPr lang="en-US" sz="2000" strike="noStrike" dirty="0" smtClean="0">
                 <a:solidFill>
                   <a:srgbClr val="000000"/>
                 </a:solidFill>
                 <a:latin typeface="+mn-lt"/>
                 <a:ea typeface="+mn-ea"/>
               </a:rPr>
-              <a:t>Inner Functions</a:t>
-            </a:r>
-            <a:endParaRPr/>
-          </a:p>
-          <a:p>
-            <a:pPr>
-              <a:lnSpc>
-                <a:spcPct val="100000"/>
-              </a:lnSpc>
-            </a:pPr>
-            <a:endParaRPr/>
-          </a:p>
-          <a:p>
-            <a:pPr>
+              <a:t>Fiddle (ARQUIVO LEXICAL_CLOSURE.JS)</a:t>
+            </a:r>
+            <a:endParaRPr dirty="0"/>
+          </a:p>
+          <a:p>
+            <a:pPr lvl="1">
               <a:lnSpc>
                 <a:spcPct val="100000"/>
               </a:lnSpc>
@@ -4575,19 +4727,29 @@
               <a:buChar char="•"/>
             </a:pPr>
             <a:r>
-              <a:rPr lang="en-US" sz="2000" strike="noStrike">
+              <a:rPr lang="en-US" sz="2000" strike="noStrike" dirty="0">
                 <a:solidFill>
                   <a:srgbClr val="000000"/>
                 </a:solidFill>
                 <a:latin typeface="+mn-lt"/>
                 <a:ea typeface="+mn-ea"/>
               </a:rPr>
-              <a:t>Fiddle</a:t>
-            </a:r>
-            <a:endParaRPr/>
-          </a:p>
-          <a:p>
-            <a:pPr lvl="1">
+              <a:t>Lexical </a:t>
+            </a:r>
+            <a:r>
+              <a:rPr lang="en-US" sz="2000" strike="noStrike" dirty="0" smtClean="0">
+                <a:solidFill>
+                  <a:srgbClr val="000000"/>
+                </a:solidFill>
+                <a:latin typeface="+mn-lt"/>
+                <a:ea typeface="+mn-ea"/>
+              </a:rPr>
+              <a:t>Scope </a:t>
+            </a:r>
+            <a:endParaRPr dirty="0"/>
+          </a:p>
+          <a:p>
+            <a:pPr lvl="2">
               <a:lnSpc>
                 <a:spcPct val="100000"/>
               </a:lnSpc>
@@ -4595,19 +4757,139 @@
               <a:buChar char="•"/>
             </a:pPr>
             <a:r>
-              <a:rPr lang="en-US" sz="2000" strike="noStrike">
+              <a:rPr lang="en-US" sz="2000" strike="noStrike" dirty="0" err="1">
                 <a:solidFill>
                   <a:srgbClr val="000000"/>
                 </a:solidFill>
                 <a:latin typeface="+mn-lt"/>
                 <a:ea typeface="+mn-ea"/>
               </a:rPr>
-              <a:t>Lexical Scope</a:t>
-            </a:r>
-            <a:endParaRPr/>
-          </a:p>
-          <a:p>
-            <a:pPr lvl="2">
+              <a:t>Funções</a:t>
+            </a:r>
+            <a:r>
+              <a:rPr lang="en-US" sz="2000" strike="noStrike" dirty="0">
+                <a:solidFill>
+                  <a:srgbClr val="000000"/>
+                </a:solidFill>
+                <a:latin typeface="+mn-lt"/>
+                <a:ea typeface="+mn-ea"/>
+              </a:rPr>
+              <a:t> </a:t>
+            </a:r>
+            <a:r>
+              <a:rPr lang="en-US" sz="2000" strike="noStrike" dirty="0" err="1">
+                <a:solidFill>
+                  <a:srgbClr val="000000"/>
+                </a:solidFill>
+                <a:latin typeface="+mn-lt"/>
+                <a:ea typeface="+mn-ea"/>
+              </a:rPr>
+              <a:t>podem</a:t>
+            </a:r>
+            <a:r>
+              <a:rPr lang="en-US" sz="2000" strike="noStrike" dirty="0">
+                <a:solidFill>
+                  <a:srgbClr val="000000"/>
+                </a:solidFill>
+                <a:latin typeface="+mn-lt"/>
+                <a:ea typeface="+mn-ea"/>
+              </a:rPr>
+              <a:t> </a:t>
+            </a:r>
+            <a:r>
+              <a:rPr lang="en-US" sz="2000" strike="noStrike" dirty="0" err="1">
+                <a:solidFill>
+                  <a:srgbClr val="000000"/>
+                </a:solidFill>
+                <a:latin typeface="+mn-lt"/>
+                <a:ea typeface="+mn-ea"/>
+              </a:rPr>
+              <a:t>ver</a:t>
+            </a:r>
+            <a:r>
+              <a:rPr lang="en-US" sz="2000" strike="noStrike" dirty="0">
+                <a:solidFill>
+                  <a:srgbClr val="000000"/>
+                </a:solidFill>
+                <a:latin typeface="+mn-lt"/>
+                <a:ea typeface="+mn-ea"/>
+              </a:rPr>
+              <a:t> </a:t>
+            </a:r>
+            <a:r>
+              <a:rPr lang="en-US" sz="2000" strike="noStrike" dirty="0" err="1">
+                <a:solidFill>
+                  <a:srgbClr val="000000"/>
+                </a:solidFill>
+                <a:latin typeface="+mn-lt"/>
+                <a:ea typeface="+mn-ea"/>
+              </a:rPr>
+              <a:t>escopo</a:t>
+            </a:r>
+            <a:r>
+              <a:rPr lang="en-US" sz="2000" strike="noStrike" dirty="0">
+                <a:solidFill>
+                  <a:srgbClr val="000000"/>
+                </a:solidFill>
+                <a:latin typeface="+mn-lt"/>
+                <a:ea typeface="+mn-ea"/>
+              </a:rPr>
+              <a:t> </a:t>
+            </a:r>
+            <a:r>
+              <a:rPr lang="en-US" sz="2000" strike="noStrike" dirty="0" err="1">
+                <a:solidFill>
+                  <a:srgbClr val="000000"/>
+                </a:solidFill>
+                <a:latin typeface="+mn-lt"/>
+                <a:ea typeface="+mn-ea"/>
+              </a:rPr>
+              <a:t>em</a:t>
+            </a:r>
+            <a:r>
+              <a:rPr lang="en-US" sz="2000" strike="noStrike" dirty="0">
+                <a:solidFill>
+                  <a:srgbClr val="000000"/>
+                </a:solidFill>
+                <a:latin typeface="+mn-lt"/>
+                <a:ea typeface="+mn-ea"/>
+              </a:rPr>
+              <a:t> que </a:t>
+            </a:r>
+            <a:r>
+              <a:rPr lang="en-US" sz="2000" strike="noStrike" dirty="0" err="1">
+                <a:solidFill>
+                  <a:srgbClr val="000000"/>
+                </a:solidFill>
+                <a:latin typeface="+mn-lt"/>
+                <a:ea typeface="+mn-ea"/>
+              </a:rPr>
+              <a:t>ela</a:t>
+            </a:r>
+            <a:r>
+              <a:rPr lang="en-US" sz="2000" strike="noStrike" dirty="0">
+                <a:solidFill>
+                  <a:srgbClr val="000000"/>
+                </a:solidFill>
+                <a:latin typeface="+mn-lt"/>
+                <a:ea typeface="+mn-ea"/>
+              </a:rPr>
+              <a:t> se </a:t>
+            </a:r>
+            <a:r>
+              <a:rPr lang="en-US" sz="2000" strike="noStrike" dirty="0" err="1">
+                <a:solidFill>
+                  <a:srgbClr val="000000"/>
+                </a:solidFill>
+                <a:latin typeface="+mn-lt"/>
+                <a:ea typeface="+mn-ea"/>
+              </a:rPr>
+              <a:t>encontra</a:t>
+            </a:r>
+            <a:endParaRPr dirty="0"/>
+          </a:p>
+          <a:p>
+            <a:pPr lvl="1">
               <a:lnSpc>
                 <a:spcPct val="100000"/>
               </a:lnSpc>
@@ -4615,19 +4897,19 @@
               <a:buChar char="•"/>
             </a:pPr>
             <a:r>
-              <a:rPr lang="en-US" sz="2000" strike="noStrike">
+              <a:rPr lang="en-US" sz="2000" strike="noStrike" dirty="0" smtClean="0">
                 <a:solidFill>
                   <a:srgbClr val="000000"/>
                 </a:solidFill>
                 <a:latin typeface="+mn-lt"/>
                 <a:ea typeface="+mn-ea"/>
               </a:rPr>
-              <a:t>Funções podem ver escopo em que ela se encontra</a:t>
-            </a:r>
-            <a:endParaRPr/>
-          </a:p>
-          <a:p>
-            <a:pPr lvl="1">
+              <a:t>Closure </a:t>
+            </a:r>
+            <a:endParaRPr dirty="0"/>
+          </a:p>
+          <a:p>
+            <a:pPr lvl="2">
               <a:lnSpc>
                 <a:spcPct val="100000"/>
               </a:lnSpc>
@@ -4635,36 +4917,176 @@
               <a:buChar char="•"/>
             </a:pPr>
             <a:r>
-              <a:rPr lang="en-US" sz="2000" strike="noStrike">
+              <a:rPr lang="en-US" sz="2000" strike="noStrike" dirty="0" err="1">
                 <a:solidFill>
                   <a:srgbClr val="000000"/>
                 </a:solidFill>
                 <a:latin typeface="+mn-lt"/>
                 <a:ea typeface="+mn-ea"/>
               </a:rPr>
-              <a:t>Closure</a:t>
-            </a:r>
-            <a:endParaRPr/>
-          </a:p>
-          <a:p>
-            <a:pPr lvl="2">
-              <a:lnSpc>
-                <a:spcPct val="100000"/>
-              </a:lnSpc>
-              <a:buFont typeface="Arial"/>
-              <a:buChar char="•"/>
-            </a:pPr>
-            <a:r>
-              <a:rPr lang="en-US" sz="2000" strike="noStrike">
+              <a:t>Funções</a:t>
+            </a:r>
+            <a:r>
+              <a:rPr lang="en-US" sz="2000" strike="noStrike" dirty="0">
                 <a:solidFill>
                   <a:srgbClr val="000000"/>
                 </a:solidFill>
                 <a:latin typeface="+mn-lt"/>
                 <a:ea typeface="+mn-ea"/>
               </a:rPr>
-              <a:t>Funções continuam acessando o escopo da mãe mesmo se a função mãe retornou</a:t>
-            </a:r>
-            <a:endParaRPr/>
+              <a:t> </a:t>
+            </a:r>
+            <a:r>
+              <a:rPr lang="en-US" sz="2000" strike="noStrike" dirty="0" err="1">
+                <a:solidFill>
+                  <a:srgbClr val="000000"/>
+                </a:solidFill>
+                <a:latin typeface="+mn-lt"/>
+                <a:ea typeface="+mn-ea"/>
+              </a:rPr>
+              <a:t>continuam</a:t>
+            </a:r>
+            <a:r>
+              <a:rPr lang="en-US" sz="2000" strike="noStrike" dirty="0">
+                <a:solidFill>
+                  <a:srgbClr val="000000"/>
+                </a:solidFill>
+                <a:latin typeface="+mn-lt"/>
+                <a:ea typeface="+mn-ea"/>
+              </a:rPr>
+              <a:t> </a:t>
+            </a:r>
+            <a:r>
+              <a:rPr lang="en-US" sz="2000" strike="noStrike" dirty="0" err="1">
+                <a:solidFill>
+                  <a:srgbClr val="000000"/>
+                </a:solidFill>
+                <a:latin typeface="+mn-lt"/>
+                <a:ea typeface="+mn-ea"/>
+              </a:rPr>
+              <a:t>acessando</a:t>
+            </a:r>
+            <a:r>
+              <a:rPr lang="en-US" sz="2000" strike="noStrike" dirty="0">
+                <a:solidFill>
+                  <a:srgbClr val="000000"/>
+                </a:solidFill>
+                <a:latin typeface="+mn-lt"/>
+                <a:ea typeface="+mn-ea"/>
+              </a:rPr>
+              <a:t> o </a:t>
+            </a:r>
+            <a:r>
+              <a:rPr lang="en-US" sz="2000" strike="noStrike" dirty="0" err="1">
+                <a:solidFill>
+                  <a:srgbClr val="000000"/>
+                </a:solidFill>
+                <a:latin typeface="+mn-lt"/>
+                <a:ea typeface="+mn-ea"/>
+              </a:rPr>
+              <a:t>escopo</a:t>
+            </a:r>
+            <a:r>
+              <a:rPr lang="en-US" sz="2000" strike="noStrike" dirty="0">
+                <a:solidFill>
+                  <a:srgbClr val="000000"/>
+                </a:solidFill>
+                <a:latin typeface="+mn-lt"/>
+                <a:ea typeface="+mn-ea"/>
+              </a:rPr>
+              <a:t> da </a:t>
+            </a:r>
+            <a:r>
+              <a:rPr lang="en-US" sz="2000" strike="noStrike" dirty="0" err="1">
+                <a:solidFill>
+                  <a:srgbClr val="000000"/>
+                </a:solidFill>
+                <a:latin typeface="+mn-lt"/>
+                <a:ea typeface="+mn-ea"/>
+              </a:rPr>
+              <a:t>mãe</a:t>
+            </a:r>
+            <a:r>
+              <a:rPr lang="en-US" sz="2000" strike="noStrike" dirty="0">
+                <a:solidFill>
+                  <a:srgbClr val="000000"/>
+                </a:solidFill>
+                <a:latin typeface="+mn-lt"/>
+                <a:ea typeface="+mn-ea"/>
+              </a:rPr>
+              <a:t> </a:t>
+            </a:r>
+            <a:r>
+              <a:rPr lang="en-US" sz="2000" strike="noStrike" dirty="0" err="1">
+                <a:solidFill>
+                  <a:srgbClr val="000000"/>
+                </a:solidFill>
+                <a:latin typeface="+mn-lt"/>
+                <a:ea typeface="+mn-ea"/>
+              </a:rPr>
+              <a:t>mesmo</a:t>
+            </a:r>
+            <a:r>
+              <a:rPr lang="en-US" sz="2000" strike="noStrike" dirty="0">
+                <a:solidFill>
+                  <a:srgbClr val="000000"/>
+                </a:solidFill>
+                <a:latin typeface="+mn-lt"/>
+                <a:ea typeface="+mn-ea"/>
+              </a:rPr>
+              <a:t> se a </a:t>
+            </a:r>
+            <a:r>
+              <a:rPr lang="en-US" sz="2000" strike="noStrike" dirty="0" err="1">
+                <a:solidFill>
+                  <a:srgbClr val="000000"/>
+                </a:solidFill>
+                <a:latin typeface="+mn-lt"/>
+                <a:ea typeface="+mn-ea"/>
+              </a:rPr>
+              <a:t>função</a:t>
+            </a:r>
+            <a:r>
+              <a:rPr lang="en-US" sz="2000" strike="noStrike" dirty="0">
+                <a:solidFill>
+                  <a:srgbClr val="000000"/>
+                </a:solidFill>
+                <a:latin typeface="+mn-lt"/>
+                <a:ea typeface="+mn-ea"/>
+              </a:rPr>
+              <a:t> </a:t>
+            </a:r>
+            <a:r>
+              <a:rPr lang="en-US" sz="2000" strike="noStrike" dirty="0" err="1">
+                <a:solidFill>
+                  <a:srgbClr val="000000"/>
+                </a:solidFill>
+                <a:latin typeface="+mn-lt"/>
+                <a:ea typeface="+mn-ea"/>
+              </a:rPr>
+              <a:t>mãe</a:t>
+            </a:r>
+            <a:r>
+              <a:rPr lang="en-US" sz="2000" strike="noStrike" dirty="0">
+                <a:solidFill>
+                  <a:srgbClr val="000000"/>
+                </a:solidFill>
+                <a:latin typeface="+mn-lt"/>
+                <a:ea typeface="+mn-ea"/>
+              </a:rPr>
+              <a:t> </a:t>
+            </a:r>
+            <a:r>
+              <a:rPr lang="en-US" sz="2000" strike="noStrike" dirty="0" err="1">
+                <a:solidFill>
+                  <a:srgbClr val="000000"/>
+                </a:solidFill>
+                <a:latin typeface="+mn-lt"/>
+                <a:ea typeface="+mn-ea"/>
+              </a:rPr>
+              <a:t>retornou</a:t>
+            </a:r>
+            <a:endParaRPr dirty="0"/>
           </a:p>
           <a:p>
             <a:pPr>
@@ -4672,7 +5094,7 @@
                 <a:spcPct val="100000"/>
               </a:lnSpc>
             </a:pPr>
-            <a:endParaRPr/>
+            <a:endParaRPr dirty="0"/>
           </a:p>
         </p:txBody>
       </p:sp>
@@ -6245,12 +6667,12 @@
               <a:buChar char="•"/>
             </a:pPr>
             <a:r>
-              <a:rPr lang="en-US" sz="2000" strike="noStrike">
+              <a:rPr lang="en-US" sz="2000" strike="noStrike" dirty="0" smtClean="0">
                 <a:latin typeface="DejaVu Sans"/>
               </a:rPr>
               <a:t>Constructors</a:t>
             </a:r>
-            <a:endParaRPr/>
+            <a:endParaRPr dirty="0"/>
           </a:p>
           <a:p>
             <a:pPr lvl="1">
@@ -6261,15 +6683,74 @@
               <a:buChar char="•"/>
             </a:pPr>
             <a:r>
-              <a:rPr lang="en-US" sz="2000" strike="noStrike">
-                <a:latin typeface="DejaVu Sans"/>
-              </a:rPr>
-              <a:t>Capacidade de boostear uma “classe” usando prototype</a:t>
-            </a:r>
-            <a:endParaRPr/>
-          </a:p>
-          <a:p>
-            <a:pPr>
+              <a:rPr lang="en-US" sz="2000" strike="noStrike" dirty="0" err="1">
+                <a:latin typeface="DejaVu Sans"/>
+              </a:rPr>
+              <a:t>Capacidade</a:t>
+            </a:r>
+            <a:r>
+              <a:rPr lang="en-US" sz="2000" strike="noStrike" dirty="0">
+                <a:latin typeface="DejaVu Sans"/>
+              </a:rPr>
+              <a:t> de </a:t>
+            </a:r>
+            <a:r>
+              <a:rPr lang="en-US" sz="2000" strike="noStrike" dirty="0" err="1">
+                <a:latin typeface="DejaVu Sans"/>
+              </a:rPr>
+              <a:t>boostear</a:t>
+            </a:r>
+            <a:r>
+              <a:rPr lang="en-US" sz="2000" strike="noStrike" dirty="0">
+                <a:latin typeface="DejaVu Sans"/>
+              </a:rPr>
+              <a:t> </a:t>
+            </a:r>
+            <a:r>
+              <a:rPr lang="en-US" sz="2000" strike="noStrike" dirty="0" err="1">
+                <a:latin typeface="DejaVu Sans"/>
+              </a:rPr>
+              <a:t>uma</a:t>
+            </a:r>
+            <a:r>
+              <a:rPr lang="en-US" sz="2000" strike="noStrike" dirty="0">
+                <a:latin typeface="DejaVu Sans"/>
+              </a:rPr>
+              <a:t> “</a:t>
+            </a:r>
+            <a:r>
+              <a:rPr lang="en-US" sz="2000" strike="noStrike" dirty="0" err="1">
+                <a:latin typeface="DejaVu Sans"/>
+              </a:rPr>
+              <a:t>classe</a:t>
+            </a:r>
+            <a:r>
+              <a:rPr lang="en-US" sz="2000" strike="noStrike" dirty="0">
+                <a:latin typeface="DejaVu Sans"/>
+              </a:rPr>
+              <a:t>” </a:t>
+            </a:r>
+            <a:r>
+              <a:rPr lang="en-US" sz="2000" strike="noStrike" dirty="0" err="1">
+                <a:latin typeface="DejaVu Sans"/>
+              </a:rPr>
+              <a:t>usando</a:t>
+            </a:r>
+            <a:r>
+              <a:rPr lang="en-US" sz="2000" strike="noStrike" dirty="0">
+                <a:latin typeface="DejaVu Sans"/>
+              </a:rPr>
+              <a:t> </a:t>
+            </a:r>
+            <a:r>
+              <a:rPr lang="en-US" sz="2000" strike="noStrike" dirty="0" smtClean="0">
+                <a:latin typeface="DejaVu Sans"/>
+              </a:rPr>
+              <a:t>prototype (ARQUIVO constructors.js)</a:t>
+            </a:r>
+          </a:p>
+          <a:p>
+            <a:pPr lvl="1">
               <a:lnSpc>
                 <a:spcPct val="100000"/>
               </a:lnSpc>
@@ -6277,12 +6758,18 @@
               <a:buChar char="•"/>
             </a:pPr>
             <a:r>
-              <a:rPr lang="en-US" sz="2000" strike="noStrike">
-                <a:latin typeface="DejaVu Sans"/>
-              </a:rPr>
-              <a:t>Call → (this, arg1, arg2, argN)</a:t>
-            </a:r>
-            <a:endParaRPr/>
+              <a:rPr lang="pt-BR" dirty="0" smtClean="0"/>
+              <a:t>Demonstrar</a:t>
+            </a:r>
+            <a:r>
+              <a:rPr lang="pt-BR" baseline="0" dirty="0" smtClean="0"/>
+              <a:t> </a:t>
+            </a:r>
+            <a:r>
+              <a:rPr lang="pt-BR" dirty="0" err="1" smtClean="0"/>
+              <a:t>Instanceof</a:t>
+            </a:r>
+            <a:endParaRPr dirty="0"/>
           </a:p>
           <a:p>
             <a:pPr>
@@ -6293,12 +6780,30 @@
               <a:buChar char="•"/>
             </a:pPr>
             <a:r>
-              <a:rPr lang="en-US" sz="2000" strike="noStrike">
-                <a:latin typeface="DejaVu Sans"/>
-              </a:rPr>
-              <a:t>Apply → (this, [args])</a:t>
-            </a:r>
-            <a:endParaRPr/>
+              <a:rPr lang="en-US" sz="2000" strike="noStrike" dirty="0">
+                <a:latin typeface="DejaVu Sans"/>
+              </a:rPr>
+              <a:t>Call → (this, arg1, arg2, </a:t>
+            </a:r>
+            <a:r>
+              <a:rPr lang="en-US" sz="2000" strike="noStrike" dirty="0" err="1">
+                <a:latin typeface="DejaVu Sans"/>
+              </a:rPr>
+              <a:t>argN</a:t>
+            </a:r>
+            <a:r>
+              <a:rPr lang="en-US" sz="2000" strike="noStrike" dirty="0" smtClean="0">
+                <a:latin typeface="DejaVu Sans"/>
+              </a:rPr>
+              <a:t>) (ARQUIVO</a:t>
+            </a:r>
+            <a:r>
+              <a:rPr lang="en-US" sz="2000" strike="noStrike" baseline="0" dirty="0" smtClean="0">
+                <a:latin typeface="DejaVu Sans"/>
+              </a:rPr>
+              <a:t> CALLAPPLY.JS)</a:t>
+            </a:r>
+            <a:endParaRPr dirty="0"/>
           </a:p>
           <a:p>
             <a:pPr>
@@ -6309,16 +6814,54 @@
               <a:buChar char="•"/>
             </a:pPr>
             <a:r>
-              <a:rPr lang="en-US" sz="2000" strike="noStrike">
+              <a:rPr lang="en-US" sz="2000" strike="noStrike" dirty="0">
+                <a:latin typeface="DejaVu Sans"/>
+              </a:rPr>
+              <a:t>Apply → (this, [</a:t>
+            </a:r>
+            <a:r>
+              <a:rPr lang="en-US" sz="2000" strike="noStrike" dirty="0" err="1">
+                <a:latin typeface="DejaVu Sans"/>
+              </a:rPr>
+              <a:t>args</a:t>
+            </a:r>
+            <a:r>
+              <a:rPr lang="en-US" sz="2000" strike="noStrike" dirty="0">
+                <a:latin typeface="DejaVu Sans"/>
+              </a:rPr>
+              <a:t>])</a:t>
+            </a:r>
+            <a:endParaRPr dirty="0"/>
+          </a:p>
+          <a:p>
+            <a:pPr>
+              <a:lnSpc>
+                <a:spcPct val="100000"/>
+              </a:lnSpc>
+              <a:buFont typeface="Arial"/>
+              <a:buChar char="•"/>
+            </a:pPr>
+            <a:r>
+              <a:rPr lang="en-US" sz="2000" strike="noStrike" dirty="0">
                 <a:solidFill>
                   <a:srgbClr val="000000"/>
                 </a:solidFill>
                 <a:latin typeface="+mn-lt"/>
                 <a:ea typeface="+mn-ea"/>
               </a:rPr>
-              <a:t>Anonymous Calls</a:t>
-            </a:r>
-            <a:endParaRPr/>
+              <a:t>Anonymous </a:t>
+            </a:r>
+            <a:r>
+              <a:rPr lang="en-US" sz="2000" strike="noStrike" dirty="0" smtClean="0">
+                <a:solidFill>
+                  <a:srgbClr val="000000"/>
+                </a:solidFill>
+                <a:latin typeface="+mn-lt"/>
+                <a:ea typeface="+mn-ea"/>
+              </a:rPr>
+              <a:t>Calls (DEMONSTRAR NO EDITOR)</a:t>
+            </a:r>
+            <a:endParaRPr dirty="0"/>
           </a:p>
         </p:txBody>
       </p:sp>
@@ -6437,12 +6980,47 @@
               <a:buChar char="•"/>
             </a:pPr>
             <a:r>
-              <a:rPr lang="en-US" sz="2000" strike="noStrike">
-                <a:latin typeface="DejaVu Sans"/>
-              </a:rPr>
-              <a:t>Global.window aponta pra global</a:t>
-            </a:r>
-            <a:endParaRPr/>
+              <a:rPr lang="en-US" sz="2000" strike="noStrike" dirty="0" err="1">
+                <a:latin typeface="DejaVu Sans"/>
+              </a:rPr>
+              <a:t>Global.window</a:t>
+            </a:r>
+            <a:r>
+              <a:rPr lang="en-US" sz="2000" strike="noStrike" dirty="0">
+                <a:latin typeface="DejaVu Sans"/>
+              </a:rPr>
+              <a:t> </a:t>
+            </a:r>
+            <a:r>
+              <a:rPr lang="en-US" sz="2000" strike="noStrike" dirty="0" err="1">
+                <a:latin typeface="DejaVu Sans"/>
+              </a:rPr>
+              <a:t>aponta</a:t>
+            </a:r>
+            <a:r>
+              <a:rPr lang="en-US" sz="2000" strike="noStrike" dirty="0">
+                <a:latin typeface="DejaVu Sans"/>
+              </a:rPr>
+              <a:t> </a:t>
+            </a:r>
+            <a:r>
+              <a:rPr lang="en-US" sz="2000" strike="noStrike" dirty="0" err="1">
+                <a:latin typeface="DejaVu Sans"/>
+              </a:rPr>
+              <a:t>pra</a:t>
+            </a:r>
+            <a:r>
+              <a:rPr lang="en-US" sz="2000" strike="noStrike" dirty="0">
+                <a:latin typeface="DejaVu Sans"/>
+              </a:rPr>
+              <a:t> </a:t>
+            </a:r>
+            <a:r>
+              <a:rPr lang="en-US" sz="2000" strike="noStrike" dirty="0" smtClean="0">
+                <a:latin typeface="DejaVu Sans"/>
+              </a:rPr>
+              <a:t>global</a:t>
+            </a:r>
           </a:p>
           <a:p>
             <a:pPr>
@@ -6453,12 +7031,70 @@
               <a:buChar char="•"/>
             </a:pPr>
             <a:r>
-              <a:rPr lang="en-US" sz="2000" strike="noStrike">
-                <a:latin typeface="DejaVu Sans"/>
-              </a:rPr>
-              <a:t>Próximo slide NÃO USE EVAL</a:t>
-            </a:r>
-            <a:endParaRPr/>
+              <a:rPr lang="en-US" sz="2000" strike="noStrike" dirty="0" smtClean="0">
+                <a:latin typeface="DejaVu Sans"/>
+              </a:rPr>
+              <a:t>Fiddle</a:t>
+            </a:r>
+          </a:p>
+          <a:p>
+            <a:pPr lvl="1">
+              <a:lnSpc>
+                <a:spcPct val="100000"/>
+              </a:lnSpc>
+              <a:buFont typeface="Arial"/>
+              <a:buChar char="•"/>
+            </a:pPr>
+            <a:r>
+              <a:rPr lang="en-US" sz="2000" strike="noStrike" dirty="0" smtClean="0">
+                <a:latin typeface="DejaVu Sans"/>
+              </a:rPr>
+              <a:t>Namespaces (ARQUIVO namespaces.js)</a:t>
+            </a:r>
+          </a:p>
+          <a:p>
+            <a:pPr lvl="1">
+              <a:lnSpc>
+                <a:spcPct val="100000"/>
+              </a:lnSpc>
+              <a:buFont typeface="Arial"/>
+              <a:buChar char="•"/>
+            </a:pPr>
+            <a:r>
+              <a:rPr lang="en-US" sz="2000" strike="noStrike" dirty="0" smtClean="0">
+                <a:latin typeface="DejaVu Sans"/>
+              </a:rPr>
+              <a:t>Modular Pattern (ARQUIVO</a:t>
+            </a:r>
+            <a:r>
+              <a:rPr lang="en-US" sz="2000" strike="noStrike" baseline="0" dirty="0" smtClean="0">
+                <a:latin typeface="DejaVu Sans"/>
+              </a:rPr>
+              <a:t> modular.js)</a:t>
+            </a:r>
+            <a:endParaRPr dirty="0"/>
+          </a:p>
+          <a:p>
+            <a:pPr>
+              <a:lnSpc>
+                <a:spcPct val="100000"/>
+              </a:lnSpc>
+              <a:buFont typeface="Arial"/>
+              <a:buChar char="•"/>
+            </a:pPr>
+            <a:r>
+              <a:rPr lang="en-US" sz="2000" strike="noStrike" dirty="0" err="1">
+                <a:latin typeface="DejaVu Sans"/>
+              </a:rPr>
+              <a:t>Próximo</a:t>
+            </a:r>
+            <a:r>
+              <a:rPr lang="en-US" sz="2000" strike="noStrike" dirty="0">
+                <a:latin typeface="DejaVu Sans"/>
+              </a:rPr>
+              <a:t> slide NÃO USE EVAL</a:t>
+            </a:r>
+            <a:endParaRPr dirty="0"/>
           </a:p>
         </p:txBody>
       </p:sp>
@@ -6680,7 +7316,7 @@
           <a:bodyPr lIns="0" tIns="0" rIns="0" bIns="0"/>
           <a:lstStyle/>
           <a:p>
-            <a:endParaRPr/>
+            <a:endParaRPr dirty="0"/>
           </a:p>
         </p:txBody>
       </p:sp>
@@ -13256,11 +13892,11 @@
           <a:bodyPr lIns="90000" tIns="45000" rIns="90000" bIns="45000"/>
           <a:lstStyle/>
           <a:p>
-            <a:pPr>
-              <a:lnSpc>
-                <a:spcPct val="100000"/>
-              </a:lnSpc>
-              <a:buFont typeface="Arial"/>
+            <a:pPr marL="457200" indent="-457200">
+              <a:lnSpc>
+                <a:spcPct val="100000"/>
+              </a:lnSpc>
+              <a:buFont typeface="Arial" panose="020B0604020202020204" pitchFamily="34" charset="0"/>
               <a:buChar char="•"/>
             </a:pPr>
             <a:r>
@@ -13415,24 +14051,64 @@
           <a:bodyPr lIns="90000" tIns="45000" rIns="90000" bIns="45000"/>
           <a:lstStyle/>
           <a:p>
-            <a:pPr>
-              <a:lnSpc>
-                <a:spcPct val="100000"/>
-              </a:lnSpc>
-              <a:buFont typeface="Arial"/>
+            <a:pPr marL="457200" indent="-457200">
+              <a:lnSpc>
+                <a:spcPct val="100000"/>
+              </a:lnSpc>
+              <a:buFont typeface="Arial" panose="020B0604020202020204" pitchFamily="34" charset="0"/>
               <a:buChar char="•"/>
             </a:pPr>
             <a:r>
-              <a:rPr lang="en-US" sz="3200" strike="noStrike">
+              <a:rPr lang="en-US" sz="3200" strike="noStrike" dirty="0">
                 <a:solidFill>
                   <a:srgbClr val="000000"/>
                 </a:solidFill>
                 <a:latin typeface="Calibri"/>
                 <a:ea typeface="DejaVu Sans"/>
               </a:rPr>
-              <a:t>São containers de chave-valor (similar a um hashtable)</a:t>
-            </a:r>
-            <a:endParaRPr/>
+              <a:t>São containers de </a:t>
+            </a:r>
+            <a:r>
+              <a:rPr lang="en-US" sz="3200" strike="noStrike" dirty="0" err="1">
+                <a:solidFill>
+                  <a:srgbClr val="000000"/>
+                </a:solidFill>
+                <a:latin typeface="Calibri"/>
+                <a:ea typeface="DejaVu Sans"/>
+              </a:rPr>
+              <a:t>chave</a:t>
+            </a:r>
+            <a:r>
+              <a:rPr lang="en-US" sz="3200" strike="noStrike" dirty="0">
+                <a:solidFill>
+                  <a:srgbClr val="000000"/>
+                </a:solidFill>
+                <a:latin typeface="Calibri"/>
+                <a:ea typeface="DejaVu Sans"/>
+              </a:rPr>
+              <a:t>-valor (similar a um </a:t>
+            </a:r>
+            <a:r>
+              <a:rPr lang="en-US" sz="3200" strike="noStrike" dirty="0" err="1">
+                <a:solidFill>
+                  <a:srgbClr val="000000"/>
+                </a:solidFill>
+                <a:latin typeface="Calibri"/>
+                <a:ea typeface="DejaVu Sans"/>
+              </a:rPr>
+              <a:t>hashtable</a:t>
+            </a:r>
+            <a:r>
+              <a:rPr lang="en-US" sz="3200" strike="noStrike" dirty="0">
+                <a:solidFill>
+                  <a:srgbClr val="000000"/>
+                </a:solidFill>
+                <a:latin typeface="Calibri"/>
+                <a:ea typeface="DejaVu Sans"/>
+              </a:rPr>
+              <a:t>)</a:t>
+            </a:r>
+            <a:endParaRPr dirty="0"/>
           </a:p>
         </p:txBody>
       </p:sp>
@@ -13471,11 +14147,11 @@
           <a:bodyPr lIns="90000" tIns="45000" rIns="90000" bIns="45000"/>
           <a:lstStyle/>
           <a:p>
-            <a:pPr>
-              <a:lnSpc>
-                <a:spcPct val="100000"/>
-              </a:lnSpc>
-              <a:buFont typeface="Arial"/>
+            <a:pPr marL="457200" indent="-457200">
+              <a:lnSpc>
+                <a:spcPct val="100000"/>
+              </a:lnSpc>
+              <a:buFont typeface="Arial" panose="020B0604020202020204" pitchFamily="34" charset="0"/>
               <a:buChar char="•"/>
             </a:pPr>
             <a:r>
@@ -13611,11 +14287,11 @@
             <a:endParaRPr dirty="0"/>
           </a:p>
           <a:p>
-            <a:pPr lvl="1">
-              <a:lnSpc>
-                <a:spcPct val="100000"/>
-              </a:lnSpc>
-              <a:buFont typeface="Arial"/>
+            <a:pPr marL="914400" lvl="1" indent="-457200">
+              <a:lnSpc>
+                <a:spcPct val="100000"/>
+              </a:lnSpc>
+              <a:buFont typeface="Arial" panose="020B0604020202020204" pitchFamily="34" charset="0"/>
               <a:buChar char="•"/>
             </a:pPr>
             <a:r>
@@ -13631,11 +14307,11 @@
             <a:endParaRPr dirty="0"/>
           </a:p>
           <a:p>
-            <a:pPr lvl="1">
-              <a:lnSpc>
-                <a:spcPct val="100000"/>
-              </a:lnSpc>
-              <a:buFont typeface="Arial"/>
+            <a:pPr marL="914400" lvl="1" indent="-457200">
+              <a:lnSpc>
+                <a:spcPct val="100000"/>
+              </a:lnSpc>
+              <a:buFont typeface="Arial" panose="020B0604020202020204" pitchFamily="34" charset="0"/>
               <a:buChar char="•"/>
             </a:pPr>
             <a:r>
@@ -13717,11 +14393,11 @@
           <a:bodyPr lIns="90000" tIns="45000" rIns="90000" bIns="45000"/>
           <a:lstStyle/>
           <a:p>
-            <a:pPr>
-              <a:lnSpc>
-                <a:spcPct val="100000"/>
-              </a:lnSpc>
-              <a:buFont typeface="Arial"/>
+            <a:pPr marL="457200" indent="-457200">
+              <a:lnSpc>
+                <a:spcPct val="100000"/>
+              </a:lnSpc>
+              <a:buFont typeface="Arial" panose="020B0604020202020204" pitchFamily="34" charset="0"/>
               <a:buChar char="•"/>
             </a:pPr>
             <a:r>
@@ -14058,11 +14734,11 @@
           <a:bodyPr lIns="90000" tIns="45000" rIns="90000" bIns="45000"/>
           <a:lstStyle/>
           <a:p>
-            <a:pPr>
-              <a:lnSpc>
-                <a:spcPct val="100000"/>
-              </a:lnSpc>
-              <a:buFont typeface="Arial"/>
+            <a:pPr marL="457200" indent="-457200">
+              <a:lnSpc>
+                <a:spcPct val="100000"/>
+              </a:lnSpc>
+              <a:buFont typeface="Arial" panose="020B0604020202020204" pitchFamily="34" charset="0"/>
               <a:buChar char="•"/>
             </a:pPr>
             <a:r>
@@ -14465,11 +15141,11 @@
           <a:bodyPr lIns="90000" tIns="45000" rIns="90000" bIns="45000"/>
           <a:lstStyle/>
           <a:p>
-            <a:pPr>
-              <a:lnSpc>
-                <a:spcPct val="100000"/>
-              </a:lnSpc>
-              <a:buFont typeface="Arial"/>
+            <a:pPr marL="457200" indent="-457200">
+              <a:lnSpc>
+                <a:spcPct val="100000"/>
+              </a:lnSpc>
+              <a:buFont typeface="Arial" panose="020B0604020202020204" pitchFamily="34" charset="0"/>
               <a:buChar char="•"/>
             </a:pPr>
             <a:r>
@@ -14575,15 +15251,15 @@
           <a:bodyPr lIns="90000" tIns="45000" rIns="90000" bIns="45000"/>
           <a:lstStyle/>
           <a:p>
-            <a:pPr>
-              <a:lnSpc>
-                <a:spcPct val="100000"/>
-              </a:lnSpc>
-              <a:buFont typeface="Arial"/>
+            <a:pPr marL="457200" indent="-457200">
+              <a:lnSpc>
+                <a:spcPct val="100000"/>
+              </a:lnSpc>
+              <a:buFont typeface="Arial" panose="020B0604020202020204" pitchFamily="34" charset="0"/>
               <a:buChar char="•"/>
             </a:pPr>
             <a:r>
-              <a:rPr lang="en-US" sz="3200" strike="noStrike">
+              <a:rPr lang="en-US" sz="3200" strike="noStrike" dirty="0">
                 <a:solidFill>
                   <a:srgbClr val="000000"/>
                 </a:solidFill>
@@ -14592,7 +15268,7 @@
               </a:rPr>
               <a:t>Literals e Nested Objects</a:t>
             </a:r>
-            <a:endParaRPr/>
+            <a:endParaRPr dirty="0"/>
           </a:p>
         </p:txBody>
       </p:sp>
@@ -14631,11 +15307,11 @@
           <a:bodyPr lIns="90000" tIns="45000" rIns="90000" bIns="45000"/>
           <a:lstStyle/>
           <a:p>
-            <a:pPr>
-              <a:lnSpc>
-                <a:spcPct val="100000"/>
-              </a:lnSpc>
-              <a:buFont typeface="Arial"/>
+            <a:pPr marL="457200" indent="-457200">
+              <a:lnSpc>
+                <a:spcPct val="100000"/>
+              </a:lnSpc>
+              <a:buFont typeface="Arial" panose="020B0604020202020204" pitchFamily="34" charset="0"/>
               <a:buChar char="•"/>
             </a:pPr>
             <a:r>
@@ -14687,11 +15363,11 @@
           <a:bodyPr lIns="90000" tIns="45000" rIns="90000" bIns="45000"/>
           <a:lstStyle/>
           <a:p>
-            <a:pPr>
-              <a:lnSpc>
-                <a:spcPct val="100000"/>
-              </a:lnSpc>
-              <a:buFont typeface="Arial"/>
+            <a:pPr marL="457200" indent="-457200">
+              <a:lnSpc>
+                <a:spcPct val="100000"/>
+              </a:lnSpc>
+              <a:buFont typeface="Arial" panose="020B0604020202020204" pitchFamily="34" charset="0"/>
               <a:buChar char="•"/>
             </a:pPr>
             <a:r>
@@ -14743,11 +15419,11 @@
           <a:bodyPr lIns="90000" tIns="45000" rIns="90000" bIns="45000"/>
           <a:lstStyle/>
           <a:p>
-            <a:pPr>
-              <a:lnSpc>
-                <a:spcPct val="100000"/>
-              </a:lnSpc>
-              <a:buFont typeface="Arial"/>
+            <a:pPr marL="457200" indent="-457200">
+              <a:lnSpc>
+                <a:spcPct val="100000"/>
+              </a:lnSpc>
+              <a:buFont typeface="Arial" panose="020B0604020202020204" pitchFamily="34" charset="0"/>
               <a:buChar char="•"/>
             </a:pPr>
             <a:r>
@@ -15264,11 +15940,11 @@
           <a:bodyPr lIns="90000" tIns="45000" rIns="90000" bIns="45000"/>
           <a:lstStyle/>
           <a:p>
-            <a:pPr>
-              <a:lnSpc>
-                <a:spcPct val="100000"/>
-              </a:lnSpc>
-              <a:buFont typeface="Arial"/>
+            <a:pPr marL="457200" indent="-457200">
+              <a:lnSpc>
+                <a:spcPct val="100000"/>
+              </a:lnSpc>
+              <a:buFont typeface="Arial" panose="020B0604020202020204" pitchFamily="34" charset="0"/>
               <a:buChar char="•"/>
             </a:pPr>
             <a:r>
@@ -15374,24 +16050,34 @@
           <a:bodyPr lIns="90000" tIns="45000" rIns="90000" bIns="45000"/>
           <a:lstStyle/>
           <a:p>
-            <a:pPr>
-              <a:lnSpc>
-                <a:spcPct val="100000"/>
-              </a:lnSpc>
-              <a:buFont typeface="Arial"/>
+            <a:pPr marL="457200" indent="-457200">
+              <a:lnSpc>
+                <a:spcPct val="100000"/>
+              </a:lnSpc>
+              <a:buFont typeface="Arial" panose="020B0604020202020204" pitchFamily="34" charset="0"/>
               <a:buChar char="•"/>
             </a:pPr>
             <a:r>
-              <a:rPr lang="en-US" sz="3200" strike="noStrike">
+              <a:rPr lang="en-US" sz="3200" strike="noStrike" dirty="0" err="1">
                 <a:solidFill>
                   <a:srgbClr val="000000"/>
                 </a:solidFill>
                 <a:latin typeface="Calibri"/>
                 <a:ea typeface="DejaVu Sans"/>
               </a:rPr>
-              <a:t>Derivam de object</a:t>
-            </a:r>
-            <a:endParaRPr/>
+              <a:t>Derivam</a:t>
+            </a:r>
+            <a:r>
+              <a:rPr lang="en-US" sz="3200" strike="noStrike" dirty="0">
+                <a:solidFill>
+                  <a:srgbClr val="000000"/>
+                </a:solidFill>
+                <a:latin typeface="Calibri"/>
+                <a:ea typeface="DejaVu Sans"/>
+              </a:rPr>
+              <a:t> de object</a:t>
+            </a:r>
+            <a:endParaRPr dirty="0"/>
           </a:p>
         </p:txBody>
       </p:sp>
@@ -15430,11 +16116,11 @@
           <a:bodyPr lIns="90000" tIns="45000" rIns="90000" bIns="45000"/>
           <a:lstStyle/>
           <a:p>
-            <a:pPr>
-              <a:lnSpc>
-                <a:spcPct val="100000"/>
-              </a:lnSpc>
-              <a:buFont typeface="Arial"/>
+            <a:pPr marL="457200" indent="-457200">
+              <a:lnSpc>
+                <a:spcPct val="100000"/>
+              </a:lnSpc>
+              <a:buFont typeface="Arial" panose="020B0604020202020204" pitchFamily="34" charset="0"/>
               <a:buChar char="•"/>
             </a:pPr>
             <a:r>
@@ -15486,11 +16172,11 @@
           <a:bodyPr lIns="90000" tIns="45000" rIns="90000" bIns="45000"/>
           <a:lstStyle/>
           <a:p>
-            <a:pPr>
-              <a:lnSpc>
-                <a:spcPct val="100000"/>
-              </a:lnSpc>
-              <a:buFont typeface="Arial"/>
+            <a:pPr marL="457200" indent="-457200">
+              <a:lnSpc>
+                <a:spcPct val="100000"/>
+              </a:lnSpc>
+              <a:buFont typeface="Arial" panose="020B0604020202020204" pitchFamily="34" charset="0"/>
               <a:buChar char="•"/>
             </a:pPr>
             <a:r>
@@ -15542,11 +16228,11 @@
           <a:bodyPr lIns="90000" tIns="45000" rIns="90000" bIns="45000"/>
           <a:lstStyle/>
           <a:p>
-            <a:pPr>
-              <a:lnSpc>
-                <a:spcPct val="100000"/>
-              </a:lnSpc>
-              <a:buFont typeface="Arial"/>
+            <a:pPr marL="457200" indent="-457200">
+              <a:lnSpc>
+                <a:spcPct val="100000"/>
+              </a:lnSpc>
+              <a:buFont typeface="Arial" panose="020B0604020202020204" pitchFamily="34" charset="0"/>
               <a:buChar char="•"/>
             </a:pPr>
             <a:r>
@@ -15598,11 +16284,11 @@
           <a:bodyPr lIns="90000" tIns="45000" rIns="90000" bIns="45000"/>
           <a:lstStyle/>
           <a:p>
-            <a:pPr>
-              <a:lnSpc>
-                <a:spcPct val="100000"/>
-              </a:lnSpc>
-              <a:buFont typeface="Arial"/>
+            <a:pPr marL="457200" indent="-457200">
+              <a:lnSpc>
+                <a:spcPct val="100000"/>
+              </a:lnSpc>
+              <a:buFont typeface="Arial" panose="020B0604020202020204" pitchFamily="34" charset="0"/>
               <a:buChar char="•"/>
             </a:pPr>
             <a:r>
@@ -16164,11 +16850,11 @@
           <a:bodyPr lIns="90000" tIns="45000" rIns="90000" bIns="45000"/>
           <a:lstStyle/>
           <a:p>
-            <a:pPr>
-              <a:lnSpc>
-                <a:spcPct val="100000"/>
-              </a:lnSpc>
-              <a:buFont typeface="Arial"/>
+            <a:pPr marL="457200" indent="-457200">
+              <a:lnSpc>
+                <a:spcPct val="100000"/>
+              </a:lnSpc>
+              <a:buFont typeface="Arial" panose="020B0604020202020204" pitchFamily="34" charset="0"/>
               <a:buChar char="•"/>
             </a:pPr>
             <a:r>
@@ -16274,15 +16960,15 @@
           <a:bodyPr lIns="90000" tIns="45000" rIns="90000" bIns="45000"/>
           <a:lstStyle/>
           <a:p>
-            <a:pPr>
-              <a:lnSpc>
-                <a:spcPct val="100000"/>
-              </a:lnSpc>
-              <a:buFont typeface="Arial"/>
+            <a:pPr marL="457200" indent="-457200">
+              <a:lnSpc>
+                <a:spcPct val="100000"/>
+              </a:lnSpc>
+              <a:buFont typeface="Arial" panose="020B0604020202020204" pitchFamily="34" charset="0"/>
               <a:buChar char="•"/>
             </a:pPr>
             <a:r>
-              <a:rPr lang="en-US" sz="3200" strike="noStrike">
+              <a:rPr lang="en-US" sz="3200" strike="noStrike" dirty="0">
                 <a:solidFill>
                   <a:srgbClr val="000000"/>
                 </a:solidFill>
@@ -16291,7 +16977,7 @@
               </a:rPr>
               <a:t>+  -  *  /  %</a:t>
             </a:r>
-            <a:endParaRPr/>
+            <a:endParaRPr dirty="0"/>
           </a:p>
         </p:txBody>
       </p:sp>
@@ -16330,11 +17016,11 @@
           <a:bodyPr lIns="90000" tIns="45000" rIns="90000" bIns="45000"/>
           <a:lstStyle/>
           <a:p>
-            <a:pPr>
-              <a:lnSpc>
-                <a:spcPct val="100000"/>
-              </a:lnSpc>
-              <a:buFont typeface="Arial"/>
+            <a:pPr marL="457200" indent="-457200">
+              <a:lnSpc>
+                <a:spcPct val="100000"/>
+              </a:lnSpc>
+              <a:buFont typeface="Arial" panose="020B0604020202020204" pitchFamily="34" charset="0"/>
               <a:buChar char="•"/>
             </a:pPr>
             <a:r>
@@ -16386,11 +17072,11 @@
           <a:bodyPr lIns="90000" tIns="45000" rIns="90000" bIns="45000"/>
           <a:lstStyle/>
           <a:p>
-            <a:pPr>
-              <a:lnSpc>
-                <a:spcPct val="100000"/>
-              </a:lnSpc>
-              <a:buFont typeface="Arial"/>
+            <a:pPr marL="457200" indent="-457200">
+              <a:lnSpc>
+                <a:spcPct val="100000"/>
+              </a:lnSpc>
+              <a:buFont typeface="Arial" panose="020B0604020202020204" pitchFamily="34" charset="0"/>
               <a:buChar char="•"/>
             </a:pPr>
             <a:r>
@@ -16442,11 +17128,11 @@
           <a:bodyPr lIns="90000" tIns="45000" rIns="90000" bIns="45000"/>
           <a:lstStyle/>
           <a:p>
-            <a:pPr>
-              <a:lnSpc>
-                <a:spcPct val="100000"/>
-              </a:lnSpc>
-              <a:buFont typeface="Arial"/>
+            <a:pPr marL="457200" indent="-457200">
+              <a:lnSpc>
+                <a:spcPct val="100000"/>
+              </a:lnSpc>
+              <a:buFont typeface="Arial" panose="020B0604020202020204" pitchFamily="34" charset="0"/>
               <a:buChar char="•"/>
             </a:pPr>
             <a:r>
@@ -16988,11 +17674,11 @@
           <a:bodyPr lIns="90000" tIns="45000" rIns="90000" bIns="45000"/>
           <a:lstStyle/>
           <a:p>
-            <a:pPr>
-              <a:lnSpc>
-                <a:spcPct val="100000"/>
-              </a:lnSpc>
-              <a:buFont typeface="Arial"/>
+            <a:pPr marL="457200" indent="-457200">
+              <a:lnSpc>
+                <a:spcPct val="100000"/>
+              </a:lnSpc>
+              <a:buFont typeface="Arial" panose="020B0604020202020204" pitchFamily="34" charset="0"/>
               <a:buChar char="•"/>
             </a:pPr>
             <a:r>
@@ -17098,15 +17784,15 @@
           <a:bodyPr lIns="90000" tIns="45000" rIns="90000" bIns="45000"/>
           <a:lstStyle/>
           <a:p>
-            <a:pPr>
-              <a:lnSpc>
-                <a:spcPct val="100000"/>
-              </a:lnSpc>
-              <a:buFont typeface="Arial"/>
+            <a:pPr marL="457200" indent="-457200">
+              <a:lnSpc>
+                <a:spcPct val="100000"/>
+              </a:lnSpc>
+              <a:buFont typeface="Arial" panose="020B0604020202020204" pitchFamily="34" charset="0"/>
               <a:buChar char="•"/>
             </a:pPr>
             <a:r>
-              <a:rPr lang="en-US" sz="3200" strike="noStrike">
+              <a:rPr lang="en-US" sz="3200" strike="noStrike" dirty="0">
                 <a:solidFill>
                   <a:srgbClr val="000000"/>
                 </a:solidFill>
@@ -17115,7 +17801,7 @@
               </a:rPr>
               <a:t>"==" e "==="</a:t>
             </a:r>
-            <a:endParaRPr/>
+            <a:endParaRPr dirty="0"/>
           </a:p>
         </p:txBody>
       </p:sp>
@@ -17154,11 +17840,11 @@
           <a:bodyPr lIns="90000" tIns="45000" rIns="90000" bIns="45000"/>
           <a:lstStyle/>
           <a:p>
-            <a:pPr>
-              <a:lnSpc>
-                <a:spcPct val="100000"/>
-              </a:lnSpc>
-              <a:buFont typeface="Arial"/>
+            <a:pPr marL="457200" indent="-457200">
+              <a:lnSpc>
+                <a:spcPct val="100000"/>
+              </a:lnSpc>
+              <a:buFont typeface="Arial" panose="020B0604020202020204" pitchFamily="34" charset="0"/>
               <a:buChar char="•"/>
             </a:pPr>
             <a:r>
@@ -17675,11 +18361,11 @@
           <a:bodyPr lIns="90000" tIns="45000" rIns="90000" bIns="45000"/>
           <a:lstStyle/>
           <a:p>
-            <a:pPr>
-              <a:lnSpc>
-                <a:spcPct val="100000"/>
-              </a:lnSpc>
-              <a:buFont typeface="Arial"/>
+            <a:pPr marL="457200" indent="-457200">
+              <a:lnSpc>
+                <a:spcPct val="100000"/>
+              </a:lnSpc>
+              <a:buFont typeface="Arial" panose="020B0604020202020204" pitchFamily="34" charset="0"/>
               <a:buChar char="•"/>
             </a:pPr>
             <a:r>
@@ -17731,15 +18417,15 @@
           <a:bodyPr lIns="90000" tIns="45000" rIns="90000" bIns="45000"/>
           <a:lstStyle/>
           <a:p>
-            <a:pPr>
-              <a:lnSpc>
-                <a:spcPct val="100000"/>
-              </a:lnSpc>
-              <a:buFont typeface="Arial"/>
+            <a:pPr marL="457200" indent="-457200">
+              <a:lnSpc>
+                <a:spcPct val="100000"/>
+              </a:lnSpc>
+              <a:buFont typeface="Arial" panose="020B0604020202020204" pitchFamily="34" charset="0"/>
               <a:buChar char="•"/>
             </a:pPr>
             <a:r>
-              <a:rPr lang="en-US" sz="3200" strike="noStrike">
+              <a:rPr lang="en-US" sz="3200" strike="noStrike" dirty="0" err="1">
                 <a:solidFill>
                   <a:srgbClr val="000000"/>
                 </a:solidFill>
@@ -17748,7 +18434,7 @@
               </a:rPr>
               <a:t>typeof</a:t>
             </a:r>
-            <a:endParaRPr/>
+            <a:endParaRPr dirty="0"/>
           </a:p>
         </p:txBody>
       </p:sp>
@@ -17787,11 +18473,11 @@
           <a:bodyPr lIns="90000" tIns="45000" rIns="90000" bIns="45000"/>
           <a:lstStyle/>
           <a:p>
-            <a:pPr>
-              <a:lnSpc>
-                <a:spcPct val="100000"/>
-              </a:lnSpc>
-              <a:buFont typeface="Arial"/>
+            <a:pPr marL="457200" indent="-457200">
+              <a:lnSpc>
+                <a:spcPct val="100000"/>
+              </a:lnSpc>
+              <a:buFont typeface="Arial" panose="020B0604020202020204" pitchFamily="34" charset="0"/>
               <a:buChar char="•"/>
             </a:pPr>
             <a:r>
@@ -17843,11 +18529,11 @@
           <a:bodyPr lIns="90000" tIns="45000" rIns="90000" bIns="45000"/>
           <a:lstStyle/>
           <a:p>
-            <a:pPr>
-              <a:lnSpc>
-                <a:spcPct val="100000"/>
-              </a:lnSpc>
-              <a:buFont typeface="Arial"/>
+            <a:pPr marL="457200" indent="-457200">
+              <a:lnSpc>
+                <a:spcPct val="100000"/>
+              </a:lnSpc>
+              <a:buFont typeface="Arial" panose="020B0604020202020204" pitchFamily="34" charset="0"/>
               <a:buChar char="•"/>
             </a:pPr>
             <a:r>
@@ -17899,11 +18585,11 @@
           <a:bodyPr lIns="90000" tIns="45000" rIns="90000" bIns="45000"/>
           <a:lstStyle/>
           <a:p>
-            <a:pPr>
-              <a:lnSpc>
-                <a:spcPct val="100000"/>
-              </a:lnSpc>
-              <a:buFont typeface="Arial"/>
+            <a:pPr marL="457200" indent="-457200">
+              <a:lnSpc>
+                <a:spcPct val="100000"/>
+              </a:lnSpc>
+              <a:buFont typeface="Arial" panose="020B0604020202020204" pitchFamily="34" charset="0"/>
               <a:buChar char="•"/>
             </a:pPr>
             <a:r>
@@ -17955,11 +18641,11 @@
           <a:bodyPr lIns="90000" tIns="45000" rIns="90000" bIns="45000"/>
           <a:lstStyle/>
           <a:p>
-            <a:pPr>
-              <a:lnSpc>
-                <a:spcPct val="100000"/>
-              </a:lnSpc>
-              <a:buFont typeface="Arial"/>
+            <a:pPr marL="457200" indent="-457200">
+              <a:lnSpc>
+                <a:spcPct val="100000"/>
+              </a:lnSpc>
+              <a:buFont typeface="Arial" panose="020B0604020202020204" pitchFamily="34" charset="0"/>
               <a:buChar char="•"/>
             </a:pPr>
             <a:r>
@@ -18011,11 +18697,11 @@
           <a:bodyPr lIns="90000" tIns="45000" rIns="90000" bIns="45000"/>
           <a:lstStyle/>
           <a:p>
-            <a:pPr>
-              <a:lnSpc>
-                <a:spcPct val="100000"/>
-              </a:lnSpc>
-              <a:buFont typeface="Arial"/>
+            <a:pPr marL="457200" indent="-457200">
+              <a:lnSpc>
+                <a:spcPct val="100000"/>
+              </a:lnSpc>
+              <a:buFont typeface="Arial" panose="020B0604020202020204" pitchFamily="34" charset="0"/>
               <a:buChar char="•"/>
             </a:pPr>
             <a:r>
@@ -18712,11 +19398,11 @@
           <a:bodyPr lIns="90000" tIns="45000" rIns="90000" bIns="45000"/>
           <a:lstStyle/>
           <a:p>
-            <a:pPr>
-              <a:lnSpc>
-                <a:spcPct val="100000"/>
-              </a:lnSpc>
-              <a:buFont typeface="Arial"/>
+            <a:pPr marL="457200" indent="-457200">
+              <a:lnSpc>
+                <a:spcPct val="100000"/>
+              </a:lnSpc>
+              <a:buFont typeface="Arial" panose="020B0604020202020204" pitchFamily="34" charset="0"/>
               <a:buChar char="•"/>
             </a:pPr>
             <a:r>
@@ -18822,15 +19508,15 @@
           <a:bodyPr lIns="90000" tIns="45000" rIns="90000" bIns="45000"/>
           <a:lstStyle/>
           <a:p>
-            <a:pPr>
-              <a:lnSpc>
-                <a:spcPct val="100000"/>
-              </a:lnSpc>
-              <a:buFont typeface="Arial"/>
+            <a:pPr marL="457200" indent="-457200">
+              <a:lnSpc>
+                <a:spcPct val="100000"/>
+              </a:lnSpc>
+              <a:buFont typeface="Arial" panose="020B0604020202020204" pitchFamily="34" charset="0"/>
               <a:buChar char="•"/>
             </a:pPr>
             <a:r>
-              <a:rPr lang="en-US" sz="3200" strike="noStrike">
+              <a:rPr lang="en-US" sz="3200" strike="noStrike" dirty="0">
                 <a:solidFill>
                   <a:srgbClr val="000000"/>
                 </a:solidFill>
@@ -18839,7 +19525,7 @@
               </a:rPr>
               <a:t>If, switch, while, do, for, break, continue, return, try/throw</a:t>
             </a:r>
-            <a:endParaRPr/>
+            <a:endParaRPr dirty="0"/>
           </a:p>
         </p:txBody>
       </p:sp>
@@ -18878,11 +19564,11 @@
           <a:bodyPr lIns="90000" tIns="45000" rIns="90000" bIns="45000"/>
           <a:lstStyle/>
           <a:p>
-            <a:pPr>
-              <a:lnSpc>
-                <a:spcPct val="100000"/>
-              </a:lnSpc>
-              <a:buFont typeface="Arial"/>
+            <a:pPr marL="457200" indent="-457200">
+              <a:lnSpc>
+                <a:spcPct val="100000"/>
+              </a:lnSpc>
+              <a:buFont typeface="Arial" panose="020B0604020202020204" pitchFamily="34" charset="0"/>
               <a:buChar char="•"/>
             </a:pPr>
             <a:r>
@@ -19511,11 +20197,11 @@
           <a:bodyPr lIns="90000" tIns="45000" rIns="90000" bIns="45000"/>
           <a:lstStyle/>
           <a:p>
-            <a:pPr>
-              <a:lnSpc>
-                <a:spcPct val="100000"/>
-              </a:lnSpc>
-              <a:buFont typeface="Arial"/>
+            <a:pPr marL="457200" indent="-457200">
+              <a:lnSpc>
+                <a:spcPct val="100000"/>
+              </a:lnSpc>
+              <a:buFont typeface="Arial" panose="020B0604020202020204" pitchFamily="34" charset="0"/>
               <a:buChar char="•"/>
             </a:pPr>
             <a:r>
@@ -19621,24 +20307,44 @@
           <a:bodyPr lIns="90000" tIns="45000" rIns="90000" bIns="45000"/>
           <a:lstStyle/>
           <a:p>
-            <a:pPr>
-              <a:lnSpc>
-                <a:spcPct val="100000"/>
-              </a:lnSpc>
-              <a:buFont typeface="Arial"/>
+            <a:pPr marL="457200" indent="-457200">
+              <a:lnSpc>
+                <a:spcPct val="100000"/>
+              </a:lnSpc>
+              <a:buFont typeface="Arial" panose="020B0604020202020204" pitchFamily="34" charset="0"/>
               <a:buChar char="•"/>
             </a:pPr>
             <a:r>
-              <a:rPr lang="en-US" sz="3200" strike="noStrike">
+              <a:rPr lang="en-US" sz="3200" strike="noStrike" dirty="0">
                 <a:solidFill>
                   <a:srgbClr val="000000"/>
                 </a:solidFill>
                 <a:latin typeface="Calibri"/>
                 <a:ea typeface="DejaVu Sans"/>
               </a:rPr>
-              <a:t>{bloco}</a:t>
-            </a:r>
-            <a:endParaRPr/>
+              <a:t>{</a:t>
+            </a:r>
+            <a:r>
+              <a:rPr lang="en-US" sz="3200" strike="noStrike" dirty="0" err="1">
+                <a:solidFill>
+                  <a:srgbClr val="000000"/>
+                </a:solidFill>
+                <a:latin typeface="Calibri"/>
+                <a:ea typeface="DejaVu Sans"/>
+              </a:rPr>
+              <a:t>bloco</a:t>
+            </a:r>
+            <a:r>
+              <a:rPr lang="en-US" sz="3200" strike="noStrike" dirty="0">
+                <a:solidFill>
+                  <a:srgbClr val="000000"/>
+                </a:solidFill>
+                <a:latin typeface="Calibri"/>
+                <a:ea typeface="DejaVu Sans"/>
+              </a:rPr>
+              <a:t>}</a:t>
+            </a:r>
+            <a:endParaRPr dirty="0"/>
           </a:p>
         </p:txBody>
       </p:sp>
@@ -19677,11 +20383,11 @@
           <a:bodyPr lIns="90000" tIns="45000" rIns="90000" bIns="45000"/>
           <a:lstStyle/>
           <a:p>
-            <a:pPr>
-              <a:lnSpc>
-                <a:spcPct val="100000"/>
-              </a:lnSpc>
-              <a:buFont typeface="Arial"/>
+            <a:pPr marL="457200" indent="-457200">
+              <a:lnSpc>
+                <a:spcPct val="100000"/>
+              </a:lnSpc>
+              <a:buFont typeface="Arial" panose="020B0604020202020204" pitchFamily="34" charset="0"/>
               <a:buChar char="•"/>
             </a:pPr>
             <a:r>
@@ -20310,11 +21016,11 @@
           <a:bodyPr lIns="90000" tIns="45000" rIns="90000" bIns="45000"/>
           <a:lstStyle/>
           <a:p>
-            <a:pPr>
-              <a:lnSpc>
-                <a:spcPct val="100000"/>
-              </a:lnSpc>
-              <a:buFont typeface="Arial"/>
+            <a:pPr marL="457200" indent="-457200">
+              <a:lnSpc>
+                <a:spcPct val="100000"/>
+              </a:lnSpc>
+              <a:buFont typeface="Arial" panose="020B0604020202020204" pitchFamily="34" charset="0"/>
               <a:buChar char="•"/>
             </a:pPr>
             <a:r>
@@ -20366,11 +21072,11 @@
           <a:bodyPr lIns="90000" tIns="45000" rIns="90000" bIns="45000"/>
           <a:lstStyle/>
           <a:p>
-            <a:pPr>
-              <a:lnSpc>
-                <a:spcPct val="100000"/>
-              </a:lnSpc>
-              <a:buFont typeface="Arial"/>
+            <a:pPr marL="457200" indent="-457200">
+              <a:lnSpc>
+                <a:spcPct val="100000"/>
+              </a:lnSpc>
+              <a:buFont typeface="Arial" panose="020B0604020202020204" pitchFamily="34" charset="0"/>
               <a:buChar char="•"/>
             </a:pPr>
             <a:r>
@@ -20422,11 +21128,11 @@
           <a:bodyPr lIns="90000" tIns="45000" rIns="90000" bIns="45000"/>
           <a:lstStyle/>
           <a:p>
-            <a:pPr>
-              <a:lnSpc>
-                <a:spcPct val="100000"/>
-              </a:lnSpc>
-              <a:buFont typeface="Arial"/>
+            <a:pPr marL="457200" indent="-457200">
+              <a:lnSpc>
+                <a:spcPct val="100000"/>
+              </a:lnSpc>
+              <a:buFont typeface="Arial" panose="020B0604020202020204" pitchFamily="34" charset="0"/>
               <a:buChar char="•"/>
             </a:pPr>
             <a:r>
@@ -20478,11 +21184,11 @@
           <a:bodyPr lIns="90000" tIns="45000" rIns="90000" bIns="45000"/>
           <a:lstStyle/>
           <a:p>
-            <a:pPr>
-              <a:lnSpc>
-                <a:spcPct val="100000"/>
-              </a:lnSpc>
-              <a:buFont typeface="Arial"/>
+            <a:pPr marL="457200" indent="-457200">
+              <a:lnSpc>
+                <a:spcPct val="100000"/>
+              </a:lnSpc>
+              <a:buFont typeface="Arial" panose="020B0604020202020204" pitchFamily="34" charset="0"/>
               <a:buChar char="•"/>
             </a:pPr>
             <a:r>
@@ -20534,24 +21240,64 @@
           <a:bodyPr lIns="90000" tIns="45000" rIns="90000" bIns="45000"/>
           <a:lstStyle/>
           <a:p>
-            <a:pPr>
-              <a:lnSpc>
-                <a:spcPct val="100000"/>
-              </a:lnSpc>
-              <a:buFont typeface="Arial"/>
+            <a:pPr marL="457200" indent="-457200">
+              <a:lnSpc>
+                <a:spcPct val="100000"/>
+              </a:lnSpc>
+              <a:buFont typeface="Arial" panose="020B0604020202020204" pitchFamily="34" charset="0"/>
               <a:buChar char="•"/>
             </a:pPr>
             <a:r>
-              <a:rPr lang="en-US" sz="3200" strike="noStrike">
+              <a:rPr lang="en-US" sz="3200" strike="noStrike" dirty="0" err="1">
                 <a:solidFill>
                   <a:srgbClr val="000000"/>
                 </a:solidFill>
                 <a:latin typeface="Calibri"/>
                 <a:ea typeface="DejaVu Sans"/>
               </a:rPr>
-              <a:t>Objetos de primeira classe</a:t>
-            </a:r>
-            <a:endParaRPr/>
+              <a:t>Objetos</a:t>
+            </a:r>
+            <a:r>
+              <a:rPr lang="en-US" sz="3200" strike="noStrike" dirty="0">
+                <a:solidFill>
+                  <a:srgbClr val="000000"/>
+                </a:solidFill>
+                <a:latin typeface="Calibri"/>
+                <a:ea typeface="DejaVu Sans"/>
+              </a:rPr>
+              <a:t> de </a:t>
+            </a:r>
+            <a:r>
+              <a:rPr lang="en-US" sz="3200" strike="noStrike" dirty="0" err="1">
+                <a:solidFill>
+                  <a:srgbClr val="000000"/>
+                </a:solidFill>
+                <a:latin typeface="Calibri"/>
+                <a:ea typeface="DejaVu Sans"/>
+              </a:rPr>
+              <a:t>primeira</a:t>
+            </a:r>
+            <a:r>
+              <a:rPr lang="en-US" sz="3200" strike="noStrike" dirty="0">
+                <a:solidFill>
+                  <a:srgbClr val="000000"/>
+                </a:solidFill>
+                <a:latin typeface="Calibri"/>
+                <a:ea typeface="DejaVu Sans"/>
+              </a:rPr>
+              <a:t> </a:t>
+            </a:r>
+            <a:r>
+              <a:rPr lang="en-US" sz="3200" strike="noStrike" dirty="0" err="1">
+                <a:solidFill>
+                  <a:srgbClr val="000000"/>
+                </a:solidFill>
+                <a:latin typeface="Calibri"/>
+                <a:ea typeface="DejaVu Sans"/>
+              </a:rPr>
+              <a:t>classe</a:t>
+            </a:r>
+            <a:endParaRPr dirty="0"/>
           </a:p>
         </p:txBody>
       </p:sp>
@@ -20590,11 +21336,11 @@
           <a:bodyPr lIns="90000" tIns="45000" rIns="90000" bIns="45000"/>
           <a:lstStyle/>
           <a:p>
-            <a:pPr>
-              <a:lnSpc>
-                <a:spcPct val="100000"/>
-              </a:lnSpc>
-              <a:buFont typeface="Arial"/>
+            <a:pPr marL="457200" indent="-457200">
+              <a:lnSpc>
+                <a:spcPct val="100000"/>
+              </a:lnSpc>
+              <a:buFont typeface="Arial" panose="020B0604020202020204" pitchFamily="34" charset="0"/>
               <a:buChar char="•"/>
             </a:pPr>
             <a:r>
@@ -20646,11 +21392,11 @@
           <a:bodyPr lIns="90000" tIns="45000" rIns="90000" bIns="45000"/>
           <a:lstStyle/>
           <a:p>
-            <a:pPr>
-              <a:lnSpc>
-                <a:spcPct val="100000"/>
-              </a:lnSpc>
-              <a:buFont typeface="Arial"/>
+            <a:pPr marL="457200" indent="-457200">
+              <a:lnSpc>
+                <a:spcPct val="100000"/>
+              </a:lnSpc>
+              <a:buFont typeface="Arial" panose="020B0604020202020204" pitchFamily="34" charset="0"/>
               <a:buChar char="•"/>
             </a:pPr>
             <a:r>
@@ -20702,11 +21448,11 @@
           <a:bodyPr lIns="90000" tIns="45000" rIns="90000" bIns="45000"/>
           <a:lstStyle/>
           <a:p>
-            <a:pPr>
-              <a:lnSpc>
-                <a:spcPct val="100000"/>
-              </a:lnSpc>
-              <a:buFont typeface="Arial"/>
+            <a:pPr marL="457200" indent="-457200">
+              <a:lnSpc>
+                <a:spcPct val="100000"/>
+              </a:lnSpc>
+              <a:buFont typeface="Arial" panose="020B0604020202020204" pitchFamily="34" charset="0"/>
               <a:buChar char="•"/>
             </a:pPr>
             <a:r>
@@ -21553,11 +22299,11 @@
           <a:bodyPr lIns="90000" tIns="45000" rIns="90000" bIns="45000"/>
           <a:lstStyle/>
           <a:p>
-            <a:pPr>
-              <a:lnSpc>
-                <a:spcPct val="100000"/>
-              </a:lnSpc>
-              <a:buFont typeface="Arial"/>
+            <a:pPr marL="457200" indent="-457200">
+              <a:lnSpc>
+                <a:spcPct val="100000"/>
+              </a:lnSpc>
+              <a:buFont typeface="Arial" panose="020B0604020202020204" pitchFamily="34" charset="0"/>
               <a:buChar char="•"/>
             </a:pPr>
             <a:r>
@@ -21609,11 +22355,11 @@
           <a:bodyPr lIns="90000" tIns="45000" rIns="90000" bIns="45000"/>
           <a:lstStyle/>
           <a:p>
-            <a:pPr>
-              <a:lnSpc>
-                <a:spcPct val="100000"/>
-              </a:lnSpc>
-              <a:buFont typeface="Arial"/>
+            <a:pPr marL="457200" indent="-457200">
+              <a:lnSpc>
+                <a:spcPct val="100000"/>
+              </a:lnSpc>
+              <a:buFont typeface="Arial" panose="020B0604020202020204" pitchFamily="34" charset="0"/>
               <a:buChar char="•"/>
             </a:pPr>
             <a:r>
@@ -21665,11 +22411,11 @@
           <a:bodyPr lIns="90000" tIns="45000" rIns="90000" bIns="45000"/>
           <a:lstStyle/>
           <a:p>
-            <a:pPr>
-              <a:lnSpc>
-                <a:spcPct val="100000"/>
-              </a:lnSpc>
-              <a:buFont typeface="Arial"/>
+            <a:pPr marL="457200" indent="-457200">
+              <a:lnSpc>
+                <a:spcPct val="100000"/>
+              </a:lnSpc>
+              <a:buFont typeface="Arial" panose="020B0604020202020204" pitchFamily="34" charset="0"/>
               <a:buChar char="•"/>
             </a:pPr>
             <a:r>
@@ -21721,11 +22467,11 @@
           <a:bodyPr lIns="90000" tIns="45000" rIns="90000" bIns="45000"/>
           <a:lstStyle/>
           <a:p>
-            <a:pPr>
-              <a:lnSpc>
-                <a:spcPct val="100000"/>
-              </a:lnSpc>
-              <a:buFont typeface="Arial"/>
+            <a:pPr marL="457200" indent="-457200">
+              <a:lnSpc>
+                <a:spcPct val="100000"/>
+              </a:lnSpc>
+              <a:buFont typeface="Arial" panose="020B0604020202020204" pitchFamily="34" charset="0"/>
               <a:buChar char="•"/>
             </a:pPr>
             <a:r>
@@ -21777,15 +22523,15 @@
           <a:bodyPr lIns="90000" tIns="45000" rIns="90000" bIns="45000"/>
           <a:lstStyle/>
           <a:p>
-            <a:pPr>
-              <a:lnSpc>
-                <a:spcPct val="100000"/>
-              </a:lnSpc>
-              <a:buFont typeface="Arial"/>
+            <a:pPr marL="457200" indent="-457200">
+              <a:lnSpc>
+                <a:spcPct val="100000"/>
+              </a:lnSpc>
+              <a:buFont typeface="Arial" panose="020B0604020202020204" pitchFamily="34" charset="0"/>
               <a:buChar char="•"/>
             </a:pPr>
             <a:r>
-              <a:rPr lang="en-US" sz="3200" strike="noStrike">
+              <a:rPr lang="en-US" sz="3200" strike="noStrike" dirty="0">
                 <a:solidFill>
                   <a:srgbClr val="000000"/>
                 </a:solidFill>
@@ -21794,7 +22540,7 @@
               </a:rPr>
               <a:t>this</a:t>
             </a:r>
-            <a:endParaRPr/>
+            <a:endParaRPr dirty="0"/>
           </a:p>
         </p:txBody>
       </p:sp>
@@ -21833,11 +22579,11 @@
           <a:bodyPr lIns="90000" tIns="45000" rIns="90000" bIns="45000"/>
           <a:lstStyle/>
           <a:p>
-            <a:pPr>
-              <a:lnSpc>
-                <a:spcPct val="100000"/>
-              </a:lnSpc>
-              <a:buFont typeface="Arial"/>
+            <a:pPr marL="457200" indent="-457200">
+              <a:lnSpc>
+                <a:spcPct val="100000"/>
+              </a:lnSpc>
+              <a:buFont typeface="Arial" panose="020B0604020202020204" pitchFamily="34" charset="0"/>
               <a:buChar char="•"/>
             </a:pPr>
             <a:r>
@@ -22839,24 +23585,134 @@
           <a:bodyPr lIns="90000" tIns="45000" rIns="90000" bIns="45000"/>
           <a:lstStyle/>
           <a:p>
-            <a:pPr>
-              <a:lnSpc>
-                <a:spcPct val="100000"/>
-              </a:lnSpc>
-              <a:buFont typeface="Arial"/>
+            <a:pPr marL="457200" indent="-457200">
+              <a:lnSpc>
+                <a:spcPct val="100000"/>
+              </a:lnSpc>
+              <a:buFont typeface="Arial" panose="020B0604020202020204" pitchFamily="34" charset="0"/>
               <a:buChar char="•"/>
             </a:pPr>
             <a:r>
-              <a:rPr lang="en-US" sz="3200" strike="noStrike">
+              <a:rPr lang="en-US" sz="3200" strike="noStrike" dirty="0" err="1">
                 <a:solidFill>
                   <a:srgbClr val="000000"/>
                 </a:solidFill>
                 <a:latin typeface="Calibri"/>
                 <a:ea typeface="DejaVu Sans"/>
               </a:rPr>
-              <a:t>Parar de ver JavaScript como uma ferramenta de auxílio.</a:t>
-            </a:r>
-            <a:endParaRPr/>
+              <a:t>Parar</a:t>
+            </a:r>
+            <a:r>
+              <a:rPr lang="en-US" sz="3200" strike="noStrike" dirty="0">
+                <a:solidFill>
+                  <a:srgbClr val="000000"/>
+                </a:solidFill>
+                <a:latin typeface="Calibri"/>
+                <a:ea typeface="DejaVu Sans"/>
+              </a:rPr>
+              <a:t> de </a:t>
+            </a:r>
+            <a:r>
+              <a:rPr lang="en-US" sz="3200" strike="noStrike" dirty="0" err="1">
+                <a:solidFill>
+                  <a:srgbClr val="000000"/>
+                </a:solidFill>
+                <a:latin typeface="Calibri"/>
+                <a:ea typeface="DejaVu Sans"/>
+              </a:rPr>
+              <a:t>ver</a:t>
+            </a:r>
+            <a:r>
+              <a:rPr lang="en-US" sz="3200" strike="noStrike" dirty="0">
+                <a:solidFill>
+                  <a:srgbClr val="000000"/>
+                </a:solidFill>
+                <a:latin typeface="Calibri"/>
+                <a:ea typeface="DejaVu Sans"/>
+              </a:rPr>
+              <a:t> JavaScript </a:t>
+            </a:r>
+            <a:r>
+              <a:rPr lang="en-US" sz="3200" strike="noStrike" dirty="0" err="1">
+                <a:solidFill>
+                  <a:srgbClr val="000000"/>
+                </a:solidFill>
+                <a:latin typeface="Calibri"/>
+                <a:ea typeface="DejaVu Sans"/>
+              </a:rPr>
+              <a:t>como</a:t>
+            </a:r>
+            <a:r>
+              <a:rPr lang="en-US" sz="3200" strike="noStrike" dirty="0">
+                <a:solidFill>
+                  <a:srgbClr val="000000"/>
+                </a:solidFill>
+                <a:latin typeface="Calibri"/>
+                <a:ea typeface="DejaVu Sans"/>
+              </a:rPr>
+              <a:t> </a:t>
+            </a:r>
+            <a:r>
+              <a:rPr lang="en-US" sz="3200" strike="noStrike" dirty="0" err="1">
+                <a:solidFill>
+                  <a:srgbClr val="000000"/>
+                </a:solidFill>
+                <a:latin typeface="Calibri"/>
+                <a:ea typeface="DejaVu Sans"/>
+              </a:rPr>
+              <a:t>uma</a:t>
+            </a:r>
+            <a:r>
+              <a:rPr lang="en-US" sz="3200" strike="noStrike" dirty="0">
+                <a:solidFill>
+                  <a:srgbClr val="000000"/>
+                </a:solidFill>
+                <a:latin typeface="Calibri"/>
+                <a:ea typeface="DejaVu Sans"/>
+              </a:rPr>
+              <a:t> </a:t>
+            </a:r>
+            <a:r>
+              <a:rPr lang="en-US" sz="3200" strike="noStrike" dirty="0" err="1">
+                <a:solidFill>
+                  <a:srgbClr val="000000"/>
+                </a:solidFill>
+                <a:latin typeface="Calibri"/>
+                <a:ea typeface="DejaVu Sans"/>
+              </a:rPr>
+              <a:t>ferramenta</a:t>
+            </a:r>
+            <a:r>
+              <a:rPr lang="en-US" sz="3200" strike="noStrike" dirty="0">
+                <a:solidFill>
+                  <a:srgbClr val="000000"/>
+                </a:solidFill>
+                <a:latin typeface="Calibri"/>
+                <a:ea typeface="DejaVu Sans"/>
+              </a:rPr>
+              <a:t> de </a:t>
+            </a:r>
+            <a:r>
+              <a:rPr lang="en-US" sz="3200" strike="noStrike" dirty="0" err="1">
+                <a:solidFill>
+                  <a:srgbClr val="000000"/>
+                </a:solidFill>
+                <a:latin typeface="Calibri"/>
+                <a:ea typeface="DejaVu Sans"/>
+              </a:rPr>
+              <a:t>auxílio</a:t>
+            </a:r>
+            <a:r>
+              <a:rPr lang="en-US" sz="3200" strike="noStrike" dirty="0">
+                <a:solidFill>
+                  <a:srgbClr val="000000"/>
+                </a:solidFill>
+                <a:latin typeface="Calibri"/>
+                <a:ea typeface="DejaVu Sans"/>
+              </a:rPr>
+              <a:t>.</a:t>
+            </a:r>
+            <a:endParaRPr dirty="0"/>
           </a:p>
         </p:txBody>
       </p:sp>
@@ -22895,11 +23751,11 @@
           <a:bodyPr lIns="90000" tIns="45000" rIns="90000" bIns="45000"/>
           <a:lstStyle/>
           <a:p>
-            <a:pPr>
-              <a:lnSpc>
-                <a:spcPct val="100000"/>
-              </a:lnSpc>
-              <a:buFont typeface="Arial"/>
+            <a:pPr marL="457200" indent="-457200">
+              <a:lnSpc>
+                <a:spcPct val="100000"/>
+              </a:lnSpc>
+              <a:buFont typeface="Arial" panose="020B0604020202020204" pitchFamily="34" charset="0"/>
               <a:buChar char="•"/>
             </a:pPr>
             <a:r>
@@ -22951,24 +23807,74 @@
           <a:bodyPr lIns="90000" tIns="45000" rIns="90000" bIns="45000"/>
           <a:lstStyle/>
           <a:p>
-            <a:pPr>
-              <a:lnSpc>
-                <a:spcPct val="100000"/>
-              </a:lnSpc>
-              <a:buFont typeface="Arial"/>
+            <a:pPr marL="457200" indent="-457200">
+              <a:lnSpc>
+                <a:spcPct val="100000"/>
+              </a:lnSpc>
+              <a:buFont typeface="Arial" panose="020B0604020202020204" pitchFamily="34" charset="0"/>
               <a:buChar char="•"/>
             </a:pPr>
             <a:r>
-              <a:rPr lang="en-US" sz="3200" strike="noStrike">
+              <a:rPr lang="en-US" sz="3200" strike="noStrike" dirty="0" err="1">
                 <a:solidFill>
                   <a:srgbClr val="000000"/>
                 </a:solidFill>
                 <a:latin typeface="Calibri"/>
                 <a:ea typeface="DejaVu Sans"/>
               </a:rPr>
-              <a:t>Criar seus próprios scripts do zero.</a:t>
-            </a:r>
-            <a:endParaRPr/>
+              <a:t>Criar</a:t>
+            </a:r>
+            <a:r>
+              <a:rPr lang="en-US" sz="3200" strike="noStrike" dirty="0">
+                <a:solidFill>
+                  <a:srgbClr val="000000"/>
+                </a:solidFill>
+                <a:latin typeface="Calibri"/>
+                <a:ea typeface="DejaVu Sans"/>
+              </a:rPr>
+              <a:t> </a:t>
+            </a:r>
+            <a:r>
+              <a:rPr lang="en-US" sz="3200" strike="noStrike" dirty="0" err="1">
+                <a:solidFill>
+                  <a:srgbClr val="000000"/>
+                </a:solidFill>
+                <a:latin typeface="Calibri"/>
+                <a:ea typeface="DejaVu Sans"/>
+              </a:rPr>
+              <a:t>seus</a:t>
+            </a:r>
+            <a:r>
+              <a:rPr lang="en-US" sz="3200" strike="noStrike" dirty="0">
+                <a:solidFill>
+                  <a:srgbClr val="000000"/>
+                </a:solidFill>
+                <a:latin typeface="Calibri"/>
+                <a:ea typeface="DejaVu Sans"/>
+              </a:rPr>
+              <a:t> </a:t>
+            </a:r>
+            <a:r>
+              <a:rPr lang="en-US" sz="3200" strike="noStrike" dirty="0" err="1">
+                <a:solidFill>
+                  <a:srgbClr val="000000"/>
+                </a:solidFill>
+                <a:latin typeface="Calibri"/>
+                <a:ea typeface="DejaVu Sans"/>
+              </a:rPr>
+              <a:t>próprios</a:t>
+            </a:r>
+            <a:r>
+              <a:rPr lang="en-US" sz="3200" strike="noStrike" dirty="0">
+                <a:solidFill>
+                  <a:srgbClr val="000000"/>
+                </a:solidFill>
+                <a:latin typeface="Calibri"/>
+                <a:ea typeface="DejaVu Sans"/>
+              </a:rPr>
+              <a:t> scripts do zero.</a:t>
+            </a:r>
+            <a:endParaRPr dirty="0"/>
           </a:p>
         </p:txBody>
       </p:sp>
@@ -23242,11 +24148,11 @@
           <a:bodyPr lIns="90000" tIns="45000" rIns="90000" bIns="45000"/>
           <a:lstStyle/>
           <a:p>
-            <a:pPr>
-              <a:lnSpc>
-                <a:spcPct val="100000"/>
-              </a:lnSpc>
-              <a:buFont typeface="Arial"/>
+            <a:pPr marL="457200" indent="-457200">
+              <a:lnSpc>
+                <a:spcPct val="100000"/>
+              </a:lnSpc>
+              <a:buFont typeface="Arial" panose="020B0604020202020204" pitchFamily="34" charset="0"/>
               <a:buChar char="•"/>
             </a:pPr>
             <a:r>
@@ -23298,11 +24204,11 @@
           <a:bodyPr lIns="90000" tIns="45000" rIns="90000" bIns="45000"/>
           <a:lstStyle/>
           <a:p>
-            <a:pPr>
-              <a:lnSpc>
-                <a:spcPct val="100000"/>
-              </a:lnSpc>
-              <a:buFont typeface="Arial"/>
+            <a:pPr marL="457200" indent="-457200">
+              <a:lnSpc>
+                <a:spcPct val="100000"/>
+              </a:lnSpc>
+              <a:buFont typeface="Arial" panose="020B0604020202020204" pitchFamily="34" charset="0"/>
               <a:buChar char="•"/>
             </a:pPr>
             <a:r>
@@ -23354,11 +24260,11 @@
           <a:bodyPr lIns="90000" tIns="45000" rIns="90000" bIns="45000"/>
           <a:lstStyle/>
           <a:p>
-            <a:pPr>
-              <a:lnSpc>
-                <a:spcPct val="100000"/>
-              </a:lnSpc>
-              <a:buFont typeface="Arial"/>
+            <a:pPr marL="457200" indent="-457200">
+              <a:lnSpc>
+                <a:spcPct val="100000"/>
+              </a:lnSpc>
+              <a:buFont typeface="Arial" panose="020B0604020202020204" pitchFamily="34" charset="0"/>
               <a:buChar char="•"/>
             </a:pPr>
             <a:r>
@@ -23410,11 +24316,11 @@
           <a:bodyPr lIns="90000" tIns="45000" rIns="90000" bIns="45000"/>
           <a:lstStyle/>
           <a:p>
-            <a:pPr>
-              <a:lnSpc>
-                <a:spcPct val="100000"/>
-              </a:lnSpc>
-              <a:buFont typeface="Arial"/>
+            <a:pPr marL="457200" indent="-457200">
+              <a:lnSpc>
+                <a:spcPct val="100000"/>
+              </a:lnSpc>
+              <a:buFont typeface="Arial" panose="020B0604020202020204" pitchFamily="34" charset="0"/>
               <a:buChar char="•"/>
             </a:pPr>
             <a:r>
@@ -23466,15 +24372,15 @@
           <a:bodyPr lIns="90000" tIns="45000" rIns="90000" bIns="45000"/>
           <a:lstStyle/>
           <a:p>
-            <a:pPr>
-              <a:lnSpc>
-                <a:spcPct val="100000"/>
-              </a:lnSpc>
-              <a:buFont typeface="Arial"/>
+            <a:pPr marL="457200" indent="-457200">
+              <a:lnSpc>
+                <a:spcPct val="100000"/>
+              </a:lnSpc>
+              <a:buFont typeface="Arial" panose="020B0604020202020204" pitchFamily="34" charset="0"/>
               <a:buChar char="•"/>
             </a:pPr>
             <a:r>
-              <a:rPr lang="en-US" sz="3200" strike="noStrike">
+              <a:rPr lang="en-US" sz="3200" strike="noStrike" dirty="0">
                 <a:solidFill>
                   <a:srgbClr val="000000"/>
                 </a:solidFill>
@@ -23483,7 +24389,7 @@
               </a:rPr>
               <a:t>“Maker/Builder” functions</a:t>
             </a:r>
-            <a:endParaRPr/>
+            <a:endParaRPr dirty="0"/>
           </a:p>
         </p:txBody>
       </p:sp>
@@ -23522,11 +24428,11 @@
           <a:bodyPr lIns="90000" tIns="45000" rIns="90000" bIns="45000"/>
           <a:lstStyle/>
           <a:p>
-            <a:pPr>
-              <a:lnSpc>
-                <a:spcPct val="100000"/>
-              </a:lnSpc>
-              <a:buFont typeface="Arial"/>
+            <a:pPr marL="457200" indent="-457200">
+              <a:lnSpc>
+                <a:spcPct val="100000"/>
+              </a:lnSpc>
+              <a:buFont typeface="Arial" panose="020B0604020202020204" pitchFamily="34" charset="0"/>
               <a:buChar char="•"/>
             </a:pPr>
             <a:r>
@@ -23578,11 +24484,11 @@
           <a:bodyPr lIns="90000" tIns="45000" rIns="90000" bIns="45000"/>
           <a:lstStyle/>
           <a:p>
-            <a:pPr>
-              <a:lnSpc>
-                <a:spcPct val="100000"/>
-              </a:lnSpc>
-              <a:buFont typeface="Arial"/>
+            <a:pPr marL="457200" indent="-457200">
+              <a:lnSpc>
+                <a:spcPct val="100000"/>
+              </a:lnSpc>
+              <a:buFont typeface="Arial" panose="020B0604020202020204" pitchFamily="34" charset="0"/>
               <a:buChar char="•"/>
             </a:pPr>
             <a:r>
@@ -24384,11 +25290,11 @@
           <a:bodyPr lIns="90000" tIns="45000" rIns="90000" bIns="45000"/>
           <a:lstStyle/>
           <a:p>
-            <a:pPr>
-              <a:lnSpc>
-                <a:spcPct val="100000"/>
-              </a:lnSpc>
-              <a:buFont typeface="Arial"/>
+            <a:pPr marL="457200" indent="-457200">
+              <a:lnSpc>
+                <a:spcPct val="100000"/>
+              </a:lnSpc>
+              <a:buFont typeface="Arial" panose="020B0604020202020204" pitchFamily="34" charset="0"/>
               <a:buChar char="•"/>
             </a:pPr>
             <a:r>
@@ -24440,15 +25346,15 @@
           <a:bodyPr lIns="90000" tIns="45000" rIns="90000" bIns="45000"/>
           <a:lstStyle/>
           <a:p>
-            <a:pPr>
-              <a:lnSpc>
-                <a:spcPct val="100000"/>
-              </a:lnSpc>
-              <a:buFont typeface="Arial"/>
+            <a:pPr marL="457200" indent="-457200">
+              <a:lnSpc>
+                <a:spcPct val="100000"/>
+              </a:lnSpc>
+              <a:buFont typeface="Arial" panose="020B0604020202020204" pitchFamily="34" charset="0"/>
               <a:buChar char="•"/>
             </a:pPr>
             <a:r>
-              <a:rPr lang="en-US" sz="3200" strike="noStrike">
+              <a:rPr lang="en-US" sz="3200" strike="noStrike" dirty="0">
                 <a:solidFill>
                   <a:srgbClr val="000000"/>
                 </a:solidFill>
@@ -24457,7 +25363,7 @@
               </a:rPr>
               <a:t>Global Objects</a:t>
             </a:r>
-            <a:endParaRPr/>
+            <a:endParaRPr dirty="0"/>
           </a:p>
         </p:txBody>
       </p:sp>
@@ -25624,11 +26530,11 @@
           <a:bodyPr lIns="90000" tIns="45000" rIns="90000" bIns="45000"/>
           <a:lstStyle/>
           <a:p>
-            <a:pPr>
-              <a:lnSpc>
-                <a:spcPct val="100000"/>
-              </a:lnSpc>
-              <a:buFont typeface="Arial"/>
+            <a:pPr marL="457200" indent="-457200">
+              <a:lnSpc>
+                <a:spcPct val="100000"/>
+              </a:lnSpc>
+              <a:buFont typeface="Arial" panose="020B0604020202020204" pitchFamily="34" charset="0"/>
               <a:buChar char="•"/>
             </a:pPr>
             <a:r>
@@ -25680,11 +26586,11 @@
           <a:bodyPr lIns="90000" tIns="45000" rIns="90000" bIns="45000"/>
           <a:lstStyle/>
           <a:p>
-            <a:pPr>
-              <a:lnSpc>
-                <a:spcPct val="100000"/>
-              </a:lnSpc>
-              <a:buFont typeface="Arial"/>
+            <a:pPr marL="457200" indent="-457200">
+              <a:lnSpc>
+                <a:spcPct val="100000"/>
+              </a:lnSpc>
+              <a:buFont typeface="Arial" panose="020B0604020202020204" pitchFamily="34" charset="0"/>
               <a:buChar char="•"/>
             </a:pPr>
             <a:r>
@@ -25736,11 +26642,11 @@
           <a:bodyPr lIns="90000" tIns="45000" rIns="90000" bIns="45000"/>
           <a:lstStyle/>
           <a:p>
-            <a:pPr>
-              <a:lnSpc>
-                <a:spcPct val="100000"/>
-              </a:lnSpc>
-              <a:buFont typeface="Arial"/>
+            <a:pPr marL="457200" indent="-457200">
+              <a:lnSpc>
+                <a:spcPct val="100000"/>
+              </a:lnSpc>
+              <a:buFont typeface="Arial" panose="020B0604020202020204" pitchFamily="34" charset="0"/>
               <a:buChar char="•"/>
             </a:pPr>
             <a:r>
@@ -25801,7 +26707,27 @@
                 <a:latin typeface="Calibri"/>
                 <a:ea typeface="DejaVu Sans"/>
               </a:rPr>
-              <a:t> WEB: Client-Side</a:t>
+              <a:t> </a:t>
+            </a:r>
+            <a:r>
+              <a:rPr lang="en-US" sz="3200" b="1" strike="noStrike" dirty="0" smtClean="0">
+                <a:solidFill>
+                  <a:srgbClr val="000000"/>
+                </a:solidFill>
+                <a:latin typeface="Calibri"/>
+                <a:ea typeface="DejaVu Sans"/>
+              </a:rPr>
+              <a:t>WEB: </a:t>
+            </a:r>
+            <a:r>
+              <a:rPr lang="en-US" sz="3200" b="1" strike="noStrike" dirty="0">
+                <a:solidFill>
+                  <a:srgbClr val="000000"/>
+                </a:solidFill>
+                <a:latin typeface="Calibri"/>
+                <a:ea typeface="DejaVu Sans"/>
+              </a:rPr>
+              <a:t>Client-Side</a:t>
             </a:r>
             <a:endParaRPr dirty="0"/>
           </a:p>
@@ -25842,11 +26768,11 @@
           <a:bodyPr lIns="90000" tIns="45000" rIns="90000" bIns="45000"/>
           <a:lstStyle/>
           <a:p>
-            <a:pPr>
-              <a:lnSpc>
-                <a:spcPct val="100000"/>
-              </a:lnSpc>
-              <a:buFont typeface="Arial"/>
+            <a:pPr marL="457200" indent="-457200">
+              <a:lnSpc>
+                <a:spcPct val="100000"/>
+              </a:lnSpc>
+              <a:buFont typeface="Arial" panose="020B0604020202020204" pitchFamily="34" charset="0"/>
               <a:buChar char="•"/>
             </a:pPr>
             <a:r>
@@ -25898,11 +26824,11 @@
           <a:bodyPr lIns="90000" tIns="45000" rIns="90000" bIns="45000"/>
           <a:lstStyle/>
           <a:p>
-            <a:pPr>
-              <a:lnSpc>
-                <a:spcPct val="100000"/>
-              </a:lnSpc>
-              <a:buFont typeface="Arial"/>
+            <a:pPr marL="457200" indent="-457200">
+              <a:lnSpc>
+                <a:spcPct val="100000"/>
+              </a:lnSpc>
+              <a:buFont typeface="Arial" panose="020B0604020202020204" pitchFamily="34" charset="0"/>
               <a:buChar char="•"/>
             </a:pPr>
             <a:r>
@@ -25927,7 +26853,7 @@
         </p:nvSpPr>
         <p:spPr>
           <a:xfrm>
-            <a:off x="529920" y="5125320"/>
+            <a:off x="529920" y="4471560"/>
             <a:ext cx="10774800" cy="577080"/>
           </a:xfrm>
           <a:prstGeom prst="rect">
@@ -25954,15 +26880,15 @@
           <a:bodyPr lIns="90000" tIns="45000" rIns="90000" bIns="45000"/>
           <a:lstStyle/>
           <a:p>
-            <a:pPr>
-              <a:lnSpc>
-                <a:spcPct val="100000"/>
-              </a:lnSpc>
-              <a:buFont typeface="Arial"/>
+            <a:pPr marL="457200" indent="-457200">
+              <a:lnSpc>
+                <a:spcPct val="100000"/>
+              </a:lnSpc>
+              <a:buFont typeface="Arial" panose="020B0604020202020204" pitchFamily="34" charset="0"/>
               <a:buChar char="•"/>
             </a:pPr>
             <a:r>
-              <a:rPr lang="en-US" sz="3200" strike="noStrike">
+              <a:rPr lang="en-US" sz="3200" strike="noStrike" dirty="0">
                 <a:solidFill>
                   <a:srgbClr val="000000"/>
                 </a:solidFill>
@@ -25972,72 +26898,46 @@
               <a:t>Coding DOJO </a:t>
             </a:r>
             <a:r>
-              <a:rPr lang="en-US" sz="3200" b="1" strike="noStrike">
+              <a:rPr lang="en-US" sz="3200" b="1" strike="noStrike" dirty="0" err="1">
                 <a:solidFill>
                   <a:srgbClr val="000000"/>
                 </a:solidFill>
                 <a:latin typeface="Calibri"/>
                 <a:ea typeface="DejaVu Sans"/>
               </a:rPr>
-              <a:t>Desenvolvendo Aplicações WEB: Client-Side</a:t>
-            </a:r>
-            <a:endParaRPr/>
-          </a:p>
-        </p:txBody>
-      </p:sp>
-      <p:sp>
-        <p:nvSpPr>
-          <p:cNvPr id="241" name="CustomShape 7"/>
-          <p:cNvSpPr/>
-          <p:nvPr/>
-        </p:nvSpPr>
-        <p:spPr>
-          <a:xfrm>
-            <a:off x="1416240" y="4403880"/>
-            <a:ext cx="10774800" cy="577080"/>
-          </a:xfrm>
-          <a:prstGeom prst="rect">
-            <a:avLst/>
-          </a:prstGeom>
-          <a:noFill/>
-          <a:ln>
-            <a:noFill/>
-          </a:ln>
-        </p:spPr>
-        <p:style>
-          <a:lnRef idx="0">
-            <a:scrgbClr r="0" g="0" b="0"/>
-          </a:lnRef>
-          <a:fillRef idx="0">
-            <a:scrgbClr r="0" g="0" b="0"/>
-          </a:fillRef>
-          <a:effectRef idx="0">
-            <a:scrgbClr r="0" g="0" b="0"/>
-          </a:effectRef>
-          <a:fontRef idx="minor"/>
-        </p:style>
-        <p:txBody>
-          <a:bodyPr lIns="90000" tIns="45000" rIns="90000" bIns="45000"/>
-          <a:lstStyle/>
-          <a:p>
-            <a:pPr>
-              <a:lnSpc>
-                <a:spcPct val="100000"/>
-              </a:lnSpc>
-              <a:buFont typeface="Arial"/>
-              <a:buChar char="•"/>
-            </a:pPr>
-            <a:r>
-              <a:rPr lang="en-US" sz="3200" strike="noStrike">
+              <a:t>Desenvolvendo</a:t>
+            </a:r>
+            <a:r>
+              <a:rPr lang="en-US" sz="3200" b="1" strike="noStrike" dirty="0">
                 <a:solidFill>
                   <a:srgbClr val="000000"/>
                 </a:solidFill>
                 <a:latin typeface="Calibri"/>
                 <a:ea typeface="DejaVu Sans"/>
               </a:rPr>
-              <a:t>CoffeeScript</a:t>
-            </a:r>
-            <a:endParaRPr/>
+              <a:t> </a:t>
+            </a:r>
+            <a:r>
+              <a:rPr lang="en-US" sz="3200" b="1" strike="noStrike" dirty="0" err="1">
+                <a:solidFill>
+                  <a:srgbClr val="000000"/>
+                </a:solidFill>
+                <a:latin typeface="Calibri"/>
+                <a:ea typeface="DejaVu Sans"/>
+              </a:rPr>
+              <a:t>Aplicações</a:t>
+            </a:r>
+            <a:r>
+              <a:rPr lang="en-US" sz="3200" b="1" strike="noStrike" dirty="0">
+                <a:solidFill>
+                  <a:srgbClr val="000000"/>
+                </a:solidFill>
+                <a:latin typeface="Calibri"/>
+                <a:ea typeface="DejaVu Sans"/>
+              </a:rPr>
+              <a:t> WEB: Client-Side</a:t>
+            </a:r>
+            <a:endParaRPr dirty="0"/>
           </a:p>
         </p:txBody>
       </p:sp>
@@ -27382,11 +28282,11 @@
           <a:bodyPr lIns="90000" tIns="45000" rIns="90000" bIns="45000"/>
           <a:lstStyle/>
           <a:p>
-            <a:pPr>
-              <a:lnSpc>
-                <a:spcPct val="100000"/>
-              </a:lnSpc>
-              <a:buFont typeface="Arial"/>
+            <a:pPr marL="457200" indent="-457200">
+              <a:lnSpc>
+                <a:spcPct val="100000"/>
+              </a:lnSpc>
+              <a:buFont typeface="Arial" panose="020B0604020202020204" pitchFamily="34" charset="0"/>
               <a:buChar char="•"/>
             </a:pPr>
             <a:r>
@@ -27438,11 +28338,11 @@
           <a:bodyPr lIns="90000" tIns="45000" rIns="90000" bIns="45000"/>
           <a:lstStyle/>
           <a:p>
-            <a:pPr>
-              <a:lnSpc>
-                <a:spcPct val="100000"/>
-              </a:lnSpc>
-              <a:buFont typeface="Arial"/>
+            <a:pPr marL="457200" indent="-457200">
+              <a:lnSpc>
+                <a:spcPct val="100000"/>
+              </a:lnSpc>
+              <a:buFont typeface="Arial" panose="020B0604020202020204" pitchFamily="34" charset="0"/>
               <a:buChar char="•"/>
             </a:pPr>
             <a:r>
@@ -27494,11 +28394,11 @@
           <a:bodyPr lIns="90000" tIns="45000" rIns="90000" bIns="45000"/>
           <a:lstStyle/>
           <a:p>
-            <a:pPr>
-              <a:lnSpc>
-                <a:spcPct val="100000"/>
-              </a:lnSpc>
-              <a:buFont typeface="Arial"/>
+            <a:pPr marL="457200" indent="-457200">
+              <a:lnSpc>
+                <a:spcPct val="100000"/>
+              </a:lnSpc>
+              <a:buFont typeface="Arial" panose="020B0604020202020204" pitchFamily="34" charset="0"/>
               <a:buChar char="•"/>
             </a:pPr>
             <a:r>
@@ -27550,11 +28450,11 @@
           <a:bodyPr lIns="90000" tIns="45000" rIns="90000" bIns="45000"/>
           <a:lstStyle/>
           <a:p>
-            <a:pPr>
-              <a:lnSpc>
-                <a:spcPct val="100000"/>
-              </a:lnSpc>
-              <a:buFont typeface="Arial"/>
+            <a:pPr marL="457200" indent="-457200">
+              <a:lnSpc>
+                <a:spcPct val="100000"/>
+              </a:lnSpc>
+              <a:buFont typeface="Arial" panose="020B0604020202020204" pitchFamily="34" charset="0"/>
               <a:buChar char="•"/>
             </a:pPr>
             <a:r>
@@ -27660,15 +28560,15 @@
           <a:bodyPr lIns="90000" tIns="45000" rIns="90000" bIns="45000"/>
           <a:lstStyle/>
           <a:p>
-            <a:pPr>
-              <a:lnSpc>
-                <a:spcPct val="100000"/>
-              </a:lnSpc>
-              <a:buFont typeface="Arial"/>
+            <a:pPr marL="457200" indent="-457200">
+              <a:lnSpc>
+                <a:spcPct val="100000"/>
+              </a:lnSpc>
+              <a:buFont typeface="Arial" panose="020B0604020202020204" pitchFamily="34" charset="0"/>
               <a:buChar char="•"/>
             </a:pPr>
             <a:r>
-              <a:rPr lang="en-US" sz="3200" strike="noStrike">
+              <a:rPr lang="en-US" sz="3200" strike="noStrike" dirty="0">
                 <a:solidFill>
                   <a:srgbClr val="000000"/>
                 </a:solidFill>
@@ -27677,7 +28577,7 @@
               </a:rPr>
               <a:t>Load and go delivery</a:t>
             </a:r>
-            <a:endParaRPr/>
+            <a:endParaRPr dirty="0"/>
           </a:p>
         </p:txBody>
       </p:sp>
@@ -28041,11 +28941,11 @@
           <a:bodyPr lIns="90000" tIns="45000" rIns="90000" bIns="45000"/>
           <a:lstStyle/>
           <a:p>
-            <a:pPr>
-              <a:lnSpc>
-                <a:spcPct val="100000"/>
-              </a:lnSpc>
-              <a:buFont typeface="Arial"/>
+            <a:pPr marL="457200" indent="-457200">
+              <a:lnSpc>
+                <a:spcPct val="100000"/>
+              </a:lnSpc>
+              <a:buFont typeface="Arial" panose="020B0604020202020204" pitchFamily="34" charset="0"/>
               <a:buChar char="•"/>
             </a:pPr>
             <a:r>
@@ -28151,15 +29051,15 @@
           <a:bodyPr lIns="90000" tIns="45000" rIns="90000" bIns="45000"/>
           <a:lstStyle/>
           <a:p>
-            <a:pPr>
-              <a:lnSpc>
-                <a:spcPct val="100000"/>
-              </a:lnSpc>
-              <a:buFont typeface="Arial"/>
+            <a:pPr marL="457200" indent="-457200">
+              <a:lnSpc>
+                <a:spcPct val="100000"/>
+              </a:lnSpc>
+              <a:buFont typeface="Arial" panose="020B0604020202020204" pitchFamily="34" charset="0"/>
               <a:buChar char="•"/>
             </a:pPr>
             <a:r>
-              <a:rPr lang="en-US" sz="3200" strike="noStrike">
+              <a:rPr lang="en-US" sz="3200" strike="noStrike" dirty="0">
                 <a:solidFill>
                   <a:srgbClr val="000000"/>
                 </a:solidFill>
@@ -28168,7 +29068,7 @@
               </a:rPr>
               <a:t>Numbers</a:t>
             </a:r>
-            <a:endParaRPr/>
+            <a:endParaRPr dirty="0"/>
           </a:p>
         </p:txBody>
       </p:sp>
@@ -28207,11 +29107,11 @@
           <a:bodyPr lIns="90000" tIns="45000" rIns="90000" bIns="45000"/>
           <a:lstStyle/>
           <a:p>
-            <a:pPr>
-              <a:lnSpc>
-                <a:spcPct val="100000"/>
-              </a:lnSpc>
-              <a:buFont typeface="Arial"/>
+            <a:pPr marL="457200" indent="-457200">
+              <a:lnSpc>
+                <a:spcPct val="100000"/>
+              </a:lnSpc>
+              <a:buFont typeface="Arial" panose="020B0604020202020204" pitchFamily="34" charset="0"/>
               <a:buChar char="•"/>
             </a:pPr>
             <a:r>
@@ -28263,11 +29163,11 @@
           <a:bodyPr lIns="90000" tIns="45000" rIns="90000" bIns="45000"/>
           <a:lstStyle/>
           <a:p>
-            <a:pPr>
-              <a:lnSpc>
-                <a:spcPct val="100000"/>
-              </a:lnSpc>
-              <a:buFont typeface="Arial"/>
+            <a:pPr marL="457200" indent="-457200">
+              <a:lnSpc>
+                <a:spcPct val="100000"/>
+              </a:lnSpc>
+              <a:buFont typeface="Arial" panose="020B0604020202020204" pitchFamily="34" charset="0"/>
               <a:buChar char="•"/>
             </a:pPr>
             <a:r>
@@ -28319,11 +29219,11 @@
           <a:bodyPr lIns="90000" tIns="45000" rIns="90000" bIns="45000"/>
           <a:lstStyle/>
           <a:p>
-            <a:pPr>
-              <a:lnSpc>
-                <a:spcPct val="100000"/>
-              </a:lnSpc>
-              <a:buFont typeface="Arial"/>
+            <a:pPr marL="457200" indent="-457200">
+              <a:lnSpc>
+                <a:spcPct val="100000"/>
+              </a:lnSpc>
+              <a:buFont typeface="Arial" panose="020B0604020202020204" pitchFamily="34" charset="0"/>
               <a:buChar char="•"/>
             </a:pPr>
             <a:r>
@@ -28375,11 +29275,11 @@
           <a:bodyPr lIns="90000" tIns="45000" rIns="90000" bIns="45000"/>
           <a:lstStyle/>
           <a:p>
-            <a:pPr>
-              <a:lnSpc>
-                <a:spcPct val="100000"/>
-              </a:lnSpc>
-              <a:buFont typeface="Arial"/>
+            <a:pPr marL="457200" indent="-457200">
+              <a:lnSpc>
+                <a:spcPct val="100000"/>
+              </a:lnSpc>
+              <a:buFont typeface="Arial" panose="020B0604020202020204" pitchFamily="34" charset="0"/>
               <a:buChar char="•"/>
             </a:pPr>
             <a:r>
@@ -28896,11 +29796,11 @@
           <a:bodyPr lIns="90000" tIns="45000" rIns="90000" bIns="45000"/>
           <a:lstStyle/>
           <a:p>
-            <a:pPr>
-              <a:lnSpc>
-                <a:spcPct val="100000"/>
-              </a:lnSpc>
-              <a:buFont typeface="Arial"/>
+            <a:pPr marL="457200" indent="-457200">
+              <a:lnSpc>
+                <a:spcPct val="100000"/>
+              </a:lnSpc>
+              <a:buFont typeface="Arial" panose="020B0604020202020204" pitchFamily="34" charset="0"/>
               <a:buChar char="•"/>
             </a:pPr>
             <a:r>
@@ -28952,11 +29852,11 @@
           <a:bodyPr lIns="90000" tIns="45000" rIns="90000" bIns="45000"/>
           <a:lstStyle/>
           <a:p>
-            <a:pPr>
-              <a:lnSpc>
-                <a:spcPct val="100000"/>
-              </a:lnSpc>
-              <a:buFont typeface="Arial"/>
+            <a:pPr marL="457200" indent="-457200">
+              <a:lnSpc>
+                <a:spcPct val="100000"/>
+              </a:lnSpc>
+              <a:buFont typeface="Arial" panose="020B0604020202020204" pitchFamily="34" charset="0"/>
               <a:buChar char="•"/>
             </a:pPr>
             <a:r>
@@ -29008,11 +29908,11 @@
           <a:bodyPr lIns="90000" tIns="45000" rIns="90000" bIns="45000"/>
           <a:lstStyle/>
           <a:p>
-            <a:pPr>
-              <a:lnSpc>
-                <a:spcPct val="100000"/>
-              </a:lnSpc>
-              <a:buFont typeface="Arial"/>
+            <a:pPr marL="457200" indent="-457200">
+              <a:lnSpc>
+                <a:spcPct val="100000"/>
+              </a:lnSpc>
+              <a:buFont typeface="Arial" panose="020B0604020202020204" pitchFamily="34" charset="0"/>
               <a:buChar char="•"/>
             </a:pPr>
             <a:r>
@@ -29064,11 +29964,11 @@
           <a:bodyPr lIns="90000" tIns="45000" rIns="90000" bIns="45000"/>
           <a:lstStyle/>
           <a:p>
-            <a:pPr>
-              <a:lnSpc>
-                <a:spcPct val="100000"/>
-              </a:lnSpc>
-              <a:buFont typeface="Arial"/>
+            <a:pPr marL="457200" indent="-457200">
+              <a:lnSpc>
+                <a:spcPct val="100000"/>
+              </a:lnSpc>
+              <a:buFont typeface="Arial" panose="020B0604020202020204" pitchFamily="34" charset="0"/>
               <a:buChar char="•"/>
             </a:pPr>
             <a:r>
@@ -29174,24 +30074,34 @@
           <a:bodyPr lIns="90000" tIns="45000" rIns="90000" bIns="45000"/>
           <a:lstStyle/>
           <a:p>
-            <a:pPr>
-              <a:lnSpc>
-                <a:spcPct val="100000"/>
-              </a:lnSpc>
-              <a:buFont typeface="Arial"/>
+            <a:pPr marL="457200" indent="-457200">
+              <a:lnSpc>
+                <a:spcPct val="100000"/>
+              </a:lnSpc>
+              <a:buFont typeface="Arial" panose="020B0604020202020204" pitchFamily="34" charset="0"/>
               <a:buChar char="•"/>
             </a:pPr>
             <a:r>
-              <a:rPr lang="en-US" sz="3200" strike="noStrike">
+              <a:rPr lang="en-US" sz="3200" strike="noStrike" dirty="0" err="1">
                 <a:solidFill>
                   <a:srgbClr val="000000"/>
                 </a:solidFill>
                 <a:latin typeface="Calibri"/>
                 <a:ea typeface="DejaVu Sans"/>
               </a:rPr>
-              <a:t>Somente Double (64-bit float)</a:t>
-            </a:r>
-            <a:endParaRPr/>
+              <a:t>Somente</a:t>
+            </a:r>
+            <a:r>
+              <a:rPr lang="en-US" sz="3200" strike="noStrike" dirty="0">
+                <a:solidFill>
+                  <a:srgbClr val="000000"/>
+                </a:solidFill>
+                <a:latin typeface="Calibri"/>
+                <a:ea typeface="DejaVu Sans"/>
+              </a:rPr>
+              <a:t> Double (64-bit float)</a:t>
+            </a:r>
+            <a:endParaRPr dirty="0"/>
           </a:p>
         </p:txBody>
       </p:sp>
@@ -29230,11 +30140,11 @@
           <a:bodyPr lIns="90000" tIns="45000" rIns="90000" bIns="45000"/>
           <a:lstStyle/>
           <a:p>
-            <a:pPr>
-              <a:lnSpc>
-                <a:spcPct val="100000"/>
-              </a:lnSpc>
-              <a:buFont typeface="Arial"/>
+            <a:pPr marL="457200" indent="-457200">
+              <a:lnSpc>
+                <a:spcPct val="100000"/>
+              </a:lnSpc>
+              <a:buFont typeface="Arial" panose="020B0604020202020204" pitchFamily="34" charset="0"/>
               <a:buChar char="•"/>
             </a:pPr>
             <a:r>
@@ -29286,11 +30196,11 @@
           <a:bodyPr lIns="90000" tIns="45000" rIns="90000" bIns="45000"/>
           <a:lstStyle/>
           <a:p>
-            <a:pPr>
-              <a:lnSpc>
-                <a:spcPct val="100000"/>
-              </a:lnSpc>
-              <a:buFont typeface="Arial"/>
+            <a:pPr marL="457200" indent="-457200">
+              <a:lnSpc>
+                <a:spcPct val="100000"/>
+              </a:lnSpc>
+              <a:buFont typeface="Arial" panose="020B0604020202020204" pitchFamily="34" charset="0"/>
               <a:buChar char="•"/>
             </a:pPr>
             <a:r>
@@ -29342,11 +30252,11 @@
           <a:bodyPr lIns="90000" tIns="45000" rIns="90000" bIns="45000"/>
           <a:lstStyle/>
           <a:p>
-            <a:pPr>
-              <a:lnSpc>
-                <a:spcPct val="100000"/>
-              </a:lnSpc>
-              <a:buFont typeface="Arial"/>
+            <a:pPr marL="457200" indent="-457200">
+              <a:lnSpc>
+                <a:spcPct val="100000"/>
+              </a:lnSpc>
+              <a:buFont typeface="Arial" panose="020B0604020202020204" pitchFamily="34" charset="0"/>
               <a:buChar char="•"/>
             </a:pPr>
             <a:r>
@@ -29998,11 +30908,11 @@
           <a:bodyPr lIns="90000" tIns="45000" rIns="90000" bIns="45000"/>
           <a:lstStyle/>
           <a:p>
-            <a:pPr>
-              <a:lnSpc>
-                <a:spcPct val="100000"/>
-              </a:lnSpc>
-              <a:buFont typeface="Arial"/>
+            <a:pPr marL="457200" indent="-457200">
+              <a:lnSpc>
+                <a:spcPct val="100000"/>
+              </a:lnSpc>
+              <a:buFont typeface="Arial" panose="020B0604020202020204" pitchFamily="34" charset="0"/>
               <a:buChar char="•"/>
             </a:pPr>
             <a:r>
@@ -30054,15 +30964,15 @@
           <a:bodyPr lIns="90000" tIns="45000" rIns="90000" bIns="45000"/>
           <a:lstStyle/>
           <a:p>
-            <a:pPr>
-              <a:lnSpc>
-                <a:spcPct val="100000"/>
-              </a:lnSpc>
-              <a:buFont typeface="Arial"/>
+            <a:pPr marL="457200" indent="-457200">
+              <a:lnSpc>
+                <a:spcPct val="100000"/>
+              </a:lnSpc>
+              <a:buFont typeface="Arial" panose="020B0604020202020204" pitchFamily="34" charset="0"/>
               <a:buChar char="•"/>
             </a:pPr>
             <a:r>
-              <a:rPr lang="en-US" sz="3200" strike="noStrike">
+              <a:rPr lang="en-US" sz="3200" strike="noStrike" dirty="0">
                 <a:solidFill>
                   <a:srgbClr val="000000"/>
                 </a:solidFill>
@@ -30071,7 +30981,7 @@
               </a:rPr>
               <a:t>Infinity</a:t>
             </a:r>
-            <a:endParaRPr/>
+            <a:endParaRPr dirty="0"/>
           </a:p>
         </p:txBody>
       </p:sp>
@@ -30110,11 +31020,11 @@
           <a:bodyPr lIns="90000" tIns="45000" rIns="90000" bIns="45000"/>
           <a:lstStyle/>
           <a:p>
-            <a:pPr>
-              <a:lnSpc>
-                <a:spcPct val="100000"/>
-              </a:lnSpc>
-              <a:buFont typeface="Arial"/>
+            <a:pPr marL="457200" indent="-457200">
+              <a:lnSpc>
+                <a:spcPct val="100000"/>
+              </a:lnSpc>
+              <a:buFont typeface="Arial" panose="020B0604020202020204" pitchFamily="34" charset="0"/>
               <a:buChar char="•"/>
             </a:pPr>
             <a:r>
@@ -30166,11 +31076,11 @@
           <a:bodyPr lIns="90000" tIns="45000" rIns="90000" bIns="45000"/>
           <a:lstStyle/>
           <a:p>
-            <a:pPr>
-              <a:lnSpc>
-                <a:spcPct val="100000"/>
-              </a:lnSpc>
-              <a:buFont typeface="Arial"/>
+            <a:pPr marL="457200" indent="-457200">
+              <a:lnSpc>
+                <a:spcPct val="100000"/>
+              </a:lnSpc>
+              <a:buFont typeface="Arial" panose="020B0604020202020204" pitchFamily="34" charset="0"/>
               <a:buChar char="•"/>
             </a:pPr>
             <a:r>
@@ -30276,11 +31186,11 @@
           <a:bodyPr lIns="90000" tIns="45000" rIns="90000" bIns="45000"/>
           <a:lstStyle/>
           <a:p>
-            <a:pPr>
-              <a:lnSpc>
-                <a:spcPct val="100000"/>
-              </a:lnSpc>
-              <a:buFont typeface="Arial"/>
+            <a:pPr marL="457200" indent="-457200">
+              <a:lnSpc>
+                <a:spcPct val="100000"/>
+              </a:lnSpc>
+              <a:buFont typeface="Arial" panose="020B0604020202020204" pitchFamily="34" charset="0"/>
               <a:buChar char="•"/>
             </a:pPr>
             <a:r>
@@ -30348,11 +31258,11 @@
           <a:bodyPr lIns="90000" tIns="45000" rIns="90000" bIns="45000"/>
           <a:lstStyle/>
           <a:p>
-            <a:pPr>
-              <a:lnSpc>
-                <a:spcPct val="100000"/>
-              </a:lnSpc>
-              <a:buFont typeface="Arial"/>
+            <a:pPr marL="457200" indent="-457200">
+              <a:lnSpc>
+                <a:spcPct val="100000"/>
+              </a:lnSpc>
+              <a:buFont typeface="Arial" panose="020B0604020202020204" pitchFamily="34" charset="0"/>
               <a:buChar char="•"/>
             </a:pPr>
             <a:r>
@@ -30589,11 +31499,11 @@
           <a:bodyPr lIns="90000" tIns="45000" rIns="90000" bIns="45000"/>
           <a:lstStyle/>
           <a:p>
-            <a:pPr>
-              <a:lnSpc>
-                <a:spcPct val="100000"/>
-              </a:lnSpc>
-              <a:buFont typeface="Arial"/>
+            <a:pPr marL="457200" indent="-457200">
+              <a:lnSpc>
+                <a:spcPct val="100000"/>
+              </a:lnSpc>
+              <a:buFont typeface="Arial" panose="020B0604020202020204" pitchFamily="34" charset="0"/>
               <a:buChar char="•"/>
             </a:pPr>
             <a:r>
@@ -31051,11 +31961,11 @@
           <a:bodyPr lIns="90000" tIns="45000" rIns="90000" bIns="45000"/>
           <a:lstStyle/>
           <a:p>
-            <a:pPr>
-              <a:lnSpc>
-                <a:spcPct val="100000"/>
-              </a:lnSpc>
-              <a:buFont typeface="Arial"/>
+            <a:pPr marL="457200" indent="-457200">
+              <a:lnSpc>
+                <a:spcPct val="100000"/>
+              </a:lnSpc>
+              <a:buFont typeface="Arial" panose="020B0604020202020204" pitchFamily="34" charset="0"/>
               <a:buChar char="•"/>
             </a:pPr>
             <a:r>
@@ -31161,24 +32071,94 @@
           <a:bodyPr lIns="90000" tIns="45000" rIns="90000" bIns="45000"/>
           <a:lstStyle/>
           <a:p>
-            <a:pPr>
-              <a:lnSpc>
-                <a:spcPct val="100000"/>
-              </a:lnSpc>
-              <a:buFont typeface="Arial"/>
+            <a:pPr marL="457200" indent="-457200">
+              <a:lnSpc>
+                <a:spcPct val="100000"/>
+              </a:lnSpc>
+              <a:buFont typeface="Arial" panose="020B0604020202020204" pitchFamily="34" charset="0"/>
               <a:buChar char="•"/>
             </a:pPr>
             <a:r>
-              <a:rPr lang="en-US" sz="3200" strike="noStrike">
+              <a:rPr lang="en-US" sz="3200" strike="noStrike" dirty="0" err="1">
                 <a:solidFill>
                   <a:srgbClr val="000000"/>
                 </a:solidFill>
                 <a:latin typeface="Calibri"/>
                 <a:ea typeface="DejaVu Sans"/>
               </a:rPr>
-              <a:t>Sequência de 0 ou mais caracteres de 16-bits</a:t>
-            </a:r>
-            <a:endParaRPr/>
+              <a:t>Sequência</a:t>
+            </a:r>
+            <a:r>
+              <a:rPr lang="en-US" sz="3200" strike="noStrike" dirty="0">
+                <a:solidFill>
+                  <a:srgbClr val="000000"/>
+                </a:solidFill>
+                <a:latin typeface="Calibri"/>
+                <a:ea typeface="DejaVu Sans"/>
+              </a:rPr>
+              <a:t> de 0 </a:t>
+            </a:r>
+            <a:r>
+              <a:rPr lang="en-US" sz="3200" strike="noStrike" dirty="0" err="1">
+                <a:solidFill>
+                  <a:srgbClr val="000000"/>
+                </a:solidFill>
+                <a:latin typeface="Calibri"/>
+                <a:ea typeface="DejaVu Sans"/>
+              </a:rPr>
+              <a:t>ou</a:t>
+            </a:r>
+            <a:r>
+              <a:rPr lang="en-US" sz="3200" strike="noStrike" dirty="0">
+                <a:solidFill>
+                  <a:srgbClr val="000000"/>
+                </a:solidFill>
+                <a:latin typeface="Calibri"/>
+                <a:ea typeface="DejaVu Sans"/>
+              </a:rPr>
+              <a:t> </a:t>
+            </a:r>
+            <a:r>
+              <a:rPr lang="en-US" sz="3200" strike="noStrike" dirty="0" err="1">
+                <a:solidFill>
+                  <a:srgbClr val="000000"/>
+                </a:solidFill>
+                <a:latin typeface="Calibri"/>
+                <a:ea typeface="DejaVu Sans"/>
+              </a:rPr>
+              <a:t>mais</a:t>
+            </a:r>
+            <a:r>
+              <a:rPr lang="en-US" sz="3200" strike="noStrike" dirty="0">
+                <a:solidFill>
+                  <a:srgbClr val="000000"/>
+                </a:solidFill>
+                <a:latin typeface="Calibri"/>
+                <a:ea typeface="DejaVu Sans"/>
+              </a:rPr>
+              <a:t> </a:t>
+            </a:r>
+            <a:r>
+              <a:rPr lang="en-US" sz="3200" strike="noStrike" dirty="0" err="1">
+                <a:solidFill>
+                  <a:srgbClr val="000000"/>
+                </a:solidFill>
+                <a:latin typeface="Calibri"/>
+                <a:ea typeface="DejaVu Sans"/>
+              </a:rPr>
+              <a:t>caracteres</a:t>
+            </a:r>
+            <a:r>
+              <a:rPr lang="en-US" sz="3200" strike="noStrike" dirty="0">
+                <a:solidFill>
+                  <a:srgbClr val="000000"/>
+                </a:solidFill>
+                <a:latin typeface="Calibri"/>
+                <a:ea typeface="DejaVu Sans"/>
+              </a:rPr>
+              <a:t> de 16-bits</a:t>
+            </a:r>
+            <a:endParaRPr dirty="0"/>
           </a:p>
         </p:txBody>
       </p:sp>
@@ -31217,11 +32197,11 @@
           <a:bodyPr lIns="90000" tIns="45000" rIns="90000" bIns="45000"/>
           <a:lstStyle/>
           <a:p>
-            <a:pPr>
-              <a:lnSpc>
-                <a:spcPct val="100000"/>
-              </a:lnSpc>
-              <a:buFont typeface="Arial"/>
+            <a:pPr marL="457200" indent="-457200">
+              <a:lnSpc>
+                <a:spcPct val="100000"/>
+              </a:lnSpc>
+              <a:buFont typeface="Arial" panose="020B0604020202020204" pitchFamily="34" charset="0"/>
               <a:buChar char="•"/>
             </a:pPr>
             <a:r>
@@ -31273,11 +32253,11 @@
           <a:bodyPr lIns="90000" tIns="45000" rIns="90000" bIns="45000"/>
           <a:lstStyle/>
           <a:p>
-            <a:pPr>
-              <a:lnSpc>
-                <a:spcPct val="100000"/>
-              </a:lnSpc>
-              <a:buFont typeface="Arial"/>
+            <a:pPr marL="457200" indent="-457200">
+              <a:lnSpc>
+                <a:spcPct val="100000"/>
+              </a:lnSpc>
+              <a:buFont typeface="Arial" panose="020B0604020202020204" pitchFamily="34" charset="0"/>
               <a:buChar char="•"/>
             </a:pPr>
             <a:r>
@@ -31329,11 +32309,11 @@
           <a:bodyPr lIns="90000" tIns="45000" rIns="90000" bIns="45000"/>
           <a:lstStyle/>
           <a:p>
-            <a:pPr>
-              <a:lnSpc>
-                <a:spcPct val="100000"/>
-              </a:lnSpc>
-              <a:buFont typeface="Arial"/>
+            <a:pPr marL="457200" indent="-457200">
+              <a:lnSpc>
+                <a:spcPct val="100000"/>
+              </a:lnSpc>
+              <a:buFont typeface="Arial" panose="020B0604020202020204" pitchFamily="34" charset="0"/>
               <a:buChar char="•"/>
             </a:pPr>
             <a:r>
@@ -31850,11 +32830,11 @@
           <a:bodyPr lIns="90000" tIns="45000" rIns="90000" bIns="45000"/>
           <a:lstStyle/>
           <a:p>
-            <a:pPr>
-              <a:lnSpc>
-                <a:spcPct val="100000"/>
-              </a:lnSpc>
-              <a:buFont typeface="Arial"/>
+            <a:pPr marL="457200" indent="-457200">
+              <a:lnSpc>
+                <a:spcPct val="100000"/>
+              </a:lnSpc>
+              <a:buFont typeface="Arial" panose="020B0604020202020204" pitchFamily="34" charset="0"/>
               <a:buChar char="•"/>
             </a:pPr>
             <a:r>
@@ -31960,15 +32940,15 @@
           <a:bodyPr lIns="90000" tIns="45000" rIns="90000" bIns="45000"/>
           <a:lstStyle/>
           <a:p>
-            <a:pPr>
-              <a:lnSpc>
-                <a:spcPct val="100000"/>
-              </a:lnSpc>
-              <a:buFont typeface="Arial"/>
+            <a:pPr marL="457200" indent="-457200">
+              <a:lnSpc>
+                <a:spcPct val="100000"/>
+              </a:lnSpc>
+              <a:buFont typeface="Arial" panose="020B0604020202020204" pitchFamily="34" charset="0"/>
               <a:buChar char="•"/>
             </a:pPr>
             <a:r>
-              <a:rPr lang="en-US" sz="3200" strike="noStrike">
+              <a:rPr lang="en-US" sz="3200" strike="noStrike" dirty="0">
                 <a:solidFill>
                   <a:srgbClr val="000000"/>
                 </a:solidFill>
@@ -31977,7 +32957,7 @@
               </a:rPr>
               <a:t>Null é o valor para nada</a:t>
             </a:r>
-            <a:endParaRPr/>
+            <a:endParaRPr dirty="0"/>
           </a:p>
         </p:txBody>
       </p:sp>
@@ -32346,11 +33326,11 @@
           <a:bodyPr lIns="90000" tIns="45000" rIns="90000" bIns="45000"/>
           <a:lstStyle/>
           <a:p>
-            <a:pPr>
-              <a:lnSpc>
-                <a:spcPct val="100000"/>
-              </a:lnSpc>
-              <a:buFont typeface="Arial"/>
+            <a:pPr marL="457200" indent="-457200">
+              <a:lnSpc>
+                <a:spcPct val="100000"/>
+              </a:lnSpc>
+              <a:buFont typeface="Arial" panose="020B0604020202020204" pitchFamily="34" charset="0"/>
               <a:buChar char="•"/>
             </a:pPr>
             <a:r>
@@ -32456,24 +33436,44 @@
           <a:bodyPr lIns="90000" tIns="45000" rIns="90000" bIns="45000"/>
           <a:lstStyle/>
           <a:p>
-            <a:pPr>
-              <a:lnSpc>
-                <a:spcPct val="100000"/>
-              </a:lnSpc>
-              <a:buFont typeface="Arial"/>
+            <a:pPr marL="457200" indent="-457200">
+              <a:lnSpc>
+                <a:spcPct val="100000"/>
+              </a:lnSpc>
+              <a:buFont typeface="Arial" panose="020B0604020202020204" pitchFamily="34" charset="0"/>
               <a:buChar char="•"/>
             </a:pPr>
             <a:r>
-              <a:rPr lang="en-US" sz="3200" strike="noStrike">
+              <a:rPr lang="en-US" sz="3200" strike="noStrike" dirty="0">
                 <a:solidFill>
                   <a:srgbClr val="000000"/>
                 </a:solidFill>
                 <a:latin typeface="Calibri"/>
                 <a:ea typeface="DejaVu Sans"/>
               </a:rPr>
-              <a:t>true ou false</a:t>
-            </a:r>
-            <a:endParaRPr/>
+              <a:t>true </a:t>
+            </a:r>
+            <a:r>
+              <a:rPr lang="en-US" sz="3200" strike="noStrike" dirty="0" err="1">
+                <a:solidFill>
+                  <a:srgbClr val="000000"/>
+                </a:solidFill>
+                <a:latin typeface="Calibri"/>
+                <a:ea typeface="DejaVu Sans"/>
+              </a:rPr>
+              <a:t>ou</a:t>
+            </a:r>
+            <a:r>
+              <a:rPr lang="en-US" sz="3200" strike="noStrike" dirty="0">
+                <a:solidFill>
+                  <a:srgbClr val="000000"/>
+                </a:solidFill>
+                <a:latin typeface="Calibri"/>
+                <a:ea typeface="DejaVu Sans"/>
+              </a:rPr>
+              <a:t> false</a:t>
+            </a:r>
+            <a:endParaRPr dirty="0"/>
           </a:p>
         </p:txBody>
       </p:sp>
@@ -32512,11 +33512,11 @@
           <a:bodyPr lIns="90000" tIns="45000" rIns="90000" bIns="45000"/>
           <a:lstStyle/>
           <a:p>
-            <a:pPr>
-              <a:lnSpc>
-                <a:spcPct val="100000"/>
-              </a:lnSpc>
-              <a:buFont typeface="Arial"/>
+            <a:pPr marL="457200" indent="-457200">
+              <a:lnSpc>
+                <a:spcPct val="100000"/>
+              </a:lnSpc>
+              <a:buFont typeface="Arial" panose="020B0604020202020204" pitchFamily="34" charset="0"/>
               <a:buChar char="•"/>
             </a:pPr>
             <a:r>

--- a/Slides.pptx
+++ b/Slides.pptx
@@ -1150,13 +1150,7 @@
               <a:rPr lang="en-US" sz="2000" strike="noStrike" dirty="0" smtClean="0">
                 <a:latin typeface="DejaVu Sans"/>
               </a:rPr>
-              <a:t> (</a:t>
-            </a:r>
-            <a:r>
-              <a:rPr lang="en-US" sz="2000" strike="noStrike" dirty="0" smtClean="0">
-                <a:latin typeface="DejaVu Sans"/>
-              </a:rPr>
-              <a:t>CONSOLE)</a:t>
+              <a:t> (CONSOLE)</a:t>
             </a:r>
             <a:endParaRPr dirty="0"/>
           </a:p>
@@ -24156,16 +24150,26 @@
               <a:buChar char="•"/>
             </a:pPr>
             <a:r>
-              <a:rPr lang="en-US" sz="2800" strike="noStrike">
+              <a:rPr lang="en-US" sz="2800" strike="noStrike" dirty="0" err="1">
                 <a:solidFill>
                   <a:srgbClr val="000000"/>
                 </a:solidFill>
                 <a:latin typeface="Calibri"/>
                 <a:ea typeface="DejaVu Sans"/>
               </a:rPr>
-              <a:t>Operador new</a:t>
-            </a:r>
-            <a:endParaRPr/>
+              <a:t>Operador</a:t>
+            </a:r>
+            <a:r>
+              <a:rPr lang="en-US" sz="2800" strike="noStrike" dirty="0">
+                <a:solidFill>
+                  <a:srgbClr val="000000"/>
+                </a:solidFill>
+                <a:latin typeface="Calibri"/>
+                <a:ea typeface="DejaVu Sans"/>
+              </a:rPr>
+              <a:t> new</a:t>
+            </a:r>
+            <a:endParaRPr dirty="0"/>
           </a:p>
         </p:txBody>
       </p:sp>
@@ -24212,7 +24216,7 @@
               <a:buChar char="•"/>
             </a:pPr>
             <a:r>
-              <a:rPr lang="en-US" sz="3200" strike="noStrike">
+              <a:rPr lang="en-US" sz="3200" strike="noStrike" dirty="0">
                 <a:solidFill>
                   <a:srgbClr val="000000"/>
                 </a:solidFill>
@@ -24221,7 +24225,7 @@
               </a:rPr>
               <a:t>Constructor functions</a:t>
             </a:r>
-            <a:endParaRPr/>
+            <a:endParaRPr dirty="0"/>
           </a:p>
         </p:txBody>
       </p:sp>
@@ -24268,16 +24272,46 @@
               <a:buChar char="•"/>
             </a:pPr>
             <a:r>
-              <a:rPr lang="en-US" sz="2800" strike="noStrike">
+              <a:rPr lang="en-US" sz="2800" strike="noStrike" dirty="0" err="1">
                 <a:solidFill>
                   <a:srgbClr val="000000"/>
                 </a:solidFill>
                 <a:latin typeface="Calibri"/>
                 <a:ea typeface="DejaVu Sans"/>
               </a:rPr>
-              <a:t>Retorna this por default</a:t>
-            </a:r>
-            <a:endParaRPr/>
+              <a:t>Retorna</a:t>
+            </a:r>
+            <a:r>
+              <a:rPr lang="en-US" sz="2800" strike="noStrike" dirty="0">
+                <a:solidFill>
+                  <a:srgbClr val="000000"/>
+                </a:solidFill>
+                <a:latin typeface="Calibri"/>
+                <a:ea typeface="DejaVu Sans"/>
+              </a:rPr>
+              <a:t> this </a:t>
+            </a:r>
+            <a:r>
+              <a:rPr lang="en-US" sz="2800" strike="noStrike" dirty="0" err="1">
+                <a:solidFill>
+                  <a:srgbClr val="000000"/>
+                </a:solidFill>
+                <a:latin typeface="Calibri"/>
+                <a:ea typeface="DejaVu Sans"/>
+              </a:rPr>
+              <a:t>por</a:t>
+            </a:r>
+            <a:r>
+              <a:rPr lang="en-US" sz="2800" strike="noStrike" dirty="0">
+                <a:solidFill>
+                  <a:srgbClr val="000000"/>
+                </a:solidFill>
+                <a:latin typeface="Calibri"/>
+                <a:ea typeface="DejaVu Sans"/>
+              </a:rPr>
+              <a:t> default</a:t>
+            </a:r>
+            <a:endParaRPr dirty="0"/>
           </a:p>
         </p:txBody>
       </p:sp>
@@ -24324,7 +24358,7 @@
               <a:buChar char="•"/>
             </a:pPr>
             <a:r>
-              <a:rPr lang="en-US" sz="2800" strike="noStrike">
+              <a:rPr lang="en-US" sz="2800" strike="noStrike" dirty="0">
                 <a:solidFill>
                   <a:srgbClr val="000000"/>
                 </a:solidFill>
@@ -24333,7 +24367,7 @@
               </a:rPr>
               <a:t>Method form</a:t>
             </a:r>
-            <a:endParaRPr/>
+            <a:endParaRPr dirty="0"/>
           </a:p>
         </p:txBody>
       </p:sp>
@@ -24436,16 +24470,36 @@
               <a:buChar char="•"/>
             </a:pPr>
             <a:r>
-              <a:rPr lang="en-US" sz="3200" strike="noStrike">
+              <a:rPr lang="en-US" sz="3200" strike="noStrike" dirty="0" err="1">
                 <a:solidFill>
                   <a:srgbClr val="000000"/>
                 </a:solidFill>
                 <a:latin typeface="Calibri"/>
                 <a:ea typeface="DejaVu Sans"/>
               </a:rPr>
-              <a:t>Chamando funções</a:t>
-            </a:r>
-            <a:endParaRPr/>
+              <a:t>Chamando</a:t>
+            </a:r>
+            <a:r>
+              <a:rPr lang="en-US" sz="3200" strike="noStrike" dirty="0">
+                <a:solidFill>
+                  <a:srgbClr val="000000"/>
+                </a:solidFill>
+                <a:latin typeface="Calibri"/>
+                <a:ea typeface="DejaVu Sans"/>
+              </a:rPr>
+              <a:t> </a:t>
+            </a:r>
+            <a:r>
+              <a:rPr lang="en-US" sz="3200" strike="noStrike" dirty="0" err="1">
+                <a:solidFill>
+                  <a:srgbClr val="000000"/>
+                </a:solidFill>
+                <a:latin typeface="Calibri"/>
+                <a:ea typeface="DejaVu Sans"/>
+              </a:rPr>
+              <a:t>funções</a:t>
+            </a:r>
+            <a:endParaRPr dirty="0"/>
           </a:p>
         </p:txBody>
       </p:sp>
@@ -24492,7 +24546,7 @@
               <a:buChar char="•"/>
             </a:pPr>
             <a:r>
-              <a:rPr lang="en-US" sz="2800" strike="noStrike">
+              <a:rPr lang="en-US" sz="2800" strike="noStrike" dirty="0">
                 <a:solidFill>
                   <a:srgbClr val="000000"/>
                 </a:solidFill>
@@ -24501,7 +24555,7 @@
               </a:rPr>
               <a:t>Call e Apply</a:t>
             </a:r>
-            <a:endParaRPr/>
+            <a:endParaRPr dirty="0"/>
           </a:p>
         </p:txBody>
       </p:sp>
@@ -24895,23 +24949,23 @@
       <p:par>
         <p:cTn id="1" dur="indefinite" restart="never" nodeType="tmRoot">
           <p:childTnLst>
-            <p:seq>
-              <p:cTn id="2" nodeType="mainSeq">
+            <p:seq concurrent="1" nextAc="seek">
+              <p:cTn id="2" dur="indefinite" nodeType="mainSeq">
                 <p:childTnLst>
                   <p:par>
-                    <p:cTn id="3" fill="freeze">
+                    <p:cTn id="3" fill="hold">
                       <p:stCondLst>
                         <p:cond delay="indefinite"/>
                       </p:stCondLst>
                       <p:childTnLst>
                         <p:par>
-                          <p:cTn id="4" fill="freeze">
+                          <p:cTn id="4" fill="hold">
                             <p:stCondLst>
                               <p:cond delay="0"/>
                             </p:stCondLst>
                             <p:childTnLst>
                               <p:par>
-                                <p:cTn id="5" presetID="1" presetClass="entr" fill="hold" nodeType="clickEffect">
+                                <p:cTn id="5" presetID="1" presetClass="entr" presetSubtype="0" fill="hold" grpId="0" nodeType="clickEffect">
                                   <p:stCondLst>
                                     <p:cond delay="0"/>
                                   </p:stCondLst>
@@ -24944,19 +24998,19 @@
                     </p:cTn>
                   </p:par>
                   <p:par>
-                    <p:cTn id="7" fill="freeze">
+                    <p:cTn id="7" fill="hold">
                       <p:stCondLst>
                         <p:cond delay="indefinite"/>
                       </p:stCondLst>
                       <p:childTnLst>
                         <p:par>
-                          <p:cTn id="8" fill="freeze">
+                          <p:cTn id="8" fill="hold">
                             <p:stCondLst>
                               <p:cond delay="0"/>
                             </p:stCondLst>
                             <p:childTnLst>
                               <p:par>
-                                <p:cTn id="9" presetID="1" presetClass="entr" fill="hold" nodeType="clickEffect">
+                                <p:cTn id="9" presetID="1" presetClass="entr" presetSubtype="0" fill="hold" grpId="0" nodeType="clickEffect">
                                   <p:stCondLst>
                                     <p:cond delay="0"/>
                                   </p:stCondLst>
@@ -24989,19 +25043,19 @@
                     </p:cTn>
                   </p:par>
                   <p:par>
-                    <p:cTn id="11" fill="freeze">
+                    <p:cTn id="11" fill="hold">
                       <p:stCondLst>
                         <p:cond delay="indefinite"/>
                       </p:stCondLst>
                       <p:childTnLst>
                         <p:par>
-                          <p:cTn id="12" fill="freeze">
+                          <p:cTn id="12" fill="hold">
                             <p:stCondLst>
                               <p:cond delay="0"/>
                             </p:stCondLst>
                             <p:childTnLst>
                               <p:par>
-                                <p:cTn id="13" presetID="1" presetClass="entr" fill="hold" nodeType="clickEffect">
+                                <p:cTn id="13" presetID="1" presetClass="entr" presetSubtype="0" fill="hold" grpId="0" nodeType="clickEffect">
                                   <p:stCondLst>
                                     <p:cond delay="0"/>
                                   </p:stCondLst>
@@ -25034,19 +25088,19 @@
                     </p:cTn>
                   </p:par>
                   <p:par>
-                    <p:cTn id="15" fill="freeze">
+                    <p:cTn id="15" fill="hold">
                       <p:stCondLst>
                         <p:cond delay="indefinite"/>
                       </p:stCondLst>
                       <p:childTnLst>
                         <p:par>
-                          <p:cTn id="16" fill="freeze">
+                          <p:cTn id="16" fill="hold">
                             <p:stCondLst>
                               <p:cond delay="0"/>
                             </p:stCondLst>
                             <p:childTnLst>
                               <p:par>
-                                <p:cTn id="17" presetID="1" presetClass="entr" fill="hold" nodeType="clickEffect">
+                                <p:cTn id="17" presetID="1" presetClass="entr" presetSubtype="0" fill="hold" grpId="0" nodeType="clickEffect">
                                   <p:stCondLst>
                                     <p:cond delay="0"/>
                                   </p:stCondLst>
@@ -25079,19 +25133,19 @@
                     </p:cTn>
                   </p:par>
                   <p:par>
-                    <p:cTn id="19" fill="freeze">
+                    <p:cTn id="19" fill="hold">
                       <p:stCondLst>
                         <p:cond delay="indefinite"/>
                       </p:stCondLst>
                       <p:childTnLst>
                         <p:par>
-                          <p:cTn id="20" fill="freeze">
+                          <p:cTn id="20" fill="hold">
                             <p:stCondLst>
                               <p:cond delay="0"/>
                             </p:stCondLst>
                             <p:childTnLst>
                               <p:par>
-                                <p:cTn id="21" presetID="1" presetClass="entr" fill="hold" nodeType="clickEffect">
+                                <p:cTn id="21" presetID="1" presetClass="entr" presetSubtype="0" fill="hold" grpId="0" nodeType="clickEffect">
                                   <p:stCondLst>
                                     <p:cond delay="0"/>
                                   </p:stCondLst>
@@ -25124,19 +25178,19 @@
                     </p:cTn>
                   </p:par>
                   <p:par>
-                    <p:cTn id="23" fill="freeze">
+                    <p:cTn id="23" fill="hold">
                       <p:stCondLst>
                         <p:cond delay="indefinite"/>
                       </p:stCondLst>
                       <p:childTnLst>
                         <p:par>
-                          <p:cTn id="24" fill="freeze">
+                          <p:cTn id="24" fill="hold">
                             <p:stCondLst>
                               <p:cond delay="0"/>
                             </p:stCondLst>
                             <p:childTnLst>
                               <p:par>
-                                <p:cTn id="25" presetID="1" presetClass="entr" fill="hold" nodeType="clickEffect">
+                                <p:cTn id="25" presetID="1" presetClass="entr" presetSubtype="0" fill="hold" grpId="0" nodeType="clickEffect">
                                   <p:stCondLst>
                                     <p:cond delay="0"/>
                                   </p:stCondLst>
@@ -25169,19 +25223,19 @@
                     </p:cTn>
                   </p:par>
                   <p:par>
-                    <p:cTn id="27" fill="freeze">
+                    <p:cTn id="27" fill="hold">
                       <p:stCondLst>
                         <p:cond delay="indefinite"/>
                       </p:stCondLst>
                       <p:childTnLst>
                         <p:par>
-                          <p:cTn id="28" fill="freeze">
+                          <p:cTn id="28" fill="hold">
                             <p:stCondLst>
                               <p:cond delay="0"/>
                             </p:stCondLst>
                             <p:childTnLst>
                               <p:par>
-                                <p:cTn id="29" presetID="1" presetClass="entr" fill="hold" nodeType="clickEffect">
+                                <p:cTn id="29" presetID="1" presetClass="entr" presetSubtype="0" fill="hold" grpId="0" nodeType="clickEffect">
                                   <p:stCondLst>
                                     <p:cond delay="0"/>
                                   </p:stCondLst>
@@ -25234,6 +25288,15 @@
         </p:cTn>
       </p:par>
     </p:tnLst>
+    <p:bldLst>
+      <p:bldP spid="219" grpId="0"/>
+      <p:bldP spid="220" grpId="0"/>
+      <p:bldP spid="221" grpId="0"/>
+      <p:bldP spid="222" grpId="0"/>
+      <p:bldP spid="223" grpId="0"/>
+      <p:bldP spid="224" grpId="0"/>
+      <p:bldP spid="225" grpId="0"/>
+    </p:bldLst>
   </p:timing>
 </p:sld>
 </file>
@@ -31820,7 +31883,7 @@
                                           </p:stCondLst>
                                         </p:cTn>
                                         <p:tgtEl>
-                                          <p:spTgt spid="119"/>
+                                          <p:spTgt spid="15"/>
                                         </p:tgtEl>
                                         <p:attrNameLst>
                                           <p:attrName>style.visibility</p:attrName>
@@ -31865,7 +31928,7 @@
                                           </p:stCondLst>
                                         </p:cTn>
                                         <p:tgtEl>
-                                          <p:spTgt spid="15"/>
+                                          <p:spTgt spid="119"/>
                                         </p:tgtEl>
                                         <p:attrNameLst>
                                           <p:attrName>style.visibility</p:attrName>
